--- a/preprint/assets/asesets.pptx
+++ b/preprint/assets/asesets.pptx
@@ -3876,10 +3876,10 @@
       </p:grpSpPr>
       <p:pic>
         <p:nvPicPr>
-          <p:cNvPr id="5" name="Picture 4" descr="A black and white square&#10;&#10;Description automatically generated">
-            <a:extLst>
-              <a:ext uri="{FF2B5EF4-FFF2-40B4-BE49-F238E27FC236}">
-                <a16:creationId xmlns:a16="http://schemas.microsoft.com/office/drawing/2014/main" id="{D04D0F5C-7999-23AD-1F68-2DC72B27F9E7}"/>
+          <p:cNvPr id="3" name="Picture 2" descr="A black and white rectangle&#10;&#10;Description automatically generated">
+            <a:extLst>
+              <a:ext uri="{FF2B5EF4-FFF2-40B4-BE49-F238E27FC236}">
+                <a16:creationId xmlns:a16="http://schemas.microsoft.com/office/drawing/2014/main" id="{171BC2B2-AF79-3420-BA09-32E30214E64C}"/>
               </a:ext>
             </a:extLst>
           </p:cNvPr>
@@ -3902,14 +3902,106 @@
         </p:blipFill>
         <p:spPr>
           <a:xfrm>
-            <a:off x="304800" y="1666875"/>
-            <a:ext cx="11582400" cy="3524250"/>
+            <a:off x="304800" y="818374"/>
+            <a:ext cx="11582400" cy="2371725"/>
           </a:xfrm>
           <a:prstGeom prst="rect">
             <a:avLst/>
           </a:prstGeom>
         </p:spPr>
       </p:pic>
+      <p:sp>
+        <p:nvSpPr>
+          <p:cNvPr id="10" name="TextBox 9">
+            <a:extLst>
+              <a:ext uri="{FF2B5EF4-FFF2-40B4-BE49-F238E27FC236}">
+                <a16:creationId xmlns:a16="http://schemas.microsoft.com/office/drawing/2014/main" id="{010D21F1-0EAF-05C1-76F0-C092D11255C2}"/>
+              </a:ext>
+            </a:extLst>
+          </p:cNvPr>
+          <p:cNvSpPr txBox="1"/>
+          <p:nvPr/>
+        </p:nvSpPr>
+        <p:spPr>
+          <a:xfrm>
+            <a:off x="743420" y="1010961"/>
+            <a:ext cx="1524000" cy="400110"/>
+          </a:xfrm>
+          <a:prstGeom prst="rect">
+            <a:avLst/>
+          </a:prstGeom>
+          <a:noFill/>
+        </p:spPr>
+        <p:txBody>
+          <a:bodyPr wrap="square" rtlCol="0">
+            <a:spAutoFit/>
+          </a:bodyPr>
+          <a:lstStyle/>
+          <a:p>
+            <a:pPr algn="ctr"/>
+            <a:r>
+              <a:rPr lang="en-GB" sz="2000" dirty="0">
+                <a:latin typeface="BIZ UDPGothic" panose="020B0400000000000000" pitchFamily="34" charset="-128"/>
+                <a:ea typeface="BIZ UDPGothic" panose="020B0400000000000000" pitchFamily="34" charset="-128"/>
+              </a:rPr>
+              <a:t>20 [</a:t>
+            </a:r>
+            <a:r>
+              <a:rPr lang="en-US" altLang="ja-JP" sz="2000" dirty="0" err="1">
+                <a:latin typeface="BIZ UDPGothic" panose="020B0400000000000000" pitchFamily="34" charset="-128"/>
+                <a:ea typeface="BIZ UDPGothic" panose="020B0400000000000000" pitchFamily="34" charset="-128"/>
+              </a:rPr>
+              <a:t>μs</a:t>
+            </a:r>
+            <a:r>
+              <a:rPr lang="en-GB" sz="2000" dirty="0">
+                <a:latin typeface="BIZ UDPGothic" panose="020B0400000000000000" pitchFamily="34" charset="-128"/>
+                <a:ea typeface="BIZ UDPGothic" panose="020B0400000000000000" pitchFamily="34" charset="-128"/>
+              </a:rPr>
+              <a:t>]</a:t>
+            </a:r>
+          </a:p>
+        </p:txBody>
+      </p:sp>
+      <p:sp>
+        <p:nvSpPr>
+          <p:cNvPr id="11" name="TextBox 10">
+            <a:extLst>
+              <a:ext uri="{FF2B5EF4-FFF2-40B4-BE49-F238E27FC236}">
+                <a16:creationId xmlns:a16="http://schemas.microsoft.com/office/drawing/2014/main" id="{18B5552F-BA1F-3B27-FDAC-38E748CB9F17}"/>
+              </a:ext>
+            </a:extLst>
+          </p:cNvPr>
+          <p:cNvSpPr txBox="1"/>
+          <p:nvPr/>
+        </p:nvSpPr>
+        <p:spPr>
+          <a:xfrm>
+            <a:off x="2113301" y="1043724"/>
+            <a:ext cx="1086240" cy="369332"/>
+          </a:xfrm>
+          <a:prstGeom prst="rect">
+            <a:avLst/>
+          </a:prstGeom>
+          <a:noFill/>
+        </p:spPr>
+        <p:txBody>
+          <a:bodyPr wrap="square" rtlCol="0">
+            <a:spAutoFit/>
+          </a:bodyPr>
+          <a:lstStyle/>
+          <a:p>
+            <a:pPr algn="ctr"/>
+            <a:r>
+              <a:rPr lang="en-GB" dirty="0">
+                <a:latin typeface="BIZ UDPGothic" panose="020B0400000000000000" pitchFamily="34" charset="-128"/>
+                <a:ea typeface="BIZ UDPGothic" panose="020B0400000000000000" pitchFamily="34" charset="-128"/>
+              </a:rPr>
+              <a:t>24[B]</a:t>
+            </a:r>
+          </a:p>
+        </p:txBody>
+      </p:sp>
     </p:spTree>
     <p:extLst>
       <p:ext uri="{BB962C8B-B14F-4D97-AF65-F5344CB8AC3E}">

--- a/preprint/assets/asesets.pptx
+++ b/preprint/assets/asesets.pptx
@@ -3874,134 +3874,643 @@
           <a:chExt cx="0" cy="0"/>
         </a:xfrm>
       </p:grpSpPr>
-      <p:pic>
-        <p:nvPicPr>
-          <p:cNvPr id="3" name="Picture 2" descr="A black and white rectangle&#10;&#10;Description automatically generated">
-            <a:extLst>
-              <a:ext uri="{FF2B5EF4-FFF2-40B4-BE49-F238E27FC236}">
-                <a16:creationId xmlns:a16="http://schemas.microsoft.com/office/drawing/2014/main" id="{171BC2B2-AF79-3420-BA09-32E30214E64C}"/>
-              </a:ext>
-            </a:extLst>
-          </p:cNvPr>
-          <p:cNvPicPr>
-            <a:picLocks noChangeAspect="1"/>
-          </p:cNvPicPr>
+      <p:grpSp>
+        <p:nvGrpSpPr>
+          <p:cNvPr id="15" name="Group 14">
+            <a:extLst>
+              <a:ext uri="{FF2B5EF4-FFF2-40B4-BE49-F238E27FC236}">
+                <a16:creationId xmlns:a16="http://schemas.microsoft.com/office/drawing/2014/main" id="{BFC0A9C9-1B80-168F-3307-802BA8D3C6A8}"/>
+              </a:ext>
+            </a:extLst>
+          </p:cNvPr>
+          <p:cNvGrpSpPr/>
           <p:nvPr/>
-        </p:nvPicPr>
-        <p:blipFill>
-          <a:blip r:embed="rId2">
-            <a:extLst>
-              <a:ext uri="{28A0092B-C50C-407E-A947-70E740481C1C}">
-                <a14:useLocalDpi xmlns:a14="http://schemas.microsoft.com/office/drawing/2010/main" val="0"/>
-              </a:ext>
-            </a:extLst>
-          </a:blip>
-          <a:stretch>
-            <a:fillRect/>
-          </a:stretch>
-        </p:blipFill>
-        <p:spPr>
+        </p:nvGrpSpPr>
+        <p:grpSpPr>
           <a:xfrm>
             <a:off x="304800" y="818374"/>
             <a:ext cx="11582400" cy="2371725"/>
+            <a:chOff x="304800" y="818374"/>
+            <a:chExt cx="11582400" cy="2371725"/>
           </a:xfrm>
-          <a:prstGeom prst="rect">
-            <a:avLst/>
-          </a:prstGeom>
-        </p:spPr>
-      </p:pic>
-      <p:sp>
-        <p:nvSpPr>
-          <p:cNvPr id="10" name="TextBox 9">
-            <a:extLst>
-              <a:ext uri="{FF2B5EF4-FFF2-40B4-BE49-F238E27FC236}">
-                <a16:creationId xmlns:a16="http://schemas.microsoft.com/office/drawing/2014/main" id="{010D21F1-0EAF-05C1-76F0-C092D11255C2}"/>
-              </a:ext>
-            </a:extLst>
-          </p:cNvPr>
-          <p:cNvSpPr txBox="1"/>
-          <p:nvPr/>
-        </p:nvSpPr>
-        <p:spPr>
-          <a:xfrm>
-            <a:off x="743420" y="1010961"/>
-            <a:ext cx="1524000" cy="400110"/>
-          </a:xfrm>
-          <a:prstGeom prst="rect">
-            <a:avLst/>
-          </a:prstGeom>
-          <a:noFill/>
-        </p:spPr>
-        <p:txBody>
-          <a:bodyPr wrap="square" rtlCol="0">
-            <a:spAutoFit/>
-          </a:bodyPr>
-          <a:lstStyle/>
-          <a:p>
-            <a:pPr algn="ctr"/>
-            <a:r>
-              <a:rPr lang="en-GB" sz="2000" dirty="0">
+        </p:grpSpPr>
+        <p:pic>
+          <p:nvPicPr>
+            <p:cNvPr id="3" name="Picture 2">
+              <a:extLst>
+                <a:ext uri="{FF2B5EF4-FFF2-40B4-BE49-F238E27FC236}">
+                  <a16:creationId xmlns:a16="http://schemas.microsoft.com/office/drawing/2014/main" id="{171BC2B2-AF79-3420-BA09-32E30214E64C}"/>
+                </a:ext>
+              </a:extLst>
+            </p:cNvPr>
+            <p:cNvPicPr>
+              <a:picLocks noChangeAspect="1"/>
+            </p:cNvPicPr>
+            <p:nvPr/>
+          </p:nvPicPr>
+          <p:blipFill>
+            <a:blip r:embed="rId2">
+              <a:extLst>
+                <a:ext uri="{28A0092B-C50C-407E-A947-70E740481C1C}">
+                  <a14:useLocalDpi xmlns:a14="http://schemas.microsoft.com/office/drawing/2010/main" val="0"/>
+                </a:ext>
+              </a:extLst>
+            </a:blip>
+            <a:srcRect/>
+            <a:stretch/>
+          </p:blipFill>
+          <p:spPr>
+            <a:xfrm>
+              <a:off x="304800" y="818374"/>
+              <a:ext cx="11582400" cy="2371725"/>
+            </a:xfrm>
+            <a:prstGeom prst="rect">
+              <a:avLst/>
+            </a:prstGeom>
+          </p:spPr>
+        </p:pic>
+        <p:sp>
+          <p:nvSpPr>
+            <p:cNvPr id="10" name="TextBox 9">
+              <a:extLst>
+                <a:ext uri="{FF2B5EF4-FFF2-40B4-BE49-F238E27FC236}">
+                  <a16:creationId xmlns:a16="http://schemas.microsoft.com/office/drawing/2014/main" id="{010D21F1-0EAF-05C1-76F0-C092D11255C2}"/>
+                </a:ext>
+              </a:extLst>
+            </p:cNvPr>
+            <p:cNvSpPr txBox="1"/>
+            <p:nvPr/>
+          </p:nvSpPr>
+          <p:spPr>
+            <a:xfrm>
+              <a:off x="743420" y="1010961"/>
+              <a:ext cx="1524000" cy="400110"/>
+            </a:xfrm>
+            <a:prstGeom prst="rect">
+              <a:avLst/>
+            </a:prstGeom>
+            <a:noFill/>
+          </p:spPr>
+          <p:txBody>
+            <a:bodyPr wrap="square" rtlCol="0">
+              <a:spAutoFit/>
+            </a:bodyPr>
+            <a:lstStyle/>
+            <a:p>
+              <a:pPr algn="ctr"/>
+              <a:r>
+                <a:rPr lang="en-GB" sz="2000" dirty="0">
+                  <a:latin typeface="BIZ UDPGothic" panose="020B0400000000000000" pitchFamily="34" charset="-128"/>
+                  <a:ea typeface="BIZ UDPGothic" panose="020B0400000000000000" pitchFamily="34" charset="-128"/>
+                </a:rPr>
+                <a:t>20 [</a:t>
+              </a:r>
+              <a:r>
+                <a:rPr lang="en-US" altLang="ja-JP" sz="2000" dirty="0" err="1">
+                  <a:latin typeface="BIZ UDPGothic" panose="020B0400000000000000" pitchFamily="34" charset="-128"/>
+                  <a:ea typeface="BIZ UDPGothic" panose="020B0400000000000000" pitchFamily="34" charset="-128"/>
+                </a:rPr>
+                <a:t>μs</a:t>
+              </a:r>
+              <a:r>
+                <a:rPr lang="en-GB" sz="2000" dirty="0">
+                  <a:latin typeface="BIZ UDPGothic" panose="020B0400000000000000" pitchFamily="34" charset="-128"/>
+                  <a:ea typeface="BIZ UDPGothic" panose="020B0400000000000000" pitchFamily="34" charset="-128"/>
+                </a:rPr>
+                <a:t>]</a:t>
+              </a:r>
+            </a:p>
+          </p:txBody>
+        </p:sp>
+        <p:sp>
+          <p:nvSpPr>
+            <p:cNvPr id="11" name="TextBox 10">
+              <a:extLst>
+                <a:ext uri="{FF2B5EF4-FFF2-40B4-BE49-F238E27FC236}">
+                  <a16:creationId xmlns:a16="http://schemas.microsoft.com/office/drawing/2014/main" id="{18B5552F-BA1F-3B27-FDAC-38E748CB9F17}"/>
+                </a:ext>
+              </a:extLst>
+            </p:cNvPr>
+            <p:cNvSpPr txBox="1"/>
+            <p:nvPr/>
+          </p:nvSpPr>
+          <p:spPr>
+            <a:xfrm>
+              <a:off x="2118712" y="918628"/>
+              <a:ext cx="1086240" cy="584775"/>
+            </a:xfrm>
+            <a:prstGeom prst="rect">
+              <a:avLst/>
+            </a:prstGeom>
+            <a:noFill/>
+          </p:spPr>
+          <p:txBody>
+            <a:bodyPr wrap="square" rtlCol="0">
+              <a:spAutoFit/>
+            </a:bodyPr>
+            <a:lstStyle/>
+            <a:p>
+              <a:pPr algn="ctr"/>
+              <a:r>
+                <a:rPr lang="en-GB" sz="1600" dirty="0">
+                  <a:latin typeface="BIZ UDPGothic" panose="020B0400000000000000" pitchFamily="34" charset="-128"/>
+                  <a:ea typeface="BIZ UDPGothic" panose="020B0400000000000000" pitchFamily="34" charset="-128"/>
+                </a:rPr>
+                <a:t>24</a:t>
+              </a:r>
+            </a:p>
+            <a:p>
+              <a:pPr algn="ctr"/>
+              <a:r>
+                <a:rPr lang="en-GB" sz="1600" dirty="0">
+                  <a:latin typeface="BIZ UDPGothic" panose="020B0400000000000000" pitchFamily="34" charset="-128"/>
+                  <a:ea typeface="BIZ UDPGothic" panose="020B0400000000000000" pitchFamily="34" charset="-128"/>
+                </a:rPr>
+                <a:t>[Byte]</a:t>
+              </a:r>
+            </a:p>
+          </p:txBody>
+        </p:sp>
+        <p:sp>
+          <p:nvSpPr>
+            <p:cNvPr id="2" name="TextBox 1">
+              <a:extLst>
+                <a:ext uri="{FF2B5EF4-FFF2-40B4-BE49-F238E27FC236}">
+                  <a16:creationId xmlns:a16="http://schemas.microsoft.com/office/drawing/2014/main" id="{CE09CD43-0D13-B93D-2851-3A9862BE4C74}"/>
+                </a:ext>
+              </a:extLst>
+            </p:cNvPr>
+            <p:cNvSpPr txBox="1"/>
+            <p:nvPr/>
+          </p:nvSpPr>
+          <p:spPr>
+            <a:xfrm>
+              <a:off x="5690643" y="2099703"/>
+              <a:ext cx="1086240" cy="923330"/>
+            </a:xfrm>
+            <a:prstGeom prst="rect">
+              <a:avLst/>
+            </a:prstGeom>
+            <a:noFill/>
+          </p:spPr>
+          <p:txBody>
+            <a:bodyPr wrap="square" rtlCol="0">
+              <a:spAutoFit/>
+            </a:bodyPr>
+            <a:lstStyle/>
+            <a:p>
+              <a:pPr algn="ctr"/>
+              <a:r>
+                <a:rPr lang="en-GB" dirty="0">
+                  <a:latin typeface="BIZ UDPGothic" panose="020B0400000000000000" pitchFamily="34" charset="-128"/>
+                  <a:ea typeface="BIZ UDPGothic" panose="020B0400000000000000" pitchFamily="34" charset="-128"/>
+                </a:rPr>
+                <a:t>F</a:t>
+              </a:r>
+            </a:p>
+            <a:p>
+              <a:pPr algn="ctr"/>
+              <a:r>
+                <a:rPr lang="en-GB" dirty="0">
+                  <a:latin typeface="BIZ UDPGothic" panose="020B0400000000000000" pitchFamily="34" charset="-128"/>
+                  <a:ea typeface="BIZ UDPGothic" panose="020B0400000000000000" pitchFamily="34" charset="-128"/>
+                </a:rPr>
+                <a:t>C</a:t>
+              </a:r>
+            </a:p>
+            <a:p>
+              <a:pPr algn="ctr"/>
+              <a:r>
+                <a:rPr lang="en-GB" dirty="0">
+                  <a:latin typeface="BIZ UDPGothic" panose="020B0400000000000000" pitchFamily="34" charset="-128"/>
+                  <a:ea typeface="BIZ UDPGothic" panose="020B0400000000000000" pitchFamily="34" charset="-128"/>
+                </a:rPr>
+                <a:t>S</a:t>
+              </a:r>
+            </a:p>
+          </p:txBody>
+        </p:sp>
+        <p:sp>
+          <p:nvSpPr>
+            <p:cNvPr id="4" name="TextBox 3">
+              <a:extLst>
+                <a:ext uri="{FF2B5EF4-FFF2-40B4-BE49-F238E27FC236}">
+                  <a16:creationId xmlns:a16="http://schemas.microsoft.com/office/drawing/2014/main" id="{0D30717A-555C-8124-35BD-CCA74899E3C9}"/>
+                </a:ext>
+              </a:extLst>
+            </p:cNvPr>
+            <p:cNvSpPr txBox="1"/>
+            <p:nvPr/>
+          </p:nvSpPr>
+          <p:spPr>
+            <a:xfrm>
+              <a:off x="3453654" y="1010961"/>
+              <a:ext cx="2253179" cy="400110"/>
+            </a:xfrm>
+            <a:prstGeom prst="rect">
+              <a:avLst/>
+            </a:prstGeom>
+            <a:noFill/>
+          </p:spPr>
+          <p:txBody>
+            <a:bodyPr wrap="square" rtlCol="0">
+              <a:spAutoFit/>
+            </a:bodyPr>
+            <a:lstStyle/>
+            <a:p>
+              <a:pPr algn="ctr"/>
+              <a:r>
+                <a:rPr lang="en-GB" sz="2000" dirty="0">
+                  <a:latin typeface="BIZ UDPGothic" panose="020B0400000000000000" pitchFamily="34" charset="-128"/>
+                  <a:ea typeface="BIZ UDPGothic" panose="020B0400000000000000" pitchFamily="34" charset="-128"/>
+                </a:rPr>
+                <a:t>1472 [</a:t>
+              </a:r>
+              <a:r>
+                <a:rPr lang="en-US" sz="2000" dirty="0">
+                  <a:latin typeface="BIZ UDPGothic" panose="020B0400000000000000" pitchFamily="34" charset="-128"/>
+                  <a:ea typeface="BIZ UDPGothic" panose="020B0400000000000000" pitchFamily="34" charset="-128"/>
+                </a:rPr>
+                <a:t>Byte</a:t>
+              </a:r>
+              <a:r>
+                <a:rPr lang="en-GB" sz="2000" dirty="0">
+                  <a:latin typeface="BIZ UDPGothic" panose="020B0400000000000000" pitchFamily="34" charset="-128"/>
+                  <a:ea typeface="BIZ UDPGothic" panose="020B0400000000000000" pitchFamily="34" charset="-128"/>
+                </a:rPr>
+                <a:t>]</a:t>
+              </a:r>
+            </a:p>
+          </p:txBody>
+        </p:sp>
+        <p:sp>
+          <p:nvSpPr>
+            <p:cNvPr id="5" name="TextBox 4">
+              <a:extLst>
+                <a:ext uri="{FF2B5EF4-FFF2-40B4-BE49-F238E27FC236}">
+                  <a16:creationId xmlns:a16="http://schemas.microsoft.com/office/drawing/2014/main" id="{2244BD32-0225-5171-7EE7-FDAA1FA3304B}"/>
+                </a:ext>
+              </a:extLst>
+            </p:cNvPr>
+            <p:cNvSpPr txBox="1"/>
+            <p:nvPr/>
+          </p:nvSpPr>
+          <p:spPr>
+            <a:xfrm>
+              <a:off x="6379157" y="2052906"/>
+              <a:ext cx="886845" cy="400110"/>
+            </a:xfrm>
+            <a:prstGeom prst="rect">
+              <a:avLst/>
+            </a:prstGeom>
+            <a:noFill/>
+          </p:spPr>
+          <p:txBody>
+            <a:bodyPr wrap="square" rtlCol="0">
+              <a:spAutoFit/>
+            </a:bodyPr>
+            <a:lstStyle/>
+            <a:p>
+              <a:pPr algn="ctr"/>
+              <a:r>
+                <a:rPr lang="en-GB" sz="2000" dirty="0">
+                  <a:latin typeface="BIZ UDPGothic" panose="020B0400000000000000" pitchFamily="34" charset="-128"/>
+                  <a:ea typeface="BIZ UDPGothic" panose="020B0400000000000000" pitchFamily="34" charset="-128"/>
+                </a:rPr>
+                <a:t>SIFS</a:t>
+              </a:r>
+            </a:p>
+          </p:txBody>
+        </p:sp>
+        <p:sp>
+          <p:nvSpPr>
+            <p:cNvPr id="6" name="TextBox 5">
+              <a:extLst>
+                <a:ext uri="{FF2B5EF4-FFF2-40B4-BE49-F238E27FC236}">
+                  <a16:creationId xmlns:a16="http://schemas.microsoft.com/office/drawing/2014/main" id="{744C112A-1C99-2B7D-904E-42CC037BDF3D}"/>
+                </a:ext>
+              </a:extLst>
+            </p:cNvPr>
+            <p:cNvSpPr txBox="1"/>
+            <p:nvPr/>
+          </p:nvSpPr>
+          <p:spPr>
+            <a:xfrm>
+              <a:off x="9280167" y="2099703"/>
+              <a:ext cx="886845" cy="400110"/>
+            </a:xfrm>
+            <a:prstGeom prst="rect">
+              <a:avLst/>
+            </a:prstGeom>
+            <a:noFill/>
+          </p:spPr>
+          <p:txBody>
+            <a:bodyPr wrap="square" rtlCol="0">
+              <a:spAutoFit/>
+            </a:bodyPr>
+            <a:lstStyle/>
+            <a:p>
+              <a:pPr algn="ctr"/>
+              <a:r>
+                <a:rPr lang="en-GB" sz="2000" dirty="0">
+                  <a:latin typeface="BIZ UDPGothic" panose="020B0400000000000000" pitchFamily="34" charset="-128"/>
+                  <a:ea typeface="BIZ UDPGothic" panose="020B0400000000000000" pitchFamily="34" charset="-128"/>
+                </a:rPr>
+                <a:t>DIFS</a:t>
+              </a:r>
+            </a:p>
+          </p:txBody>
+        </p:sp>
+        <p:sp>
+          <p:nvSpPr>
+            <p:cNvPr id="7" name="TextBox 6">
+              <a:extLst>
+                <a:ext uri="{FF2B5EF4-FFF2-40B4-BE49-F238E27FC236}">
+                  <a16:creationId xmlns:a16="http://schemas.microsoft.com/office/drawing/2014/main" id="{A24D52E7-667F-4A8E-1BF3-3729D514802F}"/>
+                </a:ext>
+              </a:extLst>
+            </p:cNvPr>
+            <p:cNvSpPr txBox="1"/>
+            <p:nvPr/>
+          </p:nvSpPr>
+          <p:spPr>
+            <a:xfrm>
+              <a:off x="3447323" y="2292290"/>
+              <a:ext cx="2253179" cy="400110"/>
+            </a:xfrm>
+            <a:prstGeom prst="rect">
+              <a:avLst/>
+            </a:prstGeom>
+            <a:noFill/>
+          </p:spPr>
+          <p:txBody>
+            <a:bodyPr wrap="square" rtlCol="0">
+              <a:spAutoFit/>
+            </a:bodyPr>
+            <a:lstStyle/>
+            <a:p>
+              <a:pPr algn="ctr"/>
+              <a:r>
+                <a:rPr lang="en-GB" sz="2000" dirty="0">
+                  <a:latin typeface="BIZ UDPGothic" panose="020B0400000000000000" pitchFamily="34" charset="-128"/>
+                  <a:ea typeface="BIZ UDPGothic" panose="020B0400000000000000" pitchFamily="34" charset="-128"/>
+                </a:rPr>
+                <a:t>UDP</a:t>
+              </a:r>
+              <a:r>
+                <a:rPr lang="ja-JP" altLang="en-US" sz="2000" dirty="0">
+                  <a:latin typeface="BIZ UDPGothic" panose="020B0400000000000000" pitchFamily="34" charset="-128"/>
+                  <a:ea typeface="BIZ UDPGothic" panose="020B0400000000000000" pitchFamily="34" charset="-128"/>
+                </a:rPr>
+                <a:t>ペイロード</a:t>
+              </a:r>
+              <a:endParaRPr lang="en-GB" sz="2000" dirty="0">
                 <a:latin typeface="BIZ UDPGothic" panose="020B0400000000000000" pitchFamily="34" charset="-128"/>
                 <a:ea typeface="BIZ UDPGothic" panose="020B0400000000000000" pitchFamily="34" charset="-128"/>
-              </a:rPr>
-              <a:t>20 [</a:t>
-            </a:r>
-            <a:r>
-              <a:rPr lang="en-US" altLang="ja-JP" sz="2000" dirty="0" err="1">
+              </a:endParaRPr>
+            </a:p>
+          </p:txBody>
+        </p:sp>
+        <p:sp>
+          <p:nvSpPr>
+            <p:cNvPr id="8" name="TextBox 7">
+              <a:extLst>
+                <a:ext uri="{FF2B5EF4-FFF2-40B4-BE49-F238E27FC236}">
+                  <a16:creationId xmlns:a16="http://schemas.microsoft.com/office/drawing/2014/main" id="{954B1E11-777E-7B7C-F7F5-E0BC3523AB1F}"/>
+                </a:ext>
+              </a:extLst>
+            </p:cNvPr>
+            <p:cNvSpPr txBox="1"/>
+            <p:nvPr/>
+          </p:nvSpPr>
+          <p:spPr>
+            <a:xfrm>
+              <a:off x="7559979" y="2292290"/>
+              <a:ext cx="886845" cy="400110"/>
+            </a:xfrm>
+            <a:prstGeom prst="rect">
+              <a:avLst/>
+            </a:prstGeom>
+            <a:noFill/>
+          </p:spPr>
+          <p:txBody>
+            <a:bodyPr wrap="square" rtlCol="0">
+              <a:spAutoFit/>
+            </a:bodyPr>
+            <a:lstStyle/>
+            <a:p>
+              <a:pPr algn="ctr"/>
+              <a:r>
+                <a:rPr lang="en-US" altLang="ja-JP" sz="2000" dirty="0">
+                  <a:latin typeface="BIZ UDPGothic" panose="020B0400000000000000" pitchFamily="34" charset="-128"/>
+                  <a:ea typeface="BIZ UDPGothic" panose="020B0400000000000000" pitchFamily="34" charset="-128"/>
+                </a:rPr>
+                <a:t>ACK</a:t>
+              </a:r>
+              <a:endParaRPr lang="en-GB" sz="2000" dirty="0">
                 <a:latin typeface="BIZ UDPGothic" panose="020B0400000000000000" pitchFamily="34" charset="-128"/>
                 <a:ea typeface="BIZ UDPGothic" panose="020B0400000000000000" pitchFamily="34" charset="-128"/>
-              </a:rPr>
-              <a:t>μs</a:t>
-            </a:r>
-            <a:r>
-              <a:rPr lang="en-GB" sz="2000" dirty="0">
+              </a:endParaRPr>
+            </a:p>
+          </p:txBody>
+        </p:sp>
+        <p:sp>
+          <p:nvSpPr>
+            <p:cNvPr id="9" name="TextBox 8">
+              <a:extLst>
+                <a:ext uri="{FF2B5EF4-FFF2-40B4-BE49-F238E27FC236}">
+                  <a16:creationId xmlns:a16="http://schemas.microsoft.com/office/drawing/2014/main" id="{CC72604A-36B2-B4A4-DB32-F43320CBAEEF}"/>
+                </a:ext>
+              </a:extLst>
+            </p:cNvPr>
+            <p:cNvSpPr txBox="1"/>
+            <p:nvPr/>
+          </p:nvSpPr>
+          <p:spPr>
+            <a:xfrm>
+              <a:off x="7241401" y="1010960"/>
+              <a:ext cx="1524000" cy="400110"/>
+            </a:xfrm>
+            <a:prstGeom prst="rect">
+              <a:avLst/>
+            </a:prstGeom>
+            <a:noFill/>
+          </p:spPr>
+          <p:txBody>
+            <a:bodyPr wrap="square" rtlCol="0">
+              <a:spAutoFit/>
+            </a:bodyPr>
+            <a:lstStyle/>
+            <a:p>
+              <a:pPr algn="ctr"/>
+              <a:r>
+                <a:rPr lang="en-GB" sz="2000" dirty="0">
+                  <a:latin typeface="BIZ UDPGothic" panose="020B0400000000000000" pitchFamily="34" charset="-128"/>
+                  <a:ea typeface="BIZ UDPGothic" panose="020B0400000000000000" pitchFamily="34" charset="-128"/>
+                </a:rPr>
+                <a:t>20 [</a:t>
+              </a:r>
+              <a:r>
+                <a:rPr lang="en-US" altLang="ja-JP" sz="2000" dirty="0" err="1">
+                  <a:latin typeface="BIZ UDPGothic" panose="020B0400000000000000" pitchFamily="34" charset="-128"/>
+                  <a:ea typeface="BIZ UDPGothic" panose="020B0400000000000000" pitchFamily="34" charset="-128"/>
+                </a:rPr>
+                <a:t>μs</a:t>
+              </a:r>
+              <a:r>
+                <a:rPr lang="en-GB" sz="2000" dirty="0">
+                  <a:latin typeface="BIZ UDPGothic" panose="020B0400000000000000" pitchFamily="34" charset="-128"/>
+                  <a:ea typeface="BIZ UDPGothic" panose="020B0400000000000000" pitchFamily="34" charset="-128"/>
+                </a:rPr>
+                <a:t>]</a:t>
+              </a:r>
+            </a:p>
+          </p:txBody>
+        </p:sp>
+        <p:sp>
+          <p:nvSpPr>
+            <p:cNvPr id="12" name="TextBox 11">
+              <a:extLst>
+                <a:ext uri="{FF2B5EF4-FFF2-40B4-BE49-F238E27FC236}">
+                  <a16:creationId xmlns:a16="http://schemas.microsoft.com/office/drawing/2014/main" id="{39E22A11-7AE6-579D-A73A-D6C88F2B6E8C}"/>
+                </a:ext>
+              </a:extLst>
+            </p:cNvPr>
+            <p:cNvSpPr txBox="1"/>
+            <p:nvPr/>
+          </p:nvSpPr>
+          <p:spPr>
+            <a:xfrm>
+              <a:off x="673420" y="2299758"/>
+              <a:ext cx="1697522" cy="400110"/>
+            </a:xfrm>
+            <a:prstGeom prst="rect">
+              <a:avLst/>
+            </a:prstGeom>
+            <a:noFill/>
+          </p:spPr>
+          <p:txBody>
+            <a:bodyPr wrap="square" rtlCol="0">
+              <a:spAutoFit/>
+            </a:bodyPr>
+            <a:lstStyle/>
+            <a:p>
+              <a:pPr algn="ctr"/>
+              <a:r>
+                <a:rPr lang="ja-JP" altLang="en-US" sz="2000" dirty="0">
+                  <a:latin typeface="BIZ UDPGothic" panose="020B0400000000000000" pitchFamily="34" charset="-128"/>
+                  <a:ea typeface="BIZ UDPGothic" panose="020B0400000000000000" pitchFamily="34" charset="-128"/>
+                </a:rPr>
+                <a:t>プリアンブル</a:t>
+              </a:r>
+              <a:endParaRPr lang="en-GB" sz="2000" dirty="0">
                 <a:latin typeface="BIZ UDPGothic" panose="020B0400000000000000" pitchFamily="34" charset="-128"/>
                 <a:ea typeface="BIZ UDPGothic" panose="020B0400000000000000" pitchFamily="34" charset="-128"/>
-              </a:rPr>
-              <a:t>]</a:t>
-            </a:r>
-          </a:p>
-        </p:txBody>
-      </p:sp>
-      <p:sp>
-        <p:nvSpPr>
-          <p:cNvPr id="11" name="TextBox 10">
-            <a:extLst>
-              <a:ext uri="{FF2B5EF4-FFF2-40B4-BE49-F238E27FC236}">
-                <a16:creationId xmlns:a16="http://schemas.microsoft.com/office/drawing/2014/main" id="{18B5552F-BA1F-3B27-FDAC-38E748CB9F17}"/>
-              </a:ext>
-            </a:extLst>
-          </p:cNvPr>
-          <p:cNvSpPr txBox="1"/>
-          <p:nvPr/>
-        </p:nvSpPr>
-        <p:spPr>
-          <a:xfrm>
-            <a:off x="2113301" y="1043724"/>
-            <a:ext cx="1086240" cy="369332"/>
-          </a:xfrm>
-          <a:prstGeom prst="rect">
-            <a:avLst/>
-          </a:prstGeom>
-          <a:noFill/>
-        </p:spPr>
-        <p:txBody>
-          <a:bodyPr wrap="square" rtlCol="0">
-            <a:spAutoFit/>
-          </a:bodyPr>
-          <a:lstStyle/>
-          <a:p>
-            <a:pPr algn="ctr"/>
-            <a:r>
-              <a:rPr lang="en-GB" dirty="0">
+              </a:endParaRPr>
+            </a:p>
+          </p:txBody>
+        </p:sp>
+        <p:sp>
+          <p:nvSpPr>
+            <p:cNvPr id="13" name="TextBox 12">
+              <a:extLst>
+                <a:ext uri="{FF2B5EF4-FFF2-40B4-BE49-F238E27FC236}">
+                  <a16:creationId xmlns:a16="http://schemas.microsoft.com/office/drawing/2014/main" id="{A7220BD3-ED3B-F400-7671-D5088662913B}"/>
+                </a:ext>
+              </a:extLst>
+            </p:cNvPr>
+            <p:cNvSpPr txBox="1"/>
+            <p:nvPr/>
+          </p:nvSpPr>
+          <p:spPr>
+            <a:xfrm>
+              <a:off x="10703921" y="2161258"/>
+              <a:ext cx="1086240" cy="707886"/>
+            </a:xfrm>
+            <a:prstGeom prst="rect">
+              <a:avLst/>
+            </a:prstGeom>
+            <a:noFill/>
+          </p:spPr>
+          <p:txBody>
+            <a:bodyPr wrap="square" rtlCol="0">
+              <a:spAutoFit/>
+            </a:bodyPr>
+            <a:lstStyle/>
+            <a:p>
+              <a:r>
+                <a:rPr lang="en-GB" sz="2000" dirty="0">
+                  <a:latin typeface="BIZ UDPGothic" panose="020B0400000000000000" pitchFamily="34" charset="-128"/>
+                  <a:ea typeface="BIZ UDPGothic" panose="020B0400000000000000" pitchFamily="34" charset="-128"/>
+                </a:rPr>
+                <a:t>Next</a:t>
+              </a:r>
+            </a:p>
+            <a:p>
+              <a:r>
+                <a:rPr lang="en-GB" sz="2000" dirty="0">
+                  <a:latin typeface="BIZ UDPGothic" panose="020B0400000000000000" pitchFamily="34" charset="-128"/>
+                  <a:ea typeface="BIZ UDPGothic" panose="020B0400000000000000" pitchFamily="34" charset="-128"/>
+                </a:rPr>
+                <a:t>Frame</a:t>
+              </a:r>
+            </a:p>
+          </p:txBody>
+        </p:sp>
+        <p:sp>
+          <p:nvSpPr>
+            <p:cNvPr id="14" name="TextBox 13">
+              <a:extLst>
+                <a:ext uri="{FF2B5EF4-FFF2-40B4-BE49-F238E27FC236}">
+                  <a16:creationId xmlns:a16="http://schemas.microsoft.com/office/drawing/2014/main" id="{A94D54CC-BA60-2F85-718A-49E3DBA999E6}"/>
+                </a:ext>
+              </a:extLst>
+            </p:cNvPr>
+            <p:cNvSpPr txBox="1"/>
+            <p:nvPr/>
+          </p:nvSpPr>
+          <p:spPr>
+            <a:xfrm>
+              <a:off x="1989307" y="2161258"/>
+              <a:ext cx="1345050" cy="584775"/>
+            </a:xfrm>
+            <a:prstGeom prst="rect">
+              <a:avLst/>
+            </a:prstGeom>
+            <a:noFill/>
+          </p:spPr>
+          <p:txBody>
+            <a:bodyPr wrap="square" rtlCol="0">
+              <a:spAutoFit/>
+            </a:bodyPr>
+            <a:lstStyle/>
+            <a:p>
+              <a:pPr algn="ctr"/>
+              <a:r>
+                <a:rPr lang="en-GB" sz="1600" dirty="0">
+                  <a:latin typeface="BIZ UDPGothic" panose="020B0400000000000000" pitchFamily="34" charset="-128"/>
+                  <a:ea typeface="BIZ UDPGothic" panose="020B0400000000000000" pitchFamily="34" charset="-128"/>
+                </a:rPr>
+                <a:t>MAC</a:t>
+              </a:r>
+            </a:p>
+            <a:p>
+              <a:pPr algn="ctr"/>
+              <a:r>
+                <a:rPr lang="ja-JP" altLang="en-US" sz="1600" dirty="0">
+                  <a:latin typeface="BIZ UDPGothic" panose="020B0400000000000000" pitchFamily="34" charset="-128"/>
+                  <a:ea typeface="BIZ UDPGothic" panose="020B0400000000000000" pitchFamily="34" charset="-128"/>
+                </a:rPr>
+                <a:t>ヘッダー</a:t>
+              </a:r>
+              <a:endParaRPr lang="en-GB" sz="1600" dirty="0">
                 <a:latin typeface="BIZ UDPGothic" panose="020B0400000000000000" pitchFamily="34" charset="-128"/>
                 <a:ea typeface="BIZ UDPGothic" panose="020B0400000000000000" pitchFamily="34" charset="-128"/>
-              </a:rPr>
-              <a:t>24[B]</a:t>
-            </a:r>
-          </a:p>
-        </p:txBody>
-      </p:sp>
+              </a:endParaRPr>
+            </a:p>
+          </p:txBody>
+        </p:sp>
+      </p:grpSp>
     </p:spTree>
     <p:extLst>
       <p:ext uri="{BB962C8B-B14F-4D97-AF65-F5344CB8AC3E}">

--- a/preprint/assets/asesets.pptx
+++ b/preprint/assets/asesets.pptx
@@ -261,7 +261,7 @@
           <a:p>
             <a:fld id="{676AD226-D507-40AF-BEC8-ACCD8967D050}" type="datetimeFigureOut">
               <a:rPr kumimoji="1" lang="ja-JP" altLang="en-US" smtClean="0"/>
-              <a:t>2025/1/8</a:t>
+              <a:t>2025/1/22</a:t>
             </a:fld>
             <a:endParaRPr kumimoji="1" lang="ja-JP" altLang="en-US"/>
           </a:p>
@@ -491,7 +491,7 @@
           <a:p>
             <a:fld id="{676AD226-D507-40AF-BEC8-ACCD8967D050}" type="datetimeFigureOut">
               <a:rPr kumimoji="1" lang="ja-JP" altLang="en-US" smtClean="0"/>
-              <a:t>2025/1/8</a:t>
+              <a:t>2025/1/22</a:t>
             </a:fld>
             <a:endParaRPr kumimoji="1" lang="ja-JP" altLang="en-US"/>
           </a:p>
@@ -731,7 +731,7 @@
           <a:p>
             <a:fld id="{676AD226-D507-40AF-BEC8-ACCD8967D050}" type="datetimeFigureOut">
               <a:rPr kumimoji="1" lang="ja-JP" altLang="en-US" smtClean="0"/>
-              <a:t>2025/1/8</a:t>
+              <a:t>2025/1/22</a:t>
             </a:fld>
             <a:endParaRPr kumimoji="1" lang="ja-JP" altLang="en-US"/>
           </a:p>
@@ -961,7 +961,7 @@
           <a:p>
             <a:fld id="{676AD226-D507-40AF-BEC8-ACCD8967D050}" type="datetimeFigureOut">
               <a:rPr kumimoji="1" lang="ja-JP" altLang="en-US" smtClean="0"/>
-              <a:t>2025/1/8</a:t>
+              <a:t>2025/1/22</a:t>
             </a:fld>
             <a:endParaRPr kumimoji="1" lang="ja-JP" altLang="en-US"/>
           </a:p>
@@ -1236,7 +1236,7 @@
           <a:p>
             <a:fld id="{676AD226-D507-40AF-BEC8-ACCD8967D050}" type="datetimeFigureOut">
               <a:rPr kumimoji="1" lang="ja-JP" altLang="en-US" smtClean="0"/>
-              <a:t>2025/1/8</a:t>
+              <a:t>2025/1/22</a:t>
             </a:fld>
             <a:endParaRPr kumimoji="1" lang="ja-JP" altLang="en-US"/>
           </a:p>
@@ -1565,7 +1565,7 @@
           <a:p>
             <a:fld id="{676AD226-D507-40AF-BEC8-ACCD8967D050}" type="datetimeFigureOut">
               <a:rPr kumimoji="1" lang="ja-JP" altLang="en-US" smtClean="0"/>
-              <a:t>2025/1/8</a:t>
+              <a:t>2025/1/22</a:t>
             </a:fld>
             <a:endParaRPr kumimoji="1" lang="ja-JP" altLang="en-US"/>
           </a:p>
@@ -2041,7 +2041,7 @@
           <a:p>
             <a:fld id="{676AD226-D507-40AF-BEC8-ACCD8967D050}" type="datetimeFigureOut">
               <a:rPr kumimoji="1" lang="ja-JP" altLang="en-US" smtClean="0"/>
-              <a:t>2025/1/8</a:t>
+              <a:t>2025/1/22</a:t>
             </a:fld>
             <a:endParaRPr kumimoji="1" lang="ja-JP" altLang="en-US"/>
           </a:p>
@@ -2182,7 +2182,7 @@
           <a:p>
             <a:fld id="{676AD226-D507-40AF-BEC8-ACCD8967D050}" type="datetimeFigureOut">
               <a:rPr kumimoji="1" lang="ja-JP" altLang="en-US" smtClean="0"/>
-              <a:t>2025/1/8</a:t>
+              <a:t>2025/1/22</a:t>
             </a:fld>
             <a:endParaRPr kumimoji="1" lang="ja-JP" altLang="en-US"/>
           </a:p>
@@ -2295,7 +2295,7 @@
           <a:p>
             <a:fld id="{676AD226-D507-40AF-BEC8-ACCD8967D050}" type="datetimeFigureOut">
               <a:rPr kumimoji="1" lang="ja-JP" altLang="en-US" smtClean="0"/>
-              <a:t>2025/1/8</a:t>
+              <a:t>2025/1/22</a:t>
             </a:fld>
             <a:endParaRPr kumimoji="1" lang="ja-JP" altLang="en-US"/>
           </a:p>
@@ -2638,7 +2638,7 @@
           <a:p>
             <a:fld id="{676AD226-D507-40AF-BEC8-ACCD8967D050}" type="datetimeFigureOut">
               <a:rPr kumimoji="1" lang="ja-JP" altLang="en-US" smtClean="0"/>
-              <a:t>2025/1/8</a:t>
+              <a:t>2025/1/22</a:t>
             </a:fld>
             <a:endParaRPr kumimoji="1" lang="ja-JP" altLang="en-US"/>
           </a:p>
@@ -2926,7 +2926,7 @@
           <a:p>
             <a:fld id="{676AD226-D507-40AF-BEC8-ACCD8967D050}" type="datetimeFigureOut">
               <a:rPr kumimoji="1" lang="ja-JP" altLang="en-US" smtClean="0"/>
-              <a:t>2025/1/8</a:t>
+              <a:t>2025/1/22</a:t>
             </a:fld>
             <a:endParaRPr kumimoji="1" lang="ja-JP" altLang="en-US"/>
           </a:p>
@@ -3199,7 +3199,7 @@
           <a:p>
             <a:fld id="{676AD226-D507-40AF-BEC8-ACCD8967D050}" type="datetimeFigureOut">
               <a:rPr kumimoji="1" lang="ja-JP" altLang="en-US" smtClean="0"/>
-              <a:t>2025/1/8</a:t>
+              <a:t>2025/1/22</a:t>
             </a:fld>
             <a:endParaRPr kumimoji="1" lang="ja-JP" altLang="en-US"/>
           </a:p>
@@ -4328,8 +4328,8 @@
           </p:nvSpPr>
           <p:spPr>
             <a:xfrm>
-              <a:off x="7241401" y="1010960"/>
-              <a:ext cx="1524000" cy="400110"/>
+              <a:off x="7207115" y="1010960"/>
+              <a:ext cx="1589901" cy="400110"/>
             </a:xfrm>
             <a:prstGeom prst="rect">
               <a:avLst/>
@@ -4348,14 +4348,14 @@
                   <a:latin typeface="BIZ UDPGothic" panose="020B0400000000000000" pitchFamily="34" charset="-128"/>
                   <a:ea typeface="BIZ UDPGothic" panose="020B0400000000000000" pitchFamily="34" charset="-128"/>
                 </a:rPr>
-                <a:t>20 [</a:t>
+                <a:t>84 [</a:t>
               </a:r>
               <a:r>
-                <a:rPr lang="en-US" altLang="ja-JP" sz="2000" dirty="0" err="1">
+                <a:rPr lang="en-US" sz="2000" dirty="0">
                   <a:latin typeface="BIZ UDPGothic" panose="020B0400000000000000" pitchFamily="34" charset="-128"/>
                   <a:ea typeface="BIZ UDPGothic" panose="020B0400000000000000" pitchFamily="34" charset="-128"/>
                 </a:rPr>
-                <a:t>μs</a:t>
+                <a:t>Byte</a:t>
               </a:r>
               <a:r>
                 <a:rPr lang="en-GB" sz="2000" dirty="0">

--- a/preprint/assets/asesets.pptx
+++ b/preprint/assets/asesets.pptx
@@ -8,6 +8,8 @@
     <p:sldId id="256" r:id="rId2"/>
     <p:sldId id="257" r:id="rId3"/>
     <p:sldId id="258" r:id="rId4"/>
+    <p:sldId id="260" r:id="rId5"/>
+    <p:sldId id="259" r:id="rId6"/>
   </p:sldIdLst>
   <p:sldSz cx="12192000" cy="6858000"/>
   <p:notesSz cx="6858000" cy="9144000"/>
@@ -261,7 +263,7 @@
           <a:p>
             <a:fld id="{676AD226-D507-40AF-BEC8-ACCD8967D050}" type="datetimeFigureOut">
               <a:rPr kumimoji="1" lang="ja-JP" altLang="en-US" smtClean="0"/>
-              <a:t>2025/1/22</a:t>
+              <a:t>2025/1/28</a:t>
             </a:fld>
             <a:endParaRPr kumimoji="1" lang="ja-JP" altLang="en-US"/>
           </a:p>
@@ -491,7 +493,7 @@
           <a:p>
             <a:fld id="{676AD226-D507-40AF-BEC8-ACCD8967D050}" type="datetimeFigureOut">
               <a:rPr kumimoji="1" lang="ja-JP" altLang="en-US" smtClean="0"/>
-              <a:t>2025/1/22</a:t>
+              <a:t>2025/1/28</a:t>
             </a:fld>
             <a:endParaRPr kumimoji="1" lang="ja-JP" altLang="en-US"/>
           </a:p>
@@ -731,7 +733,7 @@
           <a:p>
             <a:fld id="{676AD226-D507-40AF-BEC8-ACCD8967D050}" type="datetimeFigureOut">
               <a:rPr kumimoji="1" lang="ja-JP" altLang="en-US" smtClean="0"/>
-              <a:t>2025/1/22</a:t>
+              <a:t>2025/1/28</a:t>
             </a:fld>
             <a:endParaRPr kumimoji="1" lang="ja-JP" altLang="en-US"/>
           </a:p>
@@ -961,7 +963,7 @@
           <a:p>
             <a:fld id="{676AD226-D507-40AF-BEC8-ACCD8967D050}" type="datetimeFigureOut">
               <a:rPr kumimoji="1" lang="ja-JP" altLang="en-US" smtClean="0"/>
-              <a:t>2025/1/22</a:t>
+              <a:t>2025/1/28</a:t>
             </a:fld>
             <a:endParaRPr kumimoji="1" lang="ja-JP" altLang="en-US"/>
           </a:p>
@@ -1236,7 +1238,7 @@
           <a:p>
             <a:fld id="{676AD226-D507-40AF-BEC8-ACCD8967D050}" type="datetimeFigureOut">
               <a:rPr kumimoji="1" lang="ja-JP" altLang="en-US" smtClean="0"/>
-              <a:t>2025/1/22</a:t>
+              <a:t>2025/1/28</a:t>
             </a:fld>
             <a:endParaRPr kumimoji="1" lang="ja-JP" altLang="en-US"/>
           </a:p>
@@ -1565,7 +1567,7 @@
           <a:p>
             <a:fld id="{676AD226-D507-40AF-BEC8-ACCD8967D050}" type="datetimeFigureOut">
               <a:rPr kumimoji="1" lang="ja-JP" altLang="en-US" smtClean="0"/>
-              <a:t>2025/1/22</a:t>
+              <a:t>2025/1/28</a:t>
             </a:fld>
             <a:endParaRPr kumimoji="1" lang="ja-JP" altLang="en-US"/>
           </a:p>
@@ -2041,7 +2043,7 @@
           <a:p>
             <a:fld id="{676AD226-D507-40AF-BEC8-ACCD8967D050}" type="datetimeFigureOut">
               <a:rPr kumimoji="1" lang="ja-JP" altLang="en-US" smtClean="0"/>
-              <a:t>2025/1/22</a:t>
+              <a:t>2025/1/28</a:t>
             </a:fld>
             <a:endParaRPr kumimoji="1" lang="ja-JP" altLang="en-US"/>
           </a:p>
@@ -2182,7 +2184,7 @@
           <a:p>
             <a:fld id="{676AD226-D507-40AF-BEC8-ACCD8967D050}" type="datetimeFigureOut">
               <a:rPr kumimoji="1" lang="ja-JP" altLang="en-US" smtClean="0"/>
-              <a:t>2025/1/22</a:t>
+              <a:t>2025/1/28</a:t>
             </a:fld>
             <a:endParaRPr kumimoji="1" lang="ja-JP" altLang="en-US"/>
           </a:p>
@@ -2295,7 +2297,7 @@
           <a:p>
             <a:fld id="{676AD226-D507-40AF-BEC8-ACCD8967D050}" type="datetimeFigureOut">
               <a:rPr kumimoji="1" lang="ja-JP" altLang="en-US" smtClean="0"/>
-              <a:t>2025/1/22</a:t>
+              <a:t>2025/1/28</a:t>
             </a:fld>
             <a:endParaRPr kumimoji="1" lang="ja-JP" altLang="en-US"/>
           </a:p>
@@ -2638,7 +2640,7 @@
           <a:p>
             <a:fld id="{676AD226-D507-40AF-BEC8-ACCD8967D050}" type="datetimeFigureOut">
               <a:rPr kumimoji="1" lang="ja-JP" altLang="en-US" smtClean="0"/>
-              <a:t>2025/1/22</a:t>
+              <a:t>2025/1/28</a:t>
             </a:fld>
             <a:endParaRPr kumimoji="1" lang="ja-JP" altLang="en-US"/>
           </a:p>
@@ -2926,7 +2928,7 @@
           <a:p>
             <a:fld id="{676AD226-D507-40AF-BEC8-ACCD8967D050}" type="datetimeFigureOut">
               <a:rPr kumimoji="1" lang="ja-JP" altLang="en-US" smtClean="0"/>
-              <a:t>2025/1/22</a:t>
+              <a:t>2025/1/28</a:t>
             </a:fld>
             <a:endParaRPr kumimoji="1" lang="ja-JP" altLang="en-US"/>
           </a:p>
@@ -3199,7 +3201,7 @@
           <a:p>
             <a:fld id="{676AD226-D507-40AF-BEC8-ACCD8967D050}" type="datetimeFigureOut">
               <a:rPr kumimoji="1" lang="ja-JP" altLang="en-US" smtClean="0"/>
-              <a:t>2025/1/22</a:t>
+              <a:t>2025/1/28</a:t>
             </a:fld>
             <a:endParaRPr kumimoji="1" lang="ja-JP" altLang="en-US"/>
           </a:p>
@@ -4547,10 +4549,5547 @@
           <a:chExt cx="0" cy="0"/>
         </a:xfrm>
       </p:grpSpPr>
+      <p:grpSp>
+        <p:nvGrpSpPr>
+          <p:cNvPr id="63" name="グループ化 62">
+            <a:extLst>
+              <a:ext uri="{FF2B5EF4-FFF2-40B4-BE49-F238E27FC236}">
+                <a16:creationId xmlns:a16="http://schemas.microsoft.com/office/drawing/2014/main" id="{615E106D-70D8-2B48-9C62-1D7BF9FF0FA6}"/>
+              </a:ext>
+            </a:extLst>
+          </p:cNvPr>
+          <p:cNvGrpSpPr/>
+          <p:nvPr/>
+        </p:nvGrpSpPr>
+        <p:grpSpPr>
+          <a:xfrm>
+            <a:off x="-50800" y="1025071"/>
+            <a:ext cx="12093572" cy="5179800"/>
+            <a:chOff x="-50800" y="1025071"/>
+            <a:chExt cx="12093572" cy="5179800"/>
+          </a:xfrm>
+        </p:grpSpPr>
+        <p:sp>
+          <p:nvSpPr>
+            <p:cNvPr id="10" name="テキスト ボックス 9">
+              <a:extLst>
+                <a:ext uri="{FF2B5EF4-FFF2-40B4-BE49-F238E27FC236}">
+                  <a16:creationId xmlns:a16="http://schemas.microsoft.com/office/drawing/2014/main" id="{91737E11-01DA-4A9B-5A5F-A9E31F294E7F}"/>
+                </a:ext>
+              </a:extLst>
+            </p:cNvPr>
+            <p:cNvSpPr txBox="1"/>
+            <p:nvPr/>
+          </p:nvSpPr>
+          <p:spPr>
+            <a:xfrm>
+              <a:off x="-50800" y="1892300"/>
+              <a:ext cx="1447800" cy="261610"/>
+            </a:xfrm>
+            <a:prstGeom prst="rect">
+              <a:avLst/>
+            </a:prstGeom>
+            <a:noFill/>
+          </p:spPr>
+          <p:txBody>
+            <a:bodyPr wrap="square" rtlCol="0">
+              <a:spAutoFit/>
+            </a:bodyPr>
+            <a:lstStyle/>
+            <a:p>
+              <a:pPr algn="ctr"/>
+              <a:r>
+                <a:rPr kumimoji="1" lang="ja-JP" altLang="en-US" sz="1100" dirty="0">
+                  <a:latin typeface="BIZ UDPゴシック" panose="020B0400000000000000" pitchFamily="50" charset="-128"/>
+                  <a:ea typeface="BIZ UDPゴシック" panose="020B0400000000000000" pitchFamily="50" charset="-128"/>
+                </a:rPr>
+                <a:t>無線基地局</a:t>
+              </a:r>
+            </a:p>
+          </p:txBody>
+        </p:sp>
+        <p:sp>
+          <p:nvSpPr>
+            <p:cNvPr id="11" name="テキスト ボックス 10">
+              <a:extLst>
+                <a:ext uri="{FF2B5EF4-FFF2-40B4-BE49-F238E27FC236}">
+                  <a16:creationId xmlns:a16="http://schemas.microsoft.com/office/drawing/2014/main" id="{34DB7FA2-F5ED-2937-F128-2E9D14796424}"/>
+                </a:ext>
+              </a:extLst>
+            </p:cNvPr>
+            <p:cNvSpPr txBox="1"/>
+            <p:nvPr/>
+          </p:nvSpPr>
+          <p:spPr>
+            <a:xfrm>
+              <a:off x="-50800" y="3167390"/>
+              <a:ext cx="1447800" cy="261610"/>
+            </a:xfrm>
+            <a:prstGeom prst="rect">
+              <a:avLst/>
+            </a:prstGeom>
+            <a:noFill/>
+          </p:spPr>
+          <p:txBody>
+            <a:bodyPr wrap="square" rtlCol="0">
+              <a:spAutoFit/>
+            </a:bodyPr>
+            <a:lstStyle/>
+            <a:p>
+              <a:pPr algn="ctr"/>
+              <a:r>
+                <a:rPr kumimoji="1" lang="ja-JP" altLang="en-US" sz="1100" dirty="0">
+                  <a:latin typeface="BIZ UDPゴシック" panose="020B0400000000000000" pitchFamily="50" charset="-128"/>
+                  <a:ea typeface="BIZ UDPゴシック" panose="020B0400000000000000" pitchFamily="50" charset="-128"/>
+                </a:rPr>
+                <a:t>端末 </a:t>
+              </a:r>
+              <a:r>
+                <a:rPr kumimoji="1" lang="en-US" altLang="ja-JP" sz="1100" dirty="0">
+                  <a:latin typeface="BIZ UDPゴシック" panose="020B0400000000000000" pitchFamily="50" charset="-128"/>
+                  <a:ea typeface="BIZ UDPゴシック" panose="020B0400000000000000" pitchFamily="50" charset="-128"/>
+                </a:rPr>
+                <a:t>1</a:t>
+              </a:r>
+              <a:endParaRPr kumimoji="1" lang="ja-JP" altLang="en-US" sz="1100" dirty="0">
+                <a:latin typeface="BIZ UDPゴシック" panose="020B0400000000000000" pitchFamily="50" charset="-128"/>
+                <a:ea typeface="BIZ UDPゴシック" panose="020B0400000000000000" pitchFamily="50" charset="-128"/>
+              </a:endParaRPr>
+            </a:p>
+          </p:txBody>
+        </p:sp>
+        <p:sp>
+          <p:nvSpPr>
+            <p:cNvPr id="12" name="テキスト ボックス 11">
+              <a:extLst>
+                <a:ext uri="{FF2B5EF4-FFF2-40B4-BE49-F238E27FC236}">
+                  <a16:creationId xmlns:a16="http://schemas.microsoft.com/office/drawing/2014/main" id="{11967CC0-6B43-F179-A14F-C9839BFC091E}"/>
+                </a:ext>
+              </a:extLst>
+            </p:cNvPr>
+            <p:cNvSpPr txBox="1"/>
+            <p:nvPr/>
+          </p:nvSpPr>
+          <p:spPr>
+            <a:xfrm>
+              <a:off x="-50800" y="4452963"/>
+              <a:ext cx="1447800" cy="261610"/>
+            </a:xfrm>
+            <a:prstGeom prst="rect">
+              <a:avLst/>
+            </a:prstGeom>
+            <a:noFill/>
+          </p:spPr>
+          <p:txBody>
+            <a:bodyPr wrap="square" rtlCol="0">
+              <a:spAutoFit/>
+            </a:bodyPr>
+            <a:lstStyle/>
+            <a:p>
+              <a:pPr algn="ctr"/>
+              <a:r>
+                <a:rPr kumimoji="1" lang="ja-JP" altLang="en-US" sz="1100" dirty="0">
+                  <a:latin typeface="BIZ UDPゴシック" panose="020B0400000000000000" pitchFamily="50" charset="-128"/>
+                  <a:ea typeface="BIZ UDPゴシック" panose="020B0400000000000000" pitchFamily="50" charset="-128"/>
+                </a:rPr>
+                <a:t>端末 </a:t>
+              </a:r>
+              <a:r>
+                <a:rPr lang="en-US" altLang="ja-JP" sz="1100" dirty="0">
+                  <a:latin typeface="BIZ UDPゴシック" panose="020B0400000000000000" pitchFamily="50" charset="-128"/>
+                  <a:ea typeface="BIZ UDPゴシック" panose="020B0400000000000000" pitchFamily="50" charset="-128"/>
+                </a:rPr>
+                <a:t>2</a:t>
+              </a:r>
+              <a:endParaRPr kumimoji="1" lang="ja-JP" altLang="en-US" sz="1100" dirty="0">
+                <a:latin typeface="BIZ UDPゴシック" panose="020B0400000000000000" pitchFamily="50" charset="-128"/>
+                <a:ea typeface="BIZ UDPゴシック" panose="020B0400000000000000" pitchFamily="50" charset="-128"/>
+              </a:endParaRPr>
+            </a:p>
+          </p:txBody>
+        </p:sp>
+        <p:sp>
+          <p:nvSpPr>
+            <p:cNvPr id="13" name="テキスト ボックス 12">
+              <a:extLst>
+                <a:ext uri="{FF2B5EF4-FFF2-40B4-BE49-F238E27FC236}">
+                  <a16:creationId xmlns:a16="http://schemas.microsoft.com/office/drawing/2014/main" id="{0C553C04-E9BC-0CB7-7798-E19F68FE3DB1}"/>
+                </a:ext>
+              </a:extLst>
+            </p:cNvPr>
+            <p:cNvSpPr txBox="1"/>
+            <p:nvPr/>
+          </p:nvSpPr>
+          <p:spPr>
+            <a:xfrm>
+              <a:off x="-50800" y="5786463"/>
+              <a:ext cx="1447800" cy="261610"/>
+            </a:xfrm>
+            <a:prstGeom prst="rect">
+              <a:avLst/>
+            </a:prstGeom>
+            <a:noFill/>
+          </p:spPr>
+          <p:txBody>
+            <a:bodyPr wrap="square" rtlCol="0">
+              <a:spAutoFit/>
+            </a:bodyPr>
+            <a:lstStyle/>
+            <a:p>
+              <a:pPr algn="ctr"/>
+              <a:r>
+                <a:rPr kumimoji="1" lang="ja-JP" altLang="en-US" sz="1100" dirty="0">
+                  <a:latin typeface="BIZ UDPゴシック" panose="020B0400000000000000" pitchFamily="50" charset="-128"/>
+                  <a:ea typeface="BIZ UDPゴシック" panose="020B0400000000000000" pitchFamily="50" charset="-128"/>
+                </a:rPr>
+                <a:t>端末 </a:t>
+              </a:r>
+              <a:r>
+                <a:rPr kumimoji="1" lang="en-US" altLang="ja-JP" sz="1100" dirty="0">
+                  <a:latin typeface="BIZ UDPゴシック" panose="020B0400000000000000" pitchFamily="50" charset="-128"/>
+                  <a:ea typeface="BIZ UDPゴシック" panose="020B0400000000000000" pitchFamily="50" charset="-128"/>
+                </a:rPr>
+                <a:t>3</a:t>
+              </a:r>
+              <a:endParaRPr kumimoji="1" lang="ja-JP" altLang="en-US" sz="1100" dirty="0">
+                <a:latin typeface="BIZ UDPゴシック" panose="020B0400000000000000" pitchFamily="50" charset="-128"/>
+                <a:ea typeface="BIZ UDPゴシック" panose="020B0400000000000000" pitchFamily="50" charset="-128"/>
+              </a:endParaRPr>
+            </a:p>
+          </p:txBody>
+        </p:sp>
+        <p:pic>
+          <p:nvPicPr>
+            <p:cNvPr id="9" name="図 8">
+              <a:extLst>
+                <a:ext uri="{FF2B5EF4-FFF2-40B4-BE49-F238E27FC236}">
+                  <a16:creationId xmlns:a16="http://schemas.microsoft.com/office/drawing/2014/main" id="{729F2957-1A15-186A-34F3-55A70F119D12}"/>
+                </a:ext>
+              </a:extLst>
+            </p:cNvPr>
+            <p:cNvPicPr>
+              <a:picLocks noChangeAspect="1"/>
+            </p:cNvPicPr>
+            <p:nvPr/>
+          </p:nvPicPr>
+          <p:blipFill>
+            <a:blip r:embed="rId2">
+              <a:extLst>
+                <a:ext uri="{96DAC541-7B7A-43D3-8B79-37D633B846F1}">
+                  <asvg:svgBlip xmlns:asvg="http://schemas.microsoft.com/office/drawing/2016/SVG/main" r:embed="rId3"/>
+                </a:ext>
+              </a:extLst>
+            </a:blip>
+            <a:srcRect/>
+            <a:stretch/>
+          </p:blipFill>
+          <p:spPr>
+            <a:xfrm>
+              <a:off x="420915" y="1025071"/>
+              <a:ext cx="11350168" cy="5120924"/>
+            </a:xfrm>
+            <a:prstGeom prst="rect">
+              <a:avLst/>
+            </a:prstGeom>
+          </p:spPr>
+        </p:pic>
+        <p:sp>
+          <p:nvSpPr>
+            <p:cNvPr id="14" name="テキスト ボックス 13">
+              <a:extLst>
+                <a:ext uri="{FF2B5EF4-FFF2-40B4-BE49-F238E27FC236}">
+                  <a16:creationId xmlns:a16="http://schemas.microsoft.com/office/drawing/2014/main" id="{5B40989A-0C73-7C67-8BA5-53C7C57A244B}"/>
+                </a:ext>
+              </a:extLst>
+            </p:cNvPr>
+            <p:cNvSpPr txBox="1"/>
+            <p:nvPr/>
+          </p:nvSpPr>
+          <p:spPr>
+            <a:xfrm>
+              <a:off x="1092200" y="1556731"/>
+              <a:ext cx="1447800" cy="261610"/>
+            </a:xfrm>
+            <a:prstGeom prst="rect">
+              <a:avLst/>
+            </a:prstGeom>
+            <a:noFill/>
+          </p:spPr>
+          <p:txBody>
+            <a:bodyPr wrap="square" rtlCol="0">
+              <a:spAutoFit/>
+            </a:bodyPr>
+            <a:lstStyle/>
+            <a:p>
+              <a:pPr algn="ctr"/>
+              <a:r>
+                <a:rPr kumimoji="1" lang="en-US" altLang="ja-JP" sz="1100" dirty="0">
+                  <a:latin typeface="BIZ UDPゴシック" panose="020B0400000000000000" pitchFamily="50" charset="-128"/>
+                  <a:ea typeface="BIZ UDPゴシック" panose="020B0400000000000000" pitchFamily="50" charset="-128"/>
+                </a:rPr>
+                <a:t>Busy</a:t>
+              </a:r>
+              <a:endParaRPr kumimoji="1" lang="ja-JP" altLang="en-US" sz="1100" dirty="0">
+                <a:latin typeface="BIZ UDPゴシック" panose="020B0400000000000000" pitchFamily="50" charset="-128"/>
+                <a:ea typeface="BIZ UDPゴシック" panose="020B0400000000000000" pitchFamily="50" charset="-128"/>
+              </a:endParaRPr>
+            </a:p>
+          </p:txBody>
+        </p:sp>
+        <p:sp>
+          <p:nvSpPr>
+            <p:cNvPr id="15" name="テキスト ボックス 14">
+              <a:extLst>
+                <a:ext uri="{FF2B5EF4-FFF2-40B4-BE49-F238E27FC236}">
+                  <a16:creationId xmlns:a16="http://schemas.microsoft.com/office/drawing/2014/main" id="{3C315E43-E1C7-1205-952F-57007E8E1E9C}"/>
+                </a:ext>
+              </a:extLst>
+            </p:cNvPr>
+            <p:cNvSpPr txBox="1"/>
+            <p:nvPr/>
+          </p:nvSpPr>
+          <p:spPr>
+            <a:xfrm>
+              <a:off x="1092200" y="2842304"/>
+              <a:ext cx="1447800" cy="261610"/>
+            </a:xfrm>
+            <a:prstGeom prst="rect">
+              <a:avLst/>
+            </a:prstGeom>
+            <a:noFill/>
+          </p:spPr>
+          <p:txBody>
+            <a:bodyPr wrap="square" rtlCol="0">
+              <a:spAutoFit/>
+            </a:bodyPr>
+            <a:lstStyle/>
+            <a:p>
+              <a:pPr algn="ctr"/>
+              <a:r>
+                <a:rPr kumimoji="1" lang="en-US" altLang="ja-JP" sz="1100" dirty="0">
+                  <a:latin typeface="BIZ UDPゴシック" panose="020B0400000000000000" pitchFamily="50" charset="-128"/>
+                  <a:ea typeface="BIZ UDPゴシック" panose="020B0400000000000000" pitchFamily="50" charset="-128"/>
+                </a:rPr>
+                <a:t>Busy</a:t>
+              </a:r>
+              <a:endParaRPr kumimoji="1" lang="ja-JP" altLang="en-US" sz="1100" dirty="0">
+                <a:latin typeface="BIZ UDPゴシック" panose="020B0400000000000000" pitchFamily="50" charset="-128"/>
+                <a:ea typeface="BIZ UDPゴシック" panose="020B0400000000000000" pitchFamily="50" charset="-128"/>
+              </a:endParaRPr>
+            </a:p>
+          </p:txBody>
+        </p:sp>
+        <p:sp>
+          <p:nvSpPr>
+            <p:cNvPr id="16" name="テキスト ボックス 15">
+              <a:extLst>
+                <a:ext uri="{FF2B5EF4-FFF2-40B4-BE49-F238E27FC236}">
+                  <a16:creationId xmlns:a16="http://schemas.microsoft.com/office/drawing/2014/main" id="{B68E0F1D-05AE-5439-2B8A-8ACE007036D0}"/>
+                </a:ext>
+              </a:extLst>
+            </p:cNvPr>
+            <p:cNvSpPr txBox="1"/>
+            <p:nvPr/>
+          </p:nvSpPr>
+          <p:spPr>
+            <a:xfrm>
+              <a:off x="1092200" y="4138435"/>
+              <a:ext cx="1447800" cy="261610"/>
+            </a:xfrm>
+            <a:prstGeom prst="rect">
+              <a:avLst/>
+            </a:prstGeom>
+            <a:noFill/>
+          </p:spPr>
+          <p:txBody>
+            <a:bodyPr wrap="square" rtlCol="0">
+              <a:spAutoFit/>
+            </a:bodyPr>
+            <a:lstStyle/>
+            <a:p>
+              <a:pPr algn="ctr"/>
+              <a:r>
+                <a:rPr kumimoji="1" lang="en-US" altLang="ja-JP" sz="1100" dirty="0">
+                  <a:latin typeface="BIZ UDPゴシック" panose="020B0400000000000000" pitchFamily="50" charset="-128"/>
+                  <a:ea typeface="BIZ UDPゴシック" panose="020B0400000000000000" pitchFamily="50" charset="-128"/>
+                </a:rPr>
+                <a:t>Busy</a:t>
+              </a:r>
+              <a:endParaRPr kumimoji="1" lang="ja-JP" altLang="en-US" sz="1100" dirty="0">
+                <a:latin typeface="BIZ UDPゴシック" panose="020B0400000000000000" pitchFamily="50" charset="-128"/>
+                <a:ea typeface="BIZ UDPゴシック" panose="020B0400000000000000" pitchFamily="50" charset="-128"/>
+              </a:endParaRPr>
+            </a:p>
+          </p:txBody>
+        </p:sp>
+        <p:sp>
+          <p:nvSpPr>
+            <p:cNvPr id="17" name="テキスト ボックス 16">
+              <a:extLst>
+                <a:ext uri="{FF2B5EF4-FFF2-40B4-BE49-F238E27FC236}">
+                  <a16:creationId xmlns:a16="http://schemas.microsoft.com/office/drawing/2014/main" id="{42FD6A24-5D01-FAB8-BCCA-D034226A1441}"/>
+                </a:ext>
+              </a:extLst>
+            </p:cNvPr>
+            <p:cNvSpPr txBox="1"/>
+            <p:nvPr/>
+          </p:nvSpPr>
+          <p:spPr>
+            <a:xfrm>
+              <a:off x="1092200" y="5442705"/>
+              <a:ext cx="1447800" cy="261610"/>
+            </a:xfrm>
+            <a:prstGeom prst="rect">
+              <a:avLst/>
+            </a:prstGeom>
+            <a:noFill/>
+          </p:spPr>
+          <p:txBody>
+            <a:bodyPr wrap="square" rtlCol="0">
+              <a:spAutoFit/>
+            </a:bodyPr>
+            <a:lstStyle/>
+            <a:p>
+              <a:pPr algn="ctr"/>
+              <a:r>
+                <a:rPr kumimoji="1" lang="en-US" altLang="ja-JP" sz="1100" dirty="0">
+                  <a:latin typeface="BIZ UDPゴシック" panose="020B0400000000000000" pitchFamily="50" charset="-128"/>
+                  <a:ea typeface="BIZ UDPゴシック" panose="020B0400000000000000" pitchFamily="50" charset="-128"/>
+                </a:rPr>
+                <a:t>Busy</a:t>
+              </a:r>
+              <a:endParaRPr kumimoji="1" lang="ja-JP" altLang="en-US" sz="1100" dirty="0">
+                <a:latin typeface="BIZ UDPゴシック" panose="020B0400000000000000" pitchFamily="50" charset="-128"/>
+                <a:ea typeface="BIZ UDPゴシック" panose="020B0400000000000000" pitchFamily="50" charset="-128"/>
+              </a:endParaRPr>
+            </a:p>
+          </p:txBody>
+        </p:sp>
+        <p:sp>
+          <p:nvSpPr>
+            <p:cNvPr id="18" name="テキスト ボックス 17">
+              <a:extLst>
+                <a:ext uri="{FF2B5EF4-FFF2-40B4-BE49-F238E27FC236}">
+                  <a16:creationId xmlns:a16="http://schemas.microsoft.com/office/drawing/2014/main" id="{734558C9-FB05-4E30-AA01-9E693EEAF719}"/>
+                </a:ext>
+              </a:extLst>
+            </p:cNvPr>
+            <p:cNvSpPr txBox="1"/>
+            <p:nvPr/>
+          </p:nvSpPr>
+          <p:spPr>
+            <a:xfrm>
+              <a:off x="1879600" y="1438979"/>
+              <a:ext cx="1447800" cy="261610"/>
+            </a:xfrm>
+            <a:prstGeom prst="rect">
+              <a:avLst/>
+            </a:prstGeom>
+            <a:noFill/>
+          </p:spPr>
+          <p:txBody>
+            <a:bodyPr wrap="square" rtlCol="0">
+              <a:spAutoFit/>
+            </a:bodyPr>
+            <a:lstStyle/>
+            <a:p>
+              <a:pPr algn="ctr"/>
+              <a:r>
+                <a:rPr kumimoji="1" lang="en-US" altLang="ja-JP" sz="1100" dirty="0">
+                  <a:latin typeface="BIZ UDPゴシック" panose="020B0400000000000000" pitchFamily="50" charset="-128"/>
+                  <a:ea typeface="BIZ UDPゴシック" panose="020B0400000000000000" pitchFamily="50" charset="-128"/>
+                </a:rPr>
+                <a:t>DIFS</a:t>
+              </a:r>
+              <a:endParaRPr kumimoji="1" lang="ja-JP" altLang="en-US" sz="1100" dirty="0">
+                <a:latin typeface="BIZ UDPゴシック" panose="020B0400000000000000" pitchFamily="50" charset="-128"/>
+                <a:ea typeface="BIZ UDPゴシック" panose="020B0400000000000000" pitchFamily="50" charset="-128"/>
+              </a:endParaRPr>
+            </a:p>
+          </p:txBody>
+        </p:sp>
+        <p:sp>
+          <p:nvSpPr>
+            <p:cNvPr id="19" name="テキスト ボックス 18">
+              <a:extLst>
+                <a:ext uri="{FF2B5EF4-FFF2-40B4-BE49-F238E27FC236}">
+                  <a16:creationId xmlns:a16="http://schemas.microsoft.com/office/drawing/2014/main" id="{EB018D61-A800-0311-954F-C71A7AB8BC6C}"/>
+                </a:ext>
+              </a:extLst>
+            </p:cNvPr>
+            <p:cNvSpPr txBox="1"/>
+            <p:nvPr/>
+          </p:nvSpPr>
+          <p:spPr>
+            <a:xfrm>
+              <a:off x="1879600" y="2743249"/>
+              <a:ext cx="1447800" cy="261610"/>
+            </a:xfrm>
+            <a:prstGeom prst="rect">
+              <a:avLst/>
+            </a:prstGeom>
+            <a:noFill/>
+          </p:spPr>
+          <p:txBody>
+            <a:bodyPr wrap="square" rtlCol="0">
+              <a:spAutoFit/>
+            </a:bodyPr>
+            <a:lstStyle/>
+            <a:p>
+              <a:pPr algn="ctr"/>
+              <a:r>
+                <a:rPr kumimoji="1" lang="en-US" altLang="ja-JP" sz="1100" dirty="0">
+                  <a:latin typeface="BIZ UDPゴシック" panose="020B0400000000000000" pitchFamily="50" charset="-128"/>
+                  <a:ea typeface="BIZ UDPゴシック" panose="020B0400000000000000" pitchFamily="50" charset="-128"/>
+                </a:rPr>
+                <a:t>DIFS</a:t>
+              </a:r>
+              <a:endParaRPr kumimoji="1" lang="ja-JP" altLang="en-US" sz="1100" dirty="0">
+                <a:latin typeface="BIZ UDPゴシック" panose="020B0400000000000000" pitchFamily="50" charset="-128"/>
+                <a:ea typeface="BIZ UDPゴシック" panose="020B0400000000000000" pitchFamily="50" charset="-128"/>
+              </a:endParaRPr>
+            </a:p>
+          </p:txBody>
+        </p:sp>
+        <p:sp>
+          <p:nvSpPr>
+            <p:cNvPr id="20" name="テキスト ボックス 19">
+              <a:extLst>
+                <a:ext uri="{FF2B5EF4-FFF2-40B4-BE49-F238E27FC236}">
+                  <a16:creationId xmlns:a16="http://schemas.microsoft.com/office/drawing/2014/main" id="{3FE99787-7C8C-5765-73BA-539E2FD30235}"/>
+                </a:ext>
+              </a:extLst>
+            </p:cNvPr>
+            <p:cNvSpPr txBox="1"/>
+            <p:nvPr/>
+          </p:nvSpPr>
+          <p:spPr>
+            <a:xfrm>
+              <a:off x="1879600" y="4039380"/>
+              <a:ext cx="1447800" cy="261610"/>
+            </a:xfrm>
+            <a:prstGeom prst="rect">
+              <a:avLst/>
+            </a:prstGeom>
+            <a:noFill/>
+          </p:spPr>
+          <p:txBody>
+            <a:bodyPr wrap="square" rtlCol="0">
+              <a:spAutoFit/>
+            </a:bodyPr>
+            <a:lstStyle/>
+            <a:p>
+              <a:pPr algn="ctr"/>
+              <a:r>
+                <a:rPr kumimoji="1" lang="en-US" altLang="ja-JP" sz="1100" dirty="0">
+                  <a:latin typeface="BIZ UDPゴシック" panose="020B0400000000000000" pitchFamily="50" charset="-128"/>
+                  <a:ea typeface="BIZ UDPゴシック" panose="020B0400000000000000" pitchFamily="50" charset="-128"/>
+                </a:rPr>
+                <a:t>DIFS</a:t>
+              </a:r>
+              <a:endParaRPr kumimoji="1" lang="ja-JP" altLang="en-US" sz="1100" dirty="0">
+                <a:latin typeface="BIZ UDPゴシック" panose="020B0400000000000000" pitchFamily="50" charset="-128"/>
+                <a:ea typeface="BIZ UDPゴシック" panose="020B0400000000000000" pitchFamily="50" charset="-128"/>
+              </a:endParaRPr>
+            </a:p>
+          </p:txBody>
+        </p:sp>
+        <p:sp>
+          <p:nvSpPr>
+            <p:cNvPr id="21" name="テキスト ボックス 20">
+              <a:extLst>
+                <a:ext uri="{FF2B5EF4-FFF2-40B4-BE49-F238E27FC236}">
+                  <a16:creationId xmlns:a16="http://schemas.microsoft.com/office/drawing/2014/main" id="{6D9818BC-4E0F-2E59-5972-01CD29523A11}"/>
+                </a:ext>
+              </a:extLst>
+            </p:cNvPr>
+            <p:cNvSpPr txBox="1"/>
+            <p:nvPr/>
+          </p:nvSpPr>
+          <p:spPr>
+            <a:xfrm>
+              <a:off x="1879600" y="5335511"/>
+              <a:ext cx="1447800" cy="261610"/>
+            </a:xfrm>
+            <a:prstGeom prst="rect">
+              <a:avLst/>
+            </a:prstGeom>
+            <a:noFill/>
+          </p:spPr>
+          <p:txBody>
+            <a:bodyPr wrap="square" rtlCol="0">
+              <a:spAutoFit/>
+            </a:bodyPr>
+            <a:lstStyle/>
+            <a:p>
+              <a:pPr algn="ctr"/>
+              <a:r>
+                <a:rPr kumimoji="1" lang="en-US" altLang="ja-JP" sz="1100" dirty="0">
+                  <a:latin typeface="BIZ UDPゴシック" panose="020B0400000000000000" pitchFamily="50" charset="-128"/>
+                  <a:ea typeface="BIZ UDPゴシック" panose="020B0400000000000000" pitchFamily="50" charset="-128"/>
+                </a:rPr>
+                <a:t>DIFS</a:t>
+              </a:r>
+              <a:endParaRPr kumimoji="1" lang="ja-JP" altLang="en-US" sz="1100" dirty="0">
+                <a:latin typeface="BIZ UDPゴシック" panose="020B0400000000000000" pitchFamily="50" charset="-128"/>
+                <a:ea typeface="BIZ UDPゴシック" panose="020B0400000000000000" pitchFamily="50" charset="-128"/>
+              </a:endParaRPr>
+            </a:p>
+          </p:txBody>
+        </p:sp>
+        <p:sp>
+          <p:nvSpPr>
+            <p:cNvPr id="22" name="テキスト ボックス 21">
+              <a:extLst>
+                <a:ext uri="{FF2B5EF4-FFF2-40B4-BE49-F238E27FC236}">
+                  <a16:creationId xmlns:a16="http://schemas.microsoft.com/office/drawing/2014/main" id="{766E8795-2B18-705F-6320-492A4B962999}"/>
+                </a:ext>
+              </a:extLst>
+            </p:cNvPr>
+            <p:cNvSpPr txBox="1"/>
+            <p:nvPr/>
+          </p:nvSpPr>
+          <p:spPr>
+            <a:xfrm>
+              <a:off x="2476500" y="2301569"/>
+              <a:ext cx="1447800" cy="261610"/>
+            </a:xfrm>
+            <a:prstGeom prst="rect">
+              <a:avLst/>
+            </a:prstGeom>
+            <a:noFill/>
+          </p:spPr>
+          <p:txBody>
+            <a:bodyPr wrap="square" rtlCol="0">
+              <a:spAutoFit/>
+            </a:bodyPr>
+            <a:lstStyle/>
+            <a:p>
+              <a:pPr algn="ctr"/>
+              <a:r>
+                <a:rPr kumimoji="1" lang="en-US" altLang="ja-JP" sz="1100" dirty="0">
+                  <a:latin typeface="BIZ UDPゴシック" panose="020B0400000000000000" pitchFamily="50" charset="-128"/>
+                  <a:ea typeface="BIZ UDPゴシック" panose="020B0400000000000000" pitchFamily="50" charset="-128"/>
+                </a:rPr>
+                <a:t>2</a:t>
+              </a:r>
+              <a:endParaRPr kumimoji="1" lang="ja-JP" altLang="en-US" sz="1100" dirty="0">
+                <a:latin typeface="BIZ UDPゴシック" panose="020B0400000000000000" pitchFamily="50" charset="-128"/>
+                <a:ea typeface="BIZ UDPゴシック" panose="020B0400000000000000" pitchFamily="50" charset="-128"/>
+              </a:endParaRPr>
+            </a:p>
+          </p:txBody>
+        </p:sp>
+        <p:sp>
+          <p:nvSpPr>
+            <p:cNvPr id="23" name="テキスト ボックス 22">
+              <a:extLst>
+                <a:ext uri="{FF2B5EF4-FFF2-40B4-BE49-F238E27FC236}">
+                  <a16:creationId xmlns:a16="http://schemas.microsoft.com/office/drawing/2014/main" id="{E69BEB2F-9D0A-A873-A83D-0ABB6337D3C1}"/>
+                </a:ext>
+              </a:extLst>
+            </p:cNvPr>
+            <p:cNvSpPr txBox="1"/>
+            <p:nvPr/>
+          </p:nvSpPr>
+          <p:spPr>
+            <a:xfrm>
+              <a:off x="2819400" y="3602310"/>
+              <a:ext cx="1447800" cy="261610"/>
+            </a:xfrm>
+            <a:prstGeom prst="rect">
+              <a:avLst/>
+            </a:prstGeom>
+            <a:noFill/>
+          </p:spPr>
+          <p:txBody>
+            <a:bodyPr wrap="square" rtlCol="0">
+              <a:spAutoFit/>
+            </a:bodyPr>
+            <a:lstStyle/>
+            <a:p>
+              <a:pPr algn="ctr"/>
+              <a:r>
+                <a:rPr kumimoji="1" lang="en-US" altLang="ja-JP" sz="1100" dirty="0">
+                  <a:latin typeface="BIZ UDPゴシック" panose="020B0400000000000000" pitchFamily="50" charset="-128"/>
+                  <a:ea typeface="BIZ UDPゴシック" panose="020B0400000000000000" pitchFamily="50" charset="-128"/>
+                </a:rPr>
+                <a:t>6</a:t>
+              </a:r>
+              <a:endParaRPr kumimoji="1" lang="ja-JP" altLang="en-US" sz="1100" dirty="0">
+                <a:latin typeface="BIZ UDPゴシック" panose="020B0400000000000000" pitchFamily="50" charset="-128"/>
+                <a:ea typeface="BIZ UDPゴシック" panose="020B0400000000000000" pitchFamily="50" charset="-128"/>
+              </a:endParaRPr>
+            </a:p>
+          </p:txBody>
+        </p:sp>
+        <p:sp>
+          <p:nvSpPr>
+            <p:cNvPr id="25" name="テキスト ボックス 24">
+              <a:extLst>
+                <a:ext uri="{FF2B5EF4-FFF2-40B4-BE49-F238E27FC236}">
+                  <a16:creationId xmlns:a16="http://schemas.microsoft.com/office/drawing/2014/main" id="{1B9108D1-9B90-7E76-1144-6BA45AB318DA}"/>
+                </a:ext>
+              </a:extLst>
+            </p:cNvPr>
+            <p:cNvSpPr txBox="1"/>
+            <p:nvPr/>
+          </p:nvSpPr>
+          <p:spPr>
+            <a:xfrm>
+              <a:off x="2717800" y="4898441"/>
+              <a:ext cx="1447800" cy="261610"/>
+            </a:xfrm>
+            <a:prstGeom prst="rect">
+              <a:avLst/>
+            </a:prstGeom>
+            <a:noFill/>
+          </p:spPr>
+          <p:txBody>
+            <a:bodyPr wrap="square" rtlCol="0">
+              <a:spAutoFit/>
+            </a:bodyPr>
+            <a:lstStyle/>
+            <a:p>
+              <a:pPr algn="ctr"/>
+              <a:r>
+                <a:rPr kumimoji="1" lang="en-US" altLang="ja-JP" sz="1100" dirty="0">
+                  <a:latin typeface="BIZ UDPゴシック" panose="020B0400000000000000" pitchFamily="50" charset="-128"/>
+                  <a:ea typeface="BIZ UDPゴシック" panose="020B0400000000000000" pitchFamily="50" charset="-128"/>
+                </a:rPr>
+                <a:t>5</a:t>
+              </a:r>
+              <a:endParaRPr kumimoji="1" lang="ja-JP" altLang="en-US" sz="1100" dirty="0">
+                <a:latin typeface="BIZ UDPゴシック" panose="020B0400000000000000" pitchFamily="50" charset="-128"/>
+                <a:ea typeface="BIZ UDPゴシック" panose="020B0400000000000000" pitchFamily="50" charset="-128"/>
+              </a:endParaRPr>
+            </a:p>
+          </p:txBody>
+        </p:sp>
+        <p:sp>
+          <p:nvSpPr>
+            <p:cNvPr id="26" name="テキスト ボックス 25">
+              <a:extLst>
+                <a:ext uri="{FF2B5EF4-FFF2-40B4-BE49-F238E27FC236}">
+                  <a16:creationId xmlns:a16="http://schemas.microsoft.com/office/drawing/2014/main" id="{D1E46968-D831-5710-59B3-765CD77E514E}"/>
+                </a:ext>
+              </a:extLst>
+            </p:cNvPr>
+            <p:cNvSpPr txBox="1"/>
+            <p:nvPr/>
+          </p:nvSpPr>
+          <p:spPr>
+            <a:xfrm>
+              <a:off x="2492313" y="3375007"/>
+              <a:ext cx="1447800" cy="230832"/>
+            </a:xfrm>
+            <a:prstGeom prst="rect">
+              <a:avLst/>
+            </a:prstGeom>
+            <a:noFill/>
+          </p:spPr>
+          <p:txBody>
+            <a:bodyPr wrap="square" rtlCol="0">
+              <a:spAutoFit/>
+            </a:bodyPr>
+            <a:lstStyle/>
+            <a:p>
+              <a:pPr algn="ctr"/>
+              <a:r>
+                <a:rPr kumimoji="1" lang="ja-JP" altLang="en-US" sz="900" dirty="0">
+                  <a:latin typeface="BIZ UDPゴシック" panose="020B0400000000000000" pitchFamily="50" charset="-128"/>
+                  <a:ea typeface="BIZ UDPゴシック" panose="020B0400000000000000" pitchFamily="50" charset="-128"/>
+                </a:rPr>
+                <a:t>バックオフ</a:t>
+              </a:r>
+            </a:p>
+          </p:txBody>
+        </p:sp>
+        <p:sp>
+          <p:nvSpPr>
+            <p:cNvPr id="27" name="テキスト ボックス 26">
+              <a:extLst>
+                <a:ext uri="{FF2B5EF4-FFF2-40B4-BE49-F238E27FC236}">
+                  <a16:creationId xmlns:a16="http://schemas.microsoft.com/office/drawing/2014/main" id="{798AB434-5098-3D9C-F94F-8E355685D7D7}"/>
+                </a:ext>
+              </a:extLst>
+            </p:cNvPr>
+            <p:cNvSpPr txBox="1"/>
+            <p:nvPr/>
+          </p:nvSpPr>
+          <p:spPr>
+            <a:xfrm>
+              <a:off x="2819400" y="4671221"/>
+              <a:ext cx="1447800" cy="230832"/>
+            </a:xfrm>
+            <a:prstGeom prst="rect">
+              <a:avLst/>
+            </a:prstGeom>
+            <a:noFill/>
+          </p:spPr>
+          <p:txBody>
+            <a:bodyPr wrap="square" rtlCol="0">
+              <a:spAutoFit/>
+            </a:bodyPr>
+            <a:lstStyle/>
+            <a:p>
+              <a:pPr algn="ctr"/>
+              <a:r>
+                <a:rPr kumimoji="1" lang="ja-JP" altLang="en-US" sz="900" dirty="0">
+                  <a:latin typeface="BIZ UDPゴシック" panose="020B0400000000000000" pitchFamily="50" charset="-128"/>
+                  <a:ea typeface="BIZ UDPゴシック" panose="020B0400000000000000" pitchFamily="50" charset="-128"/>
+                </a:rPr>
+                <a:t>バックオフ</a:t>
+              </a:r>
+            </a:p>
+          </p:txBody>
+        </p:sp>
+        <p:sp>
+          <p:nvSpPr>
+            <p:cNvPr id="28" name="テキスト ボックス 27">
+              <a:extLst>
+                <a:ext uri="{FF2B5EF4-FFF2-40B4-BE49-F238E27FC236}">
+                  <a16:creationId xmlns:a16="http://schemas.microsoft.com/office/drawing/2014/main" id="{45415D0C-DA3B-40C8-31B5-FD083C646708}"/>
+                </a:ext>
+              </a:extLst>
+            </p:cNvPr>
+            <p:cNvSpPr txBox="1"/>
+            <p:nvPr/>
+          </p:nvSpPr>
+          <p:spPr>
+            <a:xfrm>
+              <a:off x="2717800" y="5974039"/>
+              <a:ext cx="1447800" cy="230832"/>
+            </a:xfrm>
+            <a:prstGeom prst="rect">
+              <a:avLst/>
+            </a:prstGeom>
+            <a:noFill/>
+          </p:spPr>
+          <p:txBody>
+            <a:bodyPr wrap="square" rtlCol="0">
+              <a:spAutoFit/>
+            </a:bodyPr>
+            <a:lstStyle/>
+            <a:p>
+              <a:pPr algn="ctr"/>
+              <a:r>
+                <a:rPr kumimoji="1" lang="ja-JP" altLang="en-US" sz="900" dirty="0">
+                  <a:latin typeface="BIZ UDPゴシック" panose="020B0400000000000000" pitchFamily="50" charset="-128"/>
+                  <a:ea typeface="BIZ UDPゴシック" panose="020B0400000000000000" pitchFamily="50" charset="-128"/>
+                </a:rPr>
+                <a:t>バックオフ</a:t>
+              </a:r>
+            </a:p>
+          </p:txBody>
+        </p:sp>
+        <p:sp>
+          <p:nvSpPr>
+            <p:cNvPr id="30" name="テキスト ボックス 29">
+              <a:extLst>
+                <a:ext uri="{FF2B5EF4-FFF2-40B4-BE49-F238E27FC236}">
+                  <a16:creationId xmlns:a16="http://schemas.microsoft.com/office/drawing/2014/main" id="{2EA4BE67-17FC-AE91-3D5C-1E221C3E6D5C}"/>
+                </a:ext>
+              </a:extLst>
+            </p:cNvPr>
+            <p:cNvSpPr txBox="1"/>
+            <p:nvPr/>
+          </p:nvSpPr>
+          <p:spPr>
+            <a:xfrm>
+              <a:off x="3695700" y="1438979"/>
+              <a:ext cx="1447800" cy="261610"/>
+            </a:xfrm>
+            <a:prstGeom prst="rect">
+              <a:avLst/>
+            </a:prstGeom>
+            <a:noFill/>
+          </p:spPr>
+          <p:txBody>
+            <a:bodyPr wrap="square" rtlCol="0">
+              <a:spAutoFit/>
+            </a:bodyPr>
+            <a:lstStyle/>
+            <a:p>
+              <a:pPr algn="ctr"/>
+              <a:r>
+                <a:rPr kumimoji="1" lang="en-US" altLang="ja-JP" sz="1100" dirty="0">
+                  <a:latin typeface="BIZ UDPゴシック" panose="020B0400000000000000" pitchFamily="50" charset="-128"/>
+                  <a:ea typeface="BIZ UDPゴシック" panose="020B0400000000000000" pitchFamily="50" charset="-128"/>
+                </a:rPr>
+                <a:t>SIFS</a:t>
+              </a:r>
+              <a:endParaRPr kumimoji="1" lang="ja-JP" altLang="en-US" sz="1100" dirty="0">
+                <a:latin typeface="BIZ UDPゴシック" panose="020B0400000000000000" pitchFamily="50" charset="-128"/>
+                <a:ea typeface="BIZ UDPゴシック" panose="020B0400000000000000" pitchFamily="50" charset="-128"/>
+              </a:endParaRPr>
+            </a:p>
+          </p:txBody>
+        </p:sp>
+        <p:sp>
+          <p:nvSpPr>
+            <p:cNvPr id="31" name="テキスト ボックス 30">
+              <a:extLst>
+                <a:ext uri="{FF2B5EF4-FFF2-40B4-BE49-F238E27FC236}">
+                  <a16:creationId xmlns:a16="http://schemas.microsoft.com/office/drawing/2014/main" id="{2DE09DB4-1DCC-283F-50D9-7D104569E5CA}"/>
+                </a:ext>
+              </a:extLst>
+            </p:cNvPr>
+            <p:cNvSpPr txBox="1"/>
+            <p:nvPr/>
+          </p:nvSpPr>
+          <p:spPr>
+            <a:xfrm>
+              <a:off x="4610099" y="1425926"/>
+              <a:ext cx="1447800" cy="261610"/>
+            </a:xfrm>
+            <a:prstGeom prst="rect">
+              <a:avLst/>
+            </a:prstGeom>
+            <a:noFill/>
+          </p:spPr>
+          <p:txBody>
+            <a:bodyPr wrap="square" rtlCol="0">
+              <a:spAutoFit/>
+            </a:bodyPr>
+            <a:lstStyle/>
+            <a:p>
+              <a:pPr algn="ctr"/>
+              <a:r>
+                <a:rPr kumimoji="1" lang="en-US" altLang="ja-JP" sz="1100" dirty="0">
+                  <a:latin typeface="BIZ UDPゴシック" panose="020B0400000000000000" pitchFamily="50" charset="-128"/>
+                  <a:ea typeface="BIZ UDPゴシック" panose="020B0400000000000000" pitchFamily="50" charset="-128"/>
+                </a:rPr>
+                <a:t>DIFS</a:t>
+              </a:r>
+              <a:endParaRPr kumimoji="1" lang="ja-JP" altLang="en-US" sz="1100" dirty="0">
+                <a:latin typeface="BIZ UDPゴシック" panose="020B0400000000000000" pitchFamily="50" charset="-128"/>
+                <a:ea typeface="BIZ UDPゴシック" panose="020B0400000000000000" pitchFamily="50" charset="-128"/>
+              </a:endParaRPr>
+            </a:p>
+          </p:txBody>
+        </p:sp>
+        <p:sp>
+          <p:nvSpPr>
+            <p:cNvPr id="32" name="テキスト ボックス 31">
+              <a:extLst>
+                <a:ext uri="{FF2B5EF4-FFF2-40B4-BE49-F238E27FC236}">
+                  <a16:creationId xmlns:a16="http://schemas.microsoft.com/office/drawing/2014/main" id="{3E3C839B-2D10-FC97-3DA2-70A17A0D6BBE}"/>
+                </a:ext>
+              </a:extLst>
+            </p:cNvPr>
+            <p:cNvSpPr txBox="1"/>
+            <p:nvPr/>
+          </p:nvSpPr>
+          <p:spPr>
+            <a:xfrm>
+              <a:off x="4610099" y="2727220"/>
+              <a:ext cx="1447800" cy="261610"/>
+            </a:xfrm>
+            <a:prstGeom prst="rect">
+              <a:avLst/>
+            </a:prstGeom>
+            <a:noFill/>
+          </p:spPr>
+          <p:txBody>
+            <a:bodyPr wrap="square" rtlCol="0">
+              <a:spAutoFit/>
+            </a:bodyPr>
+            <a:lstStyle/>
+            <a:p>
+              <a:pPr algn="ctr"/>
+              <a:r>
+                <a:rPr kumimoji="1" lang="en-US" altLang="ja-JP" sz="1100" dirty="0">
+                  <a:latin typeface="BIZ UDPゴシック" panose="020B0400000000000000" pitchFamily="50" charset="-128"/>
+                  <a:ea typeface="BIZ UDPゴシック" panose="020B0400000000000000" pitchFamily="50" charset="-128"/>
+                </a:rPr>
+                <a:t>DIFS</a:t>
+              </a:r>
+              <a:endParaRPr kumimoji="1" lang="ja-JP" altLang="en-US" sz="1100" dirty="0">
+                <a:latin typeface="BIZ UDPゴシック" panose="020B0400000000000000" pitchFamily="50" charset="-128"/>
+                <a:ea typeface="BIZ UDPゴシック" panose="020B0400000000000000" pitchFamily="50" charset="-128"/>
+              </a:endParaRPr>
+            </a:p>
+          </p:txBody>
+        </p:sp>
+        <p:sp>
+          <p:nvSpPr>
+            <p:cNvPr id="33" name="テキスト ボックス 32">
+              <a:extLst>
+                <a:ext uri="{FF2B5EF4-FFF2-40B4-BE49-F238E27FC236}">
+                  <a16:creationId xmlns:a16="http://schemas.microsoft.com/office/drawing/2014/main" id="{9B361A54-0545-F69C-C021-A3D1B27E3885}"/>
+                </a:ext>
+              </a:extLst>
+            </p:cNvPr>
+            <p:cNvSpPr txBox="1"/>
+            <p:nvPr/>
+          </p:nvSpPr>
+          <p:spPr>
+            <a:xfrm>
+              <a:off x="3377572" y="2842304"/>
+              <a:ext cx="869826" cy="261610"/>
+            </a:xfrm>
+            <a:prstGeom prst="rect">
+              <a:avLst/>
+            </a:prstGeom>
+            <a:noFill/>
+          </p:spPr>
+          <p:txBody>
+            <a:bodyPr wrap="square" rtlCol="0">
+              <a:spAutoFit/>
+            </a:bodyPr>
+            <a:lstStyle/>
+            <a:p>
+              <a:pPr algn="ctr"/>
+              <a:r>
+                <a:rPr kumimoji="1" lang="en-US" altLang="ja-JP" sz="1100" dirty="0">
+                  <a:latin typeface="BIZ UDPゴシック" panose="020B0400000000000000" pitchFamily="50" charset="-128"/>
+                  <a:ea typeface="BIZ UDPゴシック" panose="020B0400000000000000" pitchFamily="50" charset="-128"/>
+                </a:rPr>
+                <a:t>Data</a:t>
+              </a:r>
+              <a:endParaRPr kumimoji="1" lang="ja-JP" altLang="en-US" sz="1100" dirty="0">
+                <a:latin typeface="BIZ UDPゴシック" panose="020B0400000000000000" pitchFamily="50" charset="-128"/>
+                <a:ea typeface="BIZ UDPゴシック" panose="020B0400000000000000" pitchFamily="50" charset="-128"/>
+              </a:endParaRPr>
+            </a:p>
+          </p:txBody>
+        </p:sp>
+        <p:sp>
+          <p:nvSpPr>
+            <p:cNvPr id="34" name="テキスト ボックス 33">
+              <a:extLst>
+                <a:ext uri="{FF2B5EF4-FFF2-40B4-BE49-F238E27FC236}">
+                  <a16:creationId xmlns:a16="http://schemas.microsoft.com/office/drawing/2014/main" id="{D66EDCA8-C430-EE08-2925-ED3F7E6D627D}"/>
+                </a:ext>
+              </a:extLst>
+            </p:cNvPr>
+            <p:cNvSpPr txBox="1"/>
+            <p:nvPr/>
+          </p:nvSpPr>
+          <p:spPr>
+            <a:xfrm>
+              <a:off x="4534186" y="1556731"/>
+              <a:ext cx="571500" cy="246221"/>
+            </a:xfrm>
+            <a:prstGeom prst="rect">
+              <a:avLst/>
+            </a:prstGeom>
+            <a:noFill/>
+          </p:spPr>
+          <p:txBody>
+            <a:bodyPr wrap="square" rtlCol="0">
+              <a:spAutoFit/>
+            </a:bodyPr>
+            <a:lstStyle/>
+            <a:p>
+              <a:pPr algn="ctr"/>
+              <a:r>
+                <a:rPr kumimoji="1" lang="en-US" altLang="ja-JP" sz="1000" dirty="0">
+                  <a:latin typeface="BIZ UDPゴシック" panose="020B0400000000000000" pitchFamily="50" charset="-128"/>
+                  <a:ea typeface="BIZ UDPゴシック" panose="020B0400000000000000" pitchFamily="50" charset="-128"/>
+                </a:rPr>
+                <a:t>ACK</a:t>
+              </a:r>
+              <a:endParaRPr kumimoji="1" lang="ja-JP" altLang="en-US" sz="1000" dirty="0">
+                <a:latin typeface="BIZ UDPゴシック" panose="020B0400000000000000" pitchFamily="50" charset="-128"/>
+                <a:ea typeface="BIZ UDPゴシック" panose="020B0400000000000000" pitchFamily="50" charset="-128"/>
+              </a:endParaRPr>
+            </a:p>
+          </p:txBody>
+        </p:sp>
+        <p:sp>
+          <p:nvSpPr>
+            <p:cNvPr id="35" name="テキスト ボックス 34">
+              <a:extLst>
+                <a:ext uri="{FF2B5EF4-FFF2-40B4-BE49-F238E27FC236}">
+                  <a16:creationId xmlns:a16="http://schemas.microsoft.com/office/drawing/2014/main" id="{6CBDAC6D-8A35-F0A5-338C-CB488A274F02}"/>
+                </a:ext>
+              </a:extLst>
+            </p:cNvPr>
+            <p:cNvSpPr txBox="1"/>
+            <p:nvPr/>
+          </p:nvSpPr>
+          <p:spPr>
+            <a:xfrm>
+              <a:off x="6275180" y="5446433"/>
+              <a:ext cx="849374" cy="261610"/>
+            </a:xfrm>
+            <a:prstGeom prst="rect">
+              <a:avLst/>
+            </a:prstGeom>
+            <a:noFill/>
+          </p:spPr>
+          <p:txBody>
+            <a:bodyPr wrap="square" rtlCol="0">
+              <a:spAutoFit/>
+            </a:bodyPr>
+            <a:lstStyle/>
+            <a:p>
+              <a:pPr algn="ctr"/>
+              <a:r>
+                <a:rPr kumimoji="1" lang="en-US" altLang="ja-JP" sz="1100" dirty="0">
+                  <a:latin typeface="BIZ UDPゴシック" panose="020B0400000000000000" pitchFamily="50" charset="-128"/>
+                  <a:ea typeface="BIZ UDPゴシック" panose="020B0400000000000000" pitchFamily="50" charset="-128"/>
+                </a:rPr>
+                <a:t>Data</a:t>
+              </a:r>
+              <a:endParaRPr kumimoji="1" lang="ja-JP" altLang="en-US" sz="1100" dirty="0">
+                <a:latin typeface="BIZ UDPゴシック" panose="020B0400000000000000" pitchFamily="50" charset="-128"/>
+                <a:ea typeface="BIZ UDPゴシック" panose="020B0400000000000000" pitchFamily="50" charset="-128"/>
+              </a:endParaRPr>
+            </a:p>
+          </p:txBody>
+        </p:sp>
+        <p:sp>
+          <p:nvSpPr>
+            <p:cNvPr id="36" name="テキスト ボックス 35">
+              <a:extLst>
+                <a:ext uri="{FF2B5EF4-FFF2-40B4-BE49-F238E27FC236}">
+                  <a16:creationId xmlns:a16="http://schemas.microsoft.com/office/drawing/2014/main" id="{05F79690-BC71-8EC8-38EB-69F787A8E50E}"/>
+                </a:ext>
+              </a:extLst>
+            </p:cNvPr>
+            <p:cNvSpPr txBox="1"/>
+            <p:nvPr/>
+          </p:nvSpPr>
+          <p:spPr>
+            <a:xfrm>
+              <a:off x="6972298" y="1442858"/>
+              <a:ext cx="723900" cy="261610"/>
+            </a:xfrm>
+            <a:prstGeom prst="rect">
+              <a:avLst/>
+            </a:prstGeom>
+            <a:noFill/>
+          </p:spPr>
+          <p:txBody>
+            <a:bodyPr wrap="square" rtlCol="0">
+              <a:spAutoFit/>
+            </a:bodyPr>
+            <a:lstStyle/>
+            <a:p>
+              <a:pPr algn="ctr"/>
+              <a:r>
+                <a:rPr kumimoji="1" lang="en-US" altLang="ja-JP" sz="1100" dirty="0">
+                  <a:latin typeface="BIZ UDPゴシック" panose="020B0400000000000000" pitchFamily="50" charset="-128"/>
+                  <a:ea typeface="BIZ UDPゴシック" panose="020B0400000000000000" pitchFamily="50" charset="-128"/>
+                </a:rPr>
+                <a:t>SIFS</a:t>
+              </a:r>
+              <a:endParaRPr kumimoji="1" lang="ja-JP" altLang="en-US" sz="1100" dirty="0">
+                <a:latin typeface="BIZ UDPゴシック" panose="020B0400000000000000" pitchFamily="50" charset="-128"/>
+                <a:ea typeface="BIZ UDPゴシック" panose="020B0400000000000000" pitchFamily="50" charset="-128"/>
+              </a:endParaRPr>
+            </a:p>
+          </p:txBody>
+        </p:sp>
+        <p:sp>
+          <p:nvSpPr>
+            <p:cNvPr id="37" name="テキスト ボックス 36">
+              <a:extLst>
+                <a:ext uri="{FF2B5EF4-FFF2-40B4-BE49-F238E27FC236}">
+                  <a16:creationId xmlns:a16="http://schemas.microsoft.com/office/drawing/2014/main" id="{7885F254-4F22-91D8-E8E1-7B71C61FC216}"/>
+                </a:ext>
+              </a:extLst>
+            </p:cNvPr>
+            <p:cNvSpPr txBox="1"/>
+            <p:nvPr/>
+          </p:nvSpPr>
+          <p:spPr>
+            <a:xfrm>
+              <a:off x="7457155" y="1551704"/>
+              <a:ext cx="571500" cy="246221"/>
+            </a:xfrm>
+            <a:prstGeom prst="rect">
+              <a:avLst/>
+            </a:prstGeom>
+            <a:noFill/>
+          </p:spPr>
+          <p:txBody>
+            <a:bodyPr wrap="square" rtlCol="0">
+              <a:spAutoFit/>
+            </a:bodyPr>
+            <a:lstStyle/>
+            <a:p>
+              <a:pPr algn="ctr"/>
+              <a:r>
+                <a:rPr kumimoji="1" lang="en-US" altLang="ja-JP" sz="1000" dirty="0">
+                  <a:latin typeface="BIZ UDPゴシック" panose="020B0400000000000000" pitchFamily="50" charset="-128"/>
+                  <a:ea typeface="BIZ UDPゴシック" panose="020B0400000000000000" pitchFamily="50" charset="-128"/>
+                </a:rPr>
+                <a:t>ACK</a:t>
+              </a:r>
+              <a:endParaRPr kumimoji="1" lang="ja-JP" altLang="en-US" sz="1000" dirty="0">
+                <a:latin typeface="BIZ UDPゴシック" panose="020B0400000000000000" pitchFamily="50" charset="-128"/>
+                <a:ea typeface="BIZ UDPゴシック" panose="020B0400000000000000" pitchFamily="50" charset="-128"/>
+              </a:endParaRPr>
+            </a:p>
+          </p:txBody>
+        </p:sp>
+        <p:sp>
+          <p:nvSpPr>
+            <p:cNvPr id="38" name="テキスト ボックス 37">
+              <a:extLst>
+                <a:ext uri="{FF2B5EF4-FFF2-40B4-BE49-F238E27FC236}">
+                  <a16:creationId xmlns:a16="http://schemas.microsoft.com/office/drawing/2014/main" id="{A2AD5D84-8C4B-43CC-D483-C617B0E8F5C5}"/>
+                </a:ext>
+              </a:extLst>
+            </p:cNvPr>
+            <p:cNvSpPr txBox="1"/>
+            <p:nvPr/>
+          </p:nvSpPr>
+          <p:spPr>
+            <a:xfrm>
+              <a:off x="7529541" y="1438978"/>
+              <a:ext cx="1447800" cy="261610"/>
+            </a:xfrm>
+            <a:prstGeom prst="rect">
+              <a:avLst/>
+            </a:prstGeom>
+            <a:noFill/>
+          </p:spPr>
+          <p:txBody>
+            <a:bodyPr wrap="square" rtlCol="0">
+              <a:spAutoFit/>
+            </a:bodyPr>
+            <a:lstStyle/>
+            <a:p>
+              <a:pPr algn="ctr"/>
+              <a:r>
+                <a:rPr kumimoji="1" lang="en-US" altLang="ja-JP" sz="1100" dirty="0">
+                  <a:latin typeface="BIZ UDPゴシック" panose="020B0400000000000000" pitchFamily="50" charset="-128"/>
+                  <a:ea typeface="BIZ UDPゴシック" panose="020B0400000000000000" pitchFamily="50" charset="-128"/>
+                </a:rPr>
+                <a:t>DIFS</a:t>
+              </a:r>
+              <a:endParaRPr kumimoji="1" lang="ja-JP" altLang="en-US" sz="1100" dirty="0">
+                <a:latin typeface="BIZ UDPゴシック" panose="020B0400000000000000" pitchFamily="50" charset="-128"/>
+                <a:ea typeface="BIZ UDPゴシック" panose="020B0400000000000000" pitchFamily="50" charset="-128"/>
+              </a:endParaRPr>
+            </a:p>
+          </p:txBody>
+        </p:sp>
+        <p:sp>
+          <p:nvSpPr>
+            <p:cNvPr id="40" name="テキスト ボックス 39">
+              <a:extLst>
+                <a:ext uri="{FF2B5EF4-FFF2-40B4-BE49-F238E27FC236}">
+                  <a16:creationId xmlns:a16="http://schemas.microsoft.com/office/drawing/2014/main" id="{730D6AD7-7BEE-D654-F7E6-345C7F699DD6}"/>
+                </a:ext>
+              </a:extLst>
+            </p:cNvPr>
+            <p:cNvSpPr txBox="1"/>
+            <p:nvPr/>
+          </p:nvSpPr>
+          <p:spPr>
+            <a:xfrm>
+              <a:off x="10047667" y="1556710"/>
+              <a:ext cx="571500" cy="246221"/>
+            </a:xfrm>
+            <a:prstGeom prst="rect">
+              <a:avLst/>
+            </a:prstGeom>
+            <a:noFill/>
+          </p:spPr>
+          <p:txBody>
+            <a:bodyPr wrap="square" rtlCol="0">
+              <a:spAutoFit/>
+            </a:bodyPr>
+            <a:lstStyle/>
+            <a:p>
+              <a:pPr algn="ctr"/>
+              <a:r>
+                <a:rPr kumimoji="1" lang="en-US" altLang="ja-JP" sz="1000" dirty="0">
+                  <a:latin typeface="BIZ UDPゴシック" panose="020B0400000000000000" pitchFamily="50" charset="-128"/>
+                  <a:ea typeface="BIZ UDPゴシック" panose="020B0400000000000000" pitchFamily="50" charset="-128"/>
+                </a:rPr>
+                <a:t>ACK</a:t>
+              </a:r>
+              <a:endParaRPr kumimoji="1" lang="ja-JP" altLang="en-US" sz="1000" dirty="0">
+                <a:latin typeface="BIZ UDPゴシック" panose="020B0400000000000000" pitchFamily="50" charset="-128"/>
+                <a:ea typeface="BIZ UDPゴシック" panose="020B0400000000000000" pitchFamily="50" charset="-128"/>
+              </a:endParaRPr>
+            </a:p>
+          </p:txBody>
+        </p:sp>
+        <p:sp>
+          <p:nvSpPr>
+            <p:cNvPr id="41" name="テキスト ボックス 40">
+              <a:extLst>
+                <a:ext uri="{FF2B5EF4-FFF2-40B4-BE49-F238E27FC236}">
+                  <a16:creationId xmlns:a16="http://schemas.microsoft.com/office/drawing/2014/main" id="{6BF9FA22-5435-FE84-6D29-5A87289B12AA}"/>
+                </a:ext>
+              </a:extLst>
+            </p:cNvPr>
+            <p:cNvSpPr txBox="1"/>
+            <p:nvPr/>
+          </p:nvSpPr>
+          <p:spPr>
+            <a:xfrm>
+              <a:off x="9534584" y="1445619"/>
+              <a:ext cx="723900" cy="261610"/>
+            </a:xfrm>
+            <a:prstGeom prst="rect">
+              <a:avLst/>
+            </a:prstGeom>
+            <a:noFill/>
+          </p:spPr>
+          <p:txBody>
+            <a:bodyPr wrap="square" rtlCol="0">
+              <a:spAutoFit/>
+            </a:bodyPr>
+            <a:lstStyle/>
+            <a:p>
+              <a:pPr algn="ctr"/>
+              <a:r>
+                <a:rPr kumimoji="1" lang="en-US" altLang="ja-JP" sz="1100" dirty="0">
+                  <a:latin typeface="BIZ UDPゴシック" panose="020B0400000000000000" pitchFamily="50" charset="-128"/>
+                  <a:ea typeface="BIZ UDPゴシック" panose="020B0400000000000000" pitchFamily="50" charset="-128"/>
+                </a:rPr>
+                <a:t>SIFS</a:t>
+              </a:r>
+              <a:endParaRPr kumimoji="1" lang="ja-JP" altLang="en-US" sz="1100" dirty="0">
+                <a:latin typeface="BIZ UDPゴシック" panose="020B0400000000000000" pitchFamily="50" charset="-128"/>
+                <a:ea typeface="BIZ UDPゴシック" panose="020B0400000000000000" pitchFamily="50" charset="-128"/>
+              </a:endParaRPr>
+            </a:p>
+          </p:txBody>
+        </p:sp>
+        <p:sp>
+          <p:nvSpPr>
+            <p:cNvPr id="42" name="テキスト ボックス 41">
+              <a:extLst>
+                <a:ext uri="{FF2B5EF4-FFF2-40B4-BE49-F238E27FC236}">
+                  <a16:creationId xmlns:a16="http://schemas.microsoft.com/office/drawing/2014/main" id="{FF9B44CB-F0EC-890E-B91F-5B71D8510B49}"/>
+                </a:ext>
+              </a:extLst>
+            </p:cNvPr>
+            <p:cNvSpPr txBox="1"/>
+            <p:nvPr/>
+          </p:nvSpPr>
+          <p:spPr>
+            <a:xfrm>
+              <a:off x="10093794" y="1445619"/>
+              <a:ext cx="1447800" cy="261610"/>
+            </a:xfrm>
+            <a:prstGeom prst="rect">
+              <a:avLst/>
+            </a:prstGeom>
+            <a:noFill/>
+          </p:spPr>
+          <p:txBody>
+            <a:bodyPr wrap="square" rtlCol="0">
+              <a:spAutoFit/>
+            </a:bodyPr>
+            <a:lstStyle/>
+            <a:p>
+              <a:pPr algn="ctr"/>
+              <a:r>
+                <a:rPr kumimoji="1" lang="en-US" altLang="ja-JP" sz="1100" dirty="0">
+                  <a:latin typeface="BIZ UDPゴシック" panose="020B0400000000000000" pitchFamily="50" charset="-128"/>
+                  <a:ea typeface="BIZ UDPゴシック" panose="020B0400000000000000" pitchFamily="50" charset="-128"/>
+                </a:rPr>
+                <a:t>DIFS</a:t>
+              </a:r>
+              <a:endParaRPr kumimoji="1" lang="ja-JP" altLang="en-US" sz="1100" dirty="0">
+                <a:latin typeface="BIZ UDPゴシック" panose="020B0400000000000000" pitchFamily="50" charset="-128"/>
+                <a:ea typeface="BIZ UDPゴシック" panose="020B0400000000000000" pitchFamily="50" charset="-128"/>
+              </a:endParaRPr>
+            </a:p>
+          </p:txBody>
+        </p:sp>
+        <p:sp>
+          <p:nvSpPr>
+            <p:cNvPr id="43" name="テキスト ボックス 42">
+              <a:extLst>
+                <a:ext uri="{FF2B5EF4-FFF2-40B4-BE49-F238E27FC236}">
+                  <a16:creationId xmlns:a16="http://schemas.microsoft.com/office/drawing/2014/main" id="{F9FBD8EA-0E5E-0000-771F-531B948EB19F}"/>
+                </a:ext>
+              </a:extLst>
+            </p:cNvPr>
+            <p:cNvSpPr txBox="1"/>
+            <p:nvPr/>
+          </p:nvSpPr>
+          <p:spPr>
+            <a:xfrm>
+              <a:off x="5615940" y="2301569"/>
+              <a:ext cx="1447800" cy="261610"/>
+            </a:xfrm>
+            <a:prstGeom prst="rect">
+              <a:avLst/>
+            </a:prstGeom>
+            <a:noFill/>
+          </p:spPr>
+          <p:txBody>
+            <a:bodyPr wrap="square" rtlCol="0">
+              <a:spAutoFit/>
+            </a:bodyPr>
+            <a:lstStyle/>
+            <a:p>
+              <a:pPr algn="ctr"/>
+              <a:r>
+                <a:rPr kumimoji="1" lang="en-US" altLang="ja-JP" sz="1100" dirty="0">
+                  <a:latin typeface="BIZ UDPゴシック" panose="020B0400000000000000" pitchFamily="50" charset="-128"/>
+                  <a:ea typeface="BIZ UDPゴシック" panose="020B0400000000000000" pitchFamily="50" charset="-128"/>
+                </a:rPr>
+                <a:t>6</a:t>
+              </a:r>
+              <a:endParaRPr kumimoji="1" lang="ja-JP" altLang="en-US" sz="1100" dirty="0">
+                <a:latin typeface="BIZ UDPゴシック" panose="020B0400000000000000" pitchFamily="50" charset="-128"/>
+                <a:ea typeface="BIZ UDPゴシック" panose="020B0400000000000000" pitchFamily="50" charset="-128"/>
+              </a:endParaRPr>
+            </a:p>
+          </p:txBody>
+        </p:sp>
+        <p:sp>
+          <p:nvSpPr>
+            <p:cNvPr id="44" name="テキスト ボックス 43">
+              <a:extLst>
+                <a:ext uri="{FF2B5EF4-FFF2-40B4-BE49-F238E27FC236}">
+                  <a16:creationId xmlns:a16="http://schemas.microsoft.com/office/drawing/2014/main" id="{26F883DD-DEDF-5FFC-181C-3C0A6CFB3BFD}"/>
+                </a:ext>
+              </a:extLst>
+            </p:cNvPr>
+            <p:cNvSpPr txBox="1"/>
+            <p:nvPr/>
+          </p:nvSpPr>
+          <p:spPr>
+            <a:xfrm>
+              <a:off x="5372099" y="3602310"/>
+              <a:ext cx="1447800" cy="261610"/>
+            </a:xfrm>
+            <a:prstGeom prst="rect">
+              <a:avLst/>
+            </a:prstGeom>
+            <a:noFill/>
+          </p:spPr>
+          <p:txBody>
+            <a:bodyPr wrap="square" rtlCol="0">
+              <a:spAutoFit/>
+            </a:bodyPr>
+            <a:lstStyle/>
+            <a:p>
+              <a:pPr algn="ctr"/>
+              <a:r>
+                <a:rPr kumimoji="1" lang="en-US" altLang="ja-JP" sz="1100" dirty="0">
+                  <a:latin typeface="BIZ UDPゴシック" panose="020B0400000000000000" pitchFamily="50" charset="-128"/>
+                  <a:ea typeface="BIZ UDPゴシック" panose="020B0400000000000000" pitchFamily="50" charset="-128"/>
+                </a:rPr>
+                <a:t>4</a:t>
+              </a:r>
+              <a:endParaRPr kumimoji="1" lang="ja-JP" altLang="en-US" sz="1100" dirty="0">
+                <a:latin typeface="BIZ UDPゴシック" panose="020B0400000000000000" pitchFamily="50" charset="-128"/>
+                <a:ea typeface="BIZ UDPゴシック" panose="020B0400000000000000" pitchFamily="50" charset="-128"/>
+              </a:endParaRPr>
+            </a:p>
+          </p:txBody>
+        </p:sp>
+        <p:sp>
+          <p:nvSpPr>
+            <p:cNvPr id="45" name="テキスト ボックス 44">
+              <a:extLst>
+                <a:ext uri="{FF2B5EF4-FFF2-40B4-BE49-F238E27FC236}">
+                  <a16:creationId xmlns:a16="http://schemas.microsoft.com/office/drawing/2014/main" id="{0171F33D-1C6D-4F8D-3848-19B7BA12420E}"/>
+                </a:ext>
+              </a:extLst>
+            </p:cNvPr>
+            <p:cNvSpPr txBox="1"/>
+            <p:nvPr/>
+          </p:nvSpPr>
+          <p:spPr>
+            <a:xfrm>
+              <a:off x="5333999" y="4897003"/>
+              <a:ext cx="1447800" cy="261610"/>
+            </a:xfrm>
+            <a:prstGeom prst="rect">
+              <a:avLst/>
+            </a:prstGeom>
+            <a:noFill/>
+          </p:spPr>
+          <p:txBody>
+            <a:bodyPr wrap="square" rtlCol="0">
+              <a:spAutoFit/>
+            </a:bodyPr>
+            <a:lstStyle/>
+            <a:p>
+              <a:pPr algn="ctr"/>
+              <a:r>
+                <a:rPr kumimoji="1" lang="en-US" altLang="ja-JP" sz="1100" dirty="0">
+                  <a:latin typeface="BIZ UDPゴシック" panose="020B0400000000000000" pitchFamily="50" charset="-128"/>
+                  <a:ea typeface="BIZ UDPゴシック" panose="020B0400000000000000" pitchFamily="50" charset="-128"/>
+                </a:rPr>
+                <a:t>3</a:t>
+              </a:r>
+              <a:endParaRPr kumimoji="1" lang="ja-JP" altLang="en-US" sz="1100" dirty="0">
+                <a:latin typeface="BIZ UDPゴシック" panose="020B0400000000000000" pitchFamily="50" charset="-128"/>
+                <a:ea typeface="BIZ UDPゴシック" panose="020B0400000000000000" pitchFamily="50" charset="-128"/>
+              </a:endParaRPr>
+            </a:p>
+          </p:txBody>
+        </p:sp>
+        <p:sp>
+          <p:nvSpPr>
+            <p:cNvPr id="46" name="テキスト ボックス 45">
+              <a:extLst>
+                <a:ext uri="{FF2B5EF4-FFF2-40B4-BE49-F238E27FC236}">
+                  <a16:creationId xmlns:a16="http://schemas.microsoft.com/office/drawing/2014/main" id="{6821531D-35ED-6FA8-6026-37ACCFF37E1B}"/>
+                </a:ext>
+              </a:extLst>
+            </p:cNvPr>
+            <p:cNvSpPr txBox="1"/>
+            <p:nvPr/>
+          </p:nvSpPr>
+          <p:spPr>
+            <a:xfrm>
+              <a:off x="8153399" y="2301569"/>
+              <a:ext cx="1447800" cy="261610"/>
+            </a:xfrm>
+            <a:prstGeom prst="rect">
+              <a:avLst/>
+            </a:prstGeom>
+            <a:noFill/>
+          </p:spPr>
+          <p:txBody>
+            <a:bodyPr wrap="square" rtlCol="0">
+              <a:spAutoFit/>
+            </a:bodyPr>
+            <a:lstStyle/>
+            <a:p>
+              <a:pPr algn="ctr"/>
+              <a:r>
+                <a:rPr kumimoji="1" lang="en-US" altLang="ja-JP" sz="1100" dirty="0">
+                  <a:latin typeface="BIZ UDPゴシック" panose="020B0400000000000000" pitchFamily="50" charset="-128"/>
+                  <a:ea typeface="BIZ UDPゴシック" panose="020B0400000000000000" pitchFamily="50" charset="-128"/>
+                </a:rPr>
+                <a:t>2</a:t>
+              </a:r>
+              <a:endParaRPr kumimoji="1" lang="ja-JP" altLang="en-US" sz="1100" dirty="0">
+                <a:latin typeface="BIZ UDPゴシック" panose="020B0400000000000000" pitchFamily="50" charset="-128"/>
+                <a:ea typeface="BIZ UDPゴシック" panose="020B0400000000000000" pitchFamily="50" charset="-128"/>
+              </a:endParaRPr>
+            </a:p>
+          </p:txBody>
+        </p:sp>
+        <p:sp>
+          <p:nvSpPr>
+            <p:cNvPr id="47" name="テキスト ボックス 46">
+              <a:extLst>
+                <a:ext uri="{FF2B5EF4-FFF2-40B4-BE49-F238E27FC236}">
+                  <a16:creationId xmlns:a16="http://schemas.microsoft.com/office/drawing/2014/main" id="{D3AC208D-5F7A-27BE-ACFA-73456E1494E3}"/>
+                </a:ext>
+              </a:extLst>
+            </p:cNvPr>
+            <p:cNvSpPr txBox="1"/>
+            <p:nvPr/>
+          </p:nvSpPr>
+          <p:spPr>
+            <a:xfrm>
+              <a:off x="8063642" y="3596111"/>
+              <a:ext cx="1447800" cy="261610"/>
+            </a:xfrm>
+            <a:prstGeom prst="rect">
+              <a:avLst/>
+            </a:prstGeom>
+            <a:noFill/>
+          </p:spPr>
+          <p:txBody>
+            <a:bodyPr wrap="square" rtlCol="0">
+              <a:spAutoFit/>
+            </a:bodyPr>
+            <a:lstStyle/>
+            <a:p>
+              <a:pPr algn="ctr"/>
+              <a:r>
+                <a:rPr kumimoji="1" lang="en-US" altLang="ja-JP" sz="1100" dirty="0">
+                  <a:latin typeface="BIZ UDPゴシック" panose="020B0400000000000000" pitchFamily="50" charset="-128"/>
+                  <a:ea typeface="BIZ UDPゴシック" panose="020B0400000000000000" pitchFamily="50" charset="-128"/>
+                </a:rPr>
+                <a:t>1</a:t>
+              </a:r>
+              <a:endParaRPr kumimoji="1" lang="ja-JP" altLang="en-US" sz="1100" dirty="0">
+                <a:latin typeface="BIZ UDPゴシック" panose="020B0400000000000000" pitchFamily="50" charset="-128"/>
+                <a:ea typeface="BIZ UDPゴシック" panose="020B0400000000000000" pitchFamily="50" charset="-128"/>
+              </a:endParaRPr>
+            </a:p>
+          </p:txBody>
+        </p:sp>
+        <p:sp>
+          <p:nvSpPr>
+            <p:cNvPr id="48" name="テキスト ボックス 47">
+              <a:extLst>
+                <a:ext uri="{FF2B5EF4-FFF2-40B4-BE49-F238E27FC236}">
+                  <a16:creationId xmlns:a16="http://schemas.microsoft.com/office/drawing/2014/main" id="{0F54C0FC-CD53-FD3B-A298-FE79AA80BC73}"/>
+                </a:ext>
+              </a:extLst>
+            </p:cNvPr>
+            <p:cNvSpPr txBox="1"/>
+            <p:nvPr/>
+          </p:nvSpPr>
+          <p:spPr>
+            <a:xfrm>
+              <a:off x="8448734" y="4903066"/>
+              <a:ext cx="1447800" cy="261610"/>
+            </a:xfrm>
+            <a:prstGeom prst="rect">
+              <a:avLst/>
+            </a:prstGeom>
+            <a:noFill/>
+          </p:spPr>
+          <p:txBody>
+            <a:bodyPr wrap="square" rtlCol="0">
+              <a:spAutoFit/>
+            </a:bodyPr>
+            <a:lstStyle/>
+            <a:p>
+              <a:pPr algn="ctr"/>
+              <a:r>
+                <a:rPr kumimoji="1" lang="en-US" altLang="ja-JP" sz="1100" dirty="0">
+                  <a:latin typeface="BIZ UDPゴシック" panose="020B0400000000000000" pitchFamily="50" charset="-128"/>
+                  <a:ea typeface="BIZ UDPゴシック" panose="020B0400000000000000" pitchFamily="50" charset="-128"/>
+                </a:rPr>
+                <a:t>6</a:t>
+              </a:r>
+              <a:endParaRPr kumimoji="1" lang="ja-JP" altLang="en-US" sz="1100" dirty="0">
+                <a:latin typeface="BIZ UDPゴシック" panose="020B0400000000000000" pitchFamily="50" charset="-128"/>
+                <a:ea typeface="BIZ UDPゴシック" panose="020B0400000000000000" pitchFamily="50" charset="-128"/>
+              </a:endParaRPr>
+            </a:p>
+          </p:txBody>
+        </p:sp>
+        <p:sp>
+          <p:nvSpPr>
+            <p:cNvPr id="50" name="テキスト ボックス 49">
+              <a:extLst>
+                <a:ext uri="{FF2B5EF4-FFF2-40B4-BE49-F238E27FC236}">
+                  <a16:creationId xmlns:a16="http://schemas.microsoft.com/office/drawing/2014/main" id="{FC4575F1-DCA8-A4B7-1120-157BFA6540B4}"/>
+                </a:ext>
+              </a:extLst>
+            </p:cNvPr>
+            <p:cNvSpPr txBox="1"/>
+            <p:nvPr/>
+          </p:nvSpPr>
+          <p:spPr>
+            <a:xfrm>
+              <a:off x="11296649" y="1950444"/>
+              <a:ext cx="746123" cy="261610"/>
+            </a:xfrm>
+            <a:prstGeom prst="rect">
+              <a:avLst/>
+            </a:prstGeom>
+            <a:noFill/>
+          </p:spPr>
+          <p:txBody>
+            <a:bodyPr wrap="square" rtlCol="0">
+              <a:spAutoFit/>
+            </a:bodyPr>
+            <a:lstStyle/>
+            <a:p>
+              <a:pPr algn="ctr"/>
+              <a:r>
+                <a:rPr kumimoji="1" lang="ja-JP" altLang="en-US" sz="1100" dirty="0">
+                  <a:latin typeface="BIZ UDPゴシック" panose="020B0400000000000000" pitchFamily="50" charset="-128"/>
+                  <a:ea typeface="BIZ UDPゴシック" panose="020B0400000000000000" pitchFamily="50" charset="-128"/>
+                </a:rPr>
+                <a:t>時間</a:t>
+              </a:r>
+              <a:r>
+                <a:rPr kumimoji="1" lang="en-US" altLang="ja-JP" sz="1100" dirty="0">
+                  <a:latin typeface="BIZ UDPゴシック" panose="020B0400000000000000" pitchFamily="50" charset="-128"/>
+                  <a:ea typeface="BIZ UDPゴシック" panose="020B0400000000000000" pitchFamily="50" charset="-128"/>
+                </a:rPr>
+                <a:t>(t)</a:t>
+              </a:r>
+              <a:endParaRPr kumimoji="1" lang="ja-JP" altLang="en-US" sz="1100" dirty="0">
+                <a:latin typeface="BIZ UDPゴシック" panose="020B0400000000000000" pitchFamily="50" charset="-128"/>
+                <a:ea typeface="BIZ UDPゴシック" panose="020B0400000000000000" pitchFamily="50" charset="-128"/>
+              </a:endParaRPr>
+            </a:p>
+          </p:txBody>
+        </p:sp>
+        <p:sp>
+          <p:nvSpPr>
+            <p:cNvPr id="51" name="テキスト ボックス 50">
+              <a:extLst>
+                <a:ext uri="{FF2B5EF4-FFF2-40B4-BE49-F238E27FC236}">
+                  <a16:creationId xmlns:a16="http://schemas.microsoft.com/office/drawing/2014/main" id="{6D12C2BC-F705-DA69-34F4-B2EFD4144667}"/>
+                </a:ext>
+              </a:extLst>
+            </p:cNvPr>
+            <p:cNvSpPr txBox="1"/>
+            <p:nvPr/>
+          </p:nvSpPr>
+          <p:spPr>
+            <a:xfrm>
+              <a:off x="11296649" y="3244202"/>
+              <a:ext cx="746123" cy="261610"/>
+            </a:xfrm>
+            <a:prstGeom prst="rect">
+              <a:avLst/>
+            </a:prstGeom>
+            <a:noFill/>
+          </p:spPr>
+          <p:txBody>
+            <a:bodyPr wrap="square" rtlCol="0">
+              <a:spAutoFit/>
+            </a:bodyPr>
+            <a:lstStyle/>
+            <a:p>
+              <a:pPr algn="ctr"/>
+              <a:r>
+                <a:rPr kumimoji="1" lang="ja-JP" altLang="en-US" sz="1100" dirty="0">
+                  <a:latin typeface="BIZ UDPゴシック" panose="020B0400000000000000" pitchFamily="50" charset="-128"/>
+                  <a:ea typeface="BIZ UDPゴシック" panose="020B0400000000000000" pitchFamily="50" charset="-128"/>
+                </a:rPr>
+                <a:t>時間</a:t>
+              </a:r>
+              <a:r>
+                <a:rPr kumimoji="1" lang="en-US" altLang="ja-JP" sz="1100" dirty="0">
+                  <a:latin typeface="BIZ UDPゴシック" panose="020B0400000000000000" pitchFamily="50" charset="-128"/>
+                  <a:ea typeface="BIZ UDPゴシック" panose="020B0400000000000000" pitchFamily="50" charset="-128"/>
+                </a:rPr>
+                <a:t>(t)</a:t>
+              </a:r>
+              <a:endParaRPr kumimoji="1" lang="ja-JP" altLang="en-US" sz="1100" dirty="0">
+                <a:latin typeface="BIZ UDPゴシック" panose="020B0400000000000000" pitchFamily="50" charset="-128"/>
+                <a:ea typeface="BIZ UDPゴシック" panose="020B0400000000000000" pitchFamily="50" charset="-128"/>
+              </a:endParaRPr>
+            </a:p>
+          </p:txBody>
+        </p:sp>
+        <p:sp>
+          <p:nvSpPr>
+            <p:cNvPr id="52" name="テキスト ボックス 51">
+              <a:extLst>
+                <a:ext uri="{FF2B5EF4-FFF2-40B4-BE49-F238E27FC236}">
+                  <a16:creationId xmlns:a16="http://schemas.microsoft.com/office/drawing/2014/main" id="{2E335442-CCCD-B620-62DA-C32BDBF74F9C}"/>
+                </a:ext>
+              </a:extLst>
+            </p:cNvPr>
+            <p:cNvSpPr txBox="1"/>
+            <p:nvPr/>
+          </p:nvSpPr>
+          <p:spPr>
+            <a:xfrm>
+              <a:off x="11296648" y="4540416"/>
+              <a:ext cx="746123" cy="261610"/>
+            </a:xfrm>
+            <a:prstGeom prst="rect">
+              <a:avLst/>
+            </a:prstGeom>
+            <a:noFill/>
+          </p:spPr>
+          <p:txBody>
+            <a:bodyPr wrap="square" rtlCol="0">
+              <a:spAutoFit/>
+            </a:bodyPr>
+            <a:lstStyle/>
+            <a:p>
+              <a:pPr algn="ctr"/>
+              <a:r>
+                <a:rPr kumimoji="1" lang="ja-JP" altLang="en-US" sz="1100" dirty="0">
+                  <a:latin typeface="BIZ UDPゴシック" panose="020B0400000000000000" pitchFamily="50" charset="-128"/>
+                  <a:ea typeface="BIZ UDPゴシック" panose="020B0400000000000000" pitchFamily="50" charset="-128"/>
+                </a:rPr>
+                <a:t>時間</a:t>
+              </a:r>
+              <a:r>
+                <a:rPr kumimoji="1" lang="en-US" altLang="ja-JP" sz="1100" dirty="0">
+                  <a:latin typeface="BIZ UDPゴシック" panose="020B0400000000000000" pitchFamily="50" charset="-128"/>
+                  <a:ea typeface="BIZ UDPゴシック" panose="020B0400000000000000" pitchFamily="50" charset="-128"/>
+                </a:rPr>
+                <a:t>(t)</a:t>
+              </a:r>
+              <a:endParaRPr kumimoji="1" lang="ja-JP" altLang="en-US" sz="1100" dirty="0">
+                <a:latin typeface="BIZ UDPゴシック" panose="020B0400000000000000" pitchFamily="50" charset="-128"/>
+                <a:ea typeface="BIZ UDPゴシック" panose="020B0400000000000000" pitchFamily="50" charset="-128"/>
+              </a:endParaRPr>
+            </a:p>
+          </p:txBody>
+        </p:sp>
+        <p:sp>
+          <p:nvSpPr>
+            <p:cNvPr id="53" name="テキスト ボックス 52">
+              <a:extLst>
+                <a:ext uri="{FF2B5EF4-FFF2-40B4-BE49-F238E27FC236}">
+                  <a16:creationId xmlns:a16="http://schemas.microsoft.com/office/drawing/2014/main" id="{355AFE18-CD81-7528-230F-ABAD93645F9C}"/>
+                </a:ext>
+              </a:extLst>
+            </p:cNvPr>
+            <p:cNvSpPr txBox="1"/>
+            <p:nvPr/>
+          </p:nvSpPr>
+          <p:spPr>
+            <a:xfrm>
+              <a:off x="11296647" y="5827845"/>
+              <a:ext cx="746123" cy="261610"/>
+            </a:xfrm>
+            <a:prstGeom prst="rect">
+              <a:avLst/>
+            </a:prstGeom>
+            <a:noFill/>
+          </p:spPr>
+          <p:txBody>
+            <a:bodyPr wrap="square" rtlCol="0">
+              <a:spAutoFit/>
+            </a:bodyPr>
+            <a:lstStyle/>
+            <a:p>
+              <a:pPr algn="ctr"/>
+              <a:r>
+                <a:rPr kumimoji="1" lang="ja-JP" altLang="en-US" sz="1100" dirty="0">
+                  <a:latin typeface="BIZ UDPゴシック" panose="020B0400000000000000" pitchFamily="50" charset="-128"/>
+                  <a:ea typeface="BIZ UDPゴシック" panose="020B0400000000000000" pitchFamily="50" charset="-128"/>
+                </a:rPr>
+                <a:t>時間</a:t>
+              </a:r>
+              <a:r>
+                <a:rPr kumimoji="1" lang="en-US" altLang="ja-JP" sz="1100" dirty="0">
+                  <a:latin typeface="BIZ UDPゴシック" panose="020B0400000000000000" pitchFamily="50" charset="-128"/>
+                  <a:ea typeface="BIZ UDPゴシック" panose="020B0400000000000000" pitchFamily="50" charset="-128"/>
+                </a:rPr>
+                <a:t>(t)</a:t>
+              </a:r>
+              <a:endParaRPr kumimoji="1" lang="ja-JP" altLang="en-US" sz="1100" dirty="0">
+                <a:latin typeface="BIZ UDPゴシック" panose="020B0400000000000000" pitchFamily="50" charset="-128"/>
+                <a:ea typeface="BIZ UDPゴシック" panose="020B0400000000000000" pitchFamily="50" charset="-128"/>
+              </a:endParaRPr>
+            </a:p>
+          </p:txBody>
+        </p:sp>
+        <p:sp>
+          <p:nvSpPr>
+            <p:cNvPr id="56" name="テキスト ボックス 55">
+              <a:extLst>
+                <a:ext uri="{FF2B5EF4-FFF2-40B4-BE49-F238E27FC236}">
+                  <a16:creationId xmlns:a16="http://schemas.microsoft.com/office/drawing/2014/main" id="{A43FDA4D-19A5-6887-EE90-048F3C5984D7}"/>
+                </a:ext>
+              </a:extLst>
+            </p:cNvPr>
+            <p:cNvSpPr txBox="1"/>
+            <p:nvPr/>
+          </p:nvSpPr>
+          <p:spPr>
+            <a:xfrm>
+              <a:off x="3377572" y="1487581"/>
+              <a:ext cx="869826" cy="430887"/>
+            </a:xfrm>
+            <a:prstGeom prst="rect">
+              <a:avLst/>
+            </a:prstGeom>
+            <a:noFill/>
+          </p:spPr>
+          <p:txBody>
+            <a:bodyPr wrap="square" rtlCol="0">
+              <a:spAutoFit/>
+            </a:bodyPr>
+            <a:lstStyle/>
+            <a:p>
+              <a:pPr algn="ctr"/>
+              <a:r>
+                <a:rPr kumimoji="1" lang="en-US" altLang="ja-JP" sz="1100" dirty="0">
+                  <a:latin typeface="BIZ UDPゴシック" panose="020B0400000000000000" pitchFamily="50" charset="-128"/>
+                  <a:ea typeface="BIZ UDPゴシック" panose="020B0400000000000000" pitchFamily="50" charset="-128"/>
+                </a:rPr>
+                <a:t>Sent</a:t>
+              </a:r>
+            </a:p>
+            <a:p>
+              <a:pPr algn="ctr"/>
+              <a:r>
+                <a:rPr kumimoji="1" lang="en-US" altLang="ja-JP" sz="1100" dirty="0">
+                  <a:latin typeface="BIZ UDPゴシック" panose="020B0400000000000000" pitchFamily="50" charset="-128"/>
+                  <a:ea typeface="BIZ UDPゴシック" panose="020B0400000000000000" pitchFamily="50" charset="-128"/>
+                </a:rPr>
+                <a:t>Data</a:t>
+              </a:r>
+              <a:endParaRPr kumimoji="1" lang="ja-JP" altLang="en-US" sz="1100" dirty="0">
+                <a:latin typeface="BIZ UDPゴシック" panose="020B0400000000000000" pitchFamily="50" charset="-128"/>
+                <a:ea typeface="BIZ UDPゴシック" panose="020B0400000000000000" pitchFamily="50" charset="-128"/>
+              </a:endParaRPr>
+            </a:p>
+          </p:txBody>
+        </p:sp>
+        <p:sp>
+          <p:nvSpPr>
+            <p:cNvPr id="57" name="テキスト ボックス 56">
+              <a:extLst>
+                <a:ext uri="{FF2B5EF4-FFF2-40B4-BE49-F238E27FC236}">
+                  <a16:creationId xmlns:a16="http://schemas.microsoft.com/office/drawing/2014/main" id="{60D37AE5-9FD4-94F3-64C5-DE0C62191F26}"/>
+                </a:ext>
+              </a:extLst>
+            </p:cNvPr>
+            <p:cNvSpPr txBox="1"/>
+            <p:nvPr/>
+          </p:nvSpPr>
+          <p:spPr>
+            <a:xfrm>
+              <a:off x="4534186" y="2842304"/>
+              <a:ext cx="571500" cy="246221"/>
+            </a:xfrm>
+            <a:prstGeom prst="rect">
+              <a:avLst/>
+            </a:prstGeom>
+            <a:noFill/>
+          </p:spPr>
+          <p:txBody>
+            <a:bodyPr wrap="square" rtlCol="0">
+              <a:spAutoFit/>
+            </a:bodyPr>
+            <a:lstStyle/>
+            <a:p>
+              <a:pPr algn="ctr"/>
+              <a:r>
+                <a:rPr kumimoji="1" lang="en-US" altLang="ja-JP" sz="1000" dirty="0">
+                  <a:latin typeface="BIZ UDPゴシック" panose="020B0400000000000000" pitchFamily="50" charset="-128"/>
+                  <a:ea typeface="BIZ UDPゴシック" panose="020B0400000000000000" pitchFamily="50" charset="-128"/>
+                </a:rPr>
+                <a:t>ACK</a:t>
+              </a:r>
+              <a:endParaRPr kumimoji="1" lang="ja-JP" altLang="en-US" sz="1000" dirty="0">
+                <a:latin typeface="BIZ UDPゴシック" panose="020B0400000000000000" pitchFamily="50" charset="-128"/>
+                <a:ea typeface="BIZ UDPゴシック" panose="020B0400000000000000" pitchFamily="50" charset="-128"/>
+              </a:endParaRPr>
+            </a:p>
+          </p:txBody>
+        </p:sp>
+        <p:sp>
+          <p:nvSpPr>
+            <p:cNvPr id="58" name="テキスト ボックス 57">
+              <a:extLst>
+                <a:ext uri="{FF2B5EF4-FFF2-40B4-BE49-F238E27FC236}">
+                  <a16:creationId xmlns:a16="http://schemas.microsoft.com/office/drawing/2014/main" id="{58F84A58-D737-63ED-6EF9-B8FDB77F4112}"/>
+                </a:ext>
+              </a:extLst>
+            </p:cNvPr>
+            <p:cNvSpPr txBox="1"/>
+            <p:nvPr/>
+          </p:nvSpPr>
+          <p:spPr>
+            <a:xfrm>
+              <a:off x="6291070" y="1469718"/>
+              <a:ext cx="849374" cy="430887"/>
+            </a:xfrm>
+            <a:prstGeom prst="rect">
+              <a:avLst/>
+            </a:prstGeom>
+            <a:noFill/>
+          </p:spPr>
+          <p:txBody>
+            <a:bodyPr wrap="square" rtlCol="0">
+              <a:spAutoFit/>
+            </a:bodyPr>
+            <a:lstStyle/>
+            <a:p>
+              <a:pPr algn="ctr"/>
+              <a:r>
+                <a:rPr kumimoji="1" lang="en-US" altLang="ja-JP" sz="1100" dirty="0">
+                  <a:latin typeface="BIZ UDPゴシック" panose="020B0400000000000000" pitchFamily="50" charset="-128"/>
+                  <a:ea typeface="BIZ UDPゴシック" panose="020B0400000000000000" pitchFamily="50" charset="-128"/>
+                </a:rPr>
+                <a:t>Sent</a:t>
+              </a:r>
+            </a:p>
+            <a:p>
+              <a:pPr algn="ctr"/>
+              <a:r>
+                <a:rPr kumimoji="1" lang="en-US" altLang="ja-JP" sz="1100" dirty="0">
+                  <a:latin typeface="BIZ UDPゴシック" panose="020B0400000000000000" pitchFamily="50" charset="-128"/>
+                  <a:ea typeface="BIZ UDPゴシック" panose="020B0400000000000000" pitchFamily="50" charset="-128"/>
+                </a:rPr>
+                <a:t>Data</a:t>
+              </a:r>
+              <a:endParaRPr kumimoji="1" lang="ja-JP" altLang="en-US" sz="1100" dirty="0">
+                <a:latin typeface="BIZ UDPゴシック" panose="020B0400000000000000" pitchFamily="50" charset="-128"/>
+                <a:ea typeface="BIZ UDPゴシック" panose="020B0400000000000000" pitchFamily="50" charset="-128"/>
+              </a:endParaRPr>
+            </a:p>
+          </p:txBody>
+        </p:sp>
+        <p:sp>
+          <p:nvSpPr>
+            <p:cNvPr id="59" name="テキスト ボックス 58">
+              <a:extLst>
+                <a:ext uri="{FF2B5EF4-FFF2-40B4-BE49-F238E27FC236}">
+                  <a16:creationId xmlns:a16="http://schemas.microsoft.com/office/drawing/2014/main" id="{054E8220-0179-79D7-0BE2-791F094DBC83}"/>
+                </a:ext>
+              </a:extLst>
+            </p:cNvPr>
+            <p:cNvSpPr txBox="1"/>
+            <p:nvPr/>
+          </p:nvSpPr>
+          <p:spPr>
+            <a:xfrm>
+              <a:off x="7452390" y="5458094"/>
+              <a:ext cx="571500" cy="246221"/>
+            </a:xfrm>
+            <a:prstGeom prst="rect">
+              <a:avLst/>
+            </a:prstGeom>
+            <a:noFill/>
+          </p:spPr>
+          <p:txBody>
+            <a:bodyPr wrap="square" rtlCol="0">
+              <a:spAutoFit/>
+            </a:bodyPr>
+            <a:lstStyle/>
+            <a:p>
+              <a:pPr algn="ctr"/>
+              <a:r>
+                <a:rPr kumimoji="1" lang="en-US" altLang="ja-JP" sz="1000" dirty="0">
+                  <a:latin typeface="BIZ UDPゴシック" panose="020B0400000000000000" pitchFamily="50" charset="-128"/>
+                  <a:ea typeface="BIZ UDPゴシック" panose="020B0400000000000000" pitchFamily="50" charset="-128"/>
+                </a:rPr>
+                <a:t>ACK</a:t>
+              </a:r>
+              <a:endParaRPr kumimoji="1" lang="ja-JP" altLang="en-US" sz="1000" dirty="0">
+                <a:latin typeface="BIZ UDPゴシック" panose="020B0400000000000000" pitchFamily="50" charset="-128"/>
+                <a:ea typeface="BIZ UDPゴシック" panose="020B0400000000000000" pitchFamily="50" charset="-128"/>
+              </a:endParaRPr>
+            </a:p>
+          </p:txBody>
+        </p:sp>
+        <p:sp>
+          <p:nvSpPr>
+            <p:cNvPr id="60" name="テキスト ボックス 59">
+              <a:extLst>
+                <a:ext uri="{FF2B5EF4-FFF2-40B4-BE49-F238E27FC236}">
+                  <a16:creationId xmlns:a16="http://schemas.microsoft.com/office/drawing/2014/main" id="{67319F4D-F062-A5E2-DA36-F652C26A5E52}"/>
+                </a:ext>
+              </a:extLst>
+            </p:cNvPr>
+            <p:cNvSpPr txBox="1"/>
+            <p:nvPr/>
+          </p:nvSpPr>
+          <p:spPr>
+            <a:xfrm>
+              <a:off x="8877299" y="4141105"/>
+              <a:ext cx="849374" cy="261610"/>
+            </a:xfrm>
+            <a:prstGeom prst="rect">
+              <a:avLst/>
+            </a:prstGeom>
+            <a:noFill/>
+          </p:spPr>
+          <p:txBody>
+            <a:bodyPr wrap="square" rtlCol="0">
+              <a:spAutoFit/>
+            </a:bodyPr>
+            <a:lstStyle/>
+            <a:p>
+              <a:pPr algn="ctr"/>
+              <a:r>
+                <a:rPr kumimoji="1" lang="en-US" altLang="ja-JP" sz="1100" dirty="0">
+                  <a:latin typeface="BIZ UDPゴシック" panose="020B0400000000000000" pitchFamily="50" charset="-128"/>
+                  <a:ea typeface="BIZ UDPゴシック" panose="020B0400000000000000" pitchFamily="50" charset="-128"/>
+                </a:rPr>
+                <a:t>Data</a:t>
+              </a:r>
+              <a:endParaRPr kumimoji="1" lang="ja-JP" altLang="en-US" sz="1100" dirty="0">
+                <a:latin typeface="BIZ UDPゴシック" panose="020B0400000000000000" pitchFamily="50" charset="-128"/>
+                <a:ea typeface="BIZ UDPゴシック" panose="020B0400000000000000" pitchFamily="50" charset="-128"/>
+              </a:endParaRPr>
+            </a:p>
+          </p:txBody>
+        </p:sp>
+        <p:sp>
+          <p:nvSpPr>
+            <p:cNvPr id="61" name="テキスト ボックス 60">
+              <a:extLst>
+                <a:ext uri="{FF2B5EF4-FFF2-40B4-BE49-F238E27FC236}">
+                  <a16:creationId xmlns:a16="http://schemas.microsoft.com/office/drawing/2014/main" id="{43C3A92C-16EB-0A45-9EE7-684C9B521B5E}"/>
+                </a:ext>
+              </a:extLst>
+            </p:cNvPr>
+            <p:cNvSpPr txBox="1"/>
+            <p:nvPr/>
+          </p:nvSpPr>
+          <p:spPr>
+            <a:xfrm>
+              <a:off x="8883737" y="1445726"/>
+              <a:ext cx="849374" cy="430887"/>
+            </a:xfrm>
+            <a:prstGeom prst="rect">
+              <a:avLst/>
+            </a:prstGeom>
+            <a:noFill/>
+          </p:spPr>
+          <p:txBody>
+            <a:bodyPr wrap="square" rtlCol="0">
+              <a:spAutoFit/>
+            </a:bodyPr>
+            <a:lstStyle/>
+            <a:p>
+              <a:pPr algn="ctr"/>
+              <a:r>
+                <a:rPr kumimoji="1" lang="en-US" altLang="ja-JP" sz="1100" dirty="0">
+                  <a:latin typeface="BIZ UDPゴシック" panose="020B0400000000000000" pitchFamily="50" charset="-128"/>
+                  <a:ea typeface="BIZ UDPゴシック" panose="020B0400000000000000" pitchFamily="50" charset="-128"/>
+                </a:rPr>
+                <a:t>Sent</a:t>
+              </a:r>
+            </a:p>
+            <a:p>
+              <a:pPr algn="ctr"/>
+              <a:r>
+                <a:rPr kumimoji="1" lang="en-US" altLang="ja-JP" sz="1100" dirty="0">
+                  <a:latin typeface="BIZ UDPゴシック" panose="020B0400000000000000" pitchFamily="50" charset="-128"/>
+                  <a:ea typeface="BIZ UDPゴシック" panose="020B0400000000000000" pitchFamily="50" charset="-128"/>
+                </a:rPr>
+                <a:t>Data</a:t>
+              </a:r>
+              <a:endParaRPr kumimoji="1" lang="ja-JP" altLang="en-US" sz="1100" dirty="0">
+                <a:latin typeface="BIZ UDPゴシック" panose="020B0400000000000000" pitchFamily="50" charset="-128"/>
+                <a:ea typeface="BIZ UDPゴシック" panose="020B0400000000000000" pitchFamily="50" charset="-128"/>
+              </a:endParaRPr>
+            </a:p>
+          </p:txBody>
+        </p:sp>
+        <p:sp>
+          <p:nvSpPr>
+            <p:cNvPr id="62" name="テキスト ボックス 61">
+              <a:extLst>
+                <a:ext uri="{FF2B5EF4-FFF2-40B4-BE49-F238E27FC236}">
+                  <a16:creationId xmlns:a16="http://schemas.microsoft.com/office/drawing/2014/main" id="{68C68892-67FA-365F-0A71-81C869AE4463}"/>
+                </a:ext>
+              </a:extLst>
+            </p:cNvPr>
+            <p:cNvSpPr txBox="1"/>
+            <p:nvPr/>
+          </p:nvSpPr>
+          <p:spPr>
+            <a:xfrm>
+              <a:off x="10039350" y="4153824"/>
+              <a:ext cx="571500" cy="246221"/>
+            </a:xfrm>
+            <a:prstGeom prst="rect">
+              <a:avLst/>
+            </a:prstGeom>
+            <a:noFill/>
+          </p:spPr>
+          <p:txBody>
+            <a:bodyPr wrap="square" rtlCol="0">
+              <a:spAutoFit/>
+            </a:bodyPr>
+            <a:lstStyle/>
+            <a:p>
+              <a:pPr algn="ctr"/>
+              <a:r>
+                <a:rPr kumimoji="1" lang="en-US" altLang="ja-JP" sz="1000" dirty="0">
+                  <a:latin typeface="BIZ UDPゴシック" panose="020B0400000000000000" pitchFamily="50" charset="-128"/>
+                  <a:ea typeface="BIZ UDPゴシック" panose="020B0400000000000000" pitchFamily="50" charset="-128"/>
+                </a:rPr>
+                <a:t>ACK</a:t>
+              </a:r>
+              <a:endParaRPr kumimoji="1" lang="ja-JP" altLang="en-US" sz="1000" dirty="0">
+                <a:latin typeface="BIZ UDPゴシック" panose="020B0400000000000000" pitchFamily="50" charset="-128"/>
+                <a:ea typeface="BIZ UDPゴシック" panose="020B0400000000000000" pitchFamily="50" charset="-128"/>
+              </a:endParaRPr>
+            </a:p>
+          </p:txBody>
+        </p:sp>
+      </p:grpSp>
     </p:spTree>
     <p:extLst>
       <p:ext uri="{BB962C8B-B14F-4D97-AF65-F5344CB8AC3E}">
         <p14:creationId xmlns:p14="http://schemas.microsoft.com/office/powerpoint/2010/main" val="3461349525"/>
+      </p:ext>
+    </p:extLst>
+  </p:cSld>
+  <p:clrMapOvr>
+    <a:masterClrMapping/>
+  </p:clrMapOvr>
+</p:sld>
+</file>
+
+<file path=ppt/slides/slide4.xml><?xml version="1.0" encoding="utf-8"?>
+<p:sld xmlns:a="http://schemas.openxmlformats.org/drawingml/2006/main" xmlns:r="http://schemas.openxmlformats.org/officeDocument/2006/relationships" xmlns:p="http://schemas.openxmlformats.org/presentationml/2006/main">
+  <p:cSld>
+    <p:spTree>
+      <p:nvGrpSpPr>
+        <p:cNvPr id="1" name="">
+          <a:extLst>
+            <a:ext uri="{FF2B5EF4-FFF2-40B4-BE49-F238E27FC236}">
+              <a16:creationId xmlns:a16="http://schemas.microsoft.com/office/drawing/2014/main" id="{B1166B08-4FE3-A706-B2C6-C9246CC5D015}"/>
+            </a:ext>
+          </a:extLst>
+        </p:cNvPr>
+        <p:cNvGrpSpPr/>
+        <p:nvPr/>
+      </p:nvGrpSpPr>
+      <p:grpSpPr>
+        <a:xfrm>
+          <a:off x="0" y="0"/>
+          <a:ext cx="0" cy="0"/>
+          <a:chOff x="0" y="0"/>
+          <a:chExt cx="0" cy="0"/>
+        </a:xfrm>
+      </p:grpSpPr>
+      <p:sp>
+        <p:nvSpPr>
+          <p:cNvPr id="2" name="テキスト ボックス 1">
+            <a:extLst>
+              <a:ext uri="{FF2B5EF4-FFF2-40B4-BE49-F238E27FC236}">
+                <a16:creationId xmlns:a16="http://schemas.microsoft.com/office/drawing/2014/main" id="{96D35F1C-915D-F779-693D-EED8B036E7FD}"/>
+              </a:ext>
+            </a:extLst>
+          </p:cNvPr>
+          <p:cNvSpPr txBox="1"/>
+          <p:nvPr/>
+        </p:nvSpPr>
+        <p:spPr>
+          <a:xfrm>
+            <a:off x="2717800" y="6601435"/>
+            <a:ext cx="1447800" cy="230832"/>
+          </a:xfrm>
+          <a:prstGeom prst="rect">
+            <a:avLst/>
+          </a:prstGeom>
+          <a:noFill/>
+        </p:spPr>
+        <p:txBody>
+          <a:bodyPr wrap="square" rtlCol="0">
+            <a:spAutoFit/>
+          </a:bodyPr>
+          <a:lstStyle/>
+          <a:p>
+            <a:pPr algn="ctr"/>
+            <a:r>
+              <a:rPr kumimoji="1" lang="ja-JP" altLang="en-US" sz="900" dirty="0">
+                <a:latin typeface="BIZ UDPゴシック" panose="020B0400000000000000" pitchFamily="50" charset="-128"/>
+                <a:ea typeface="BIZ UDPゴシック" panose="020B0400000000000000" pitchFamily="50" charset="-128"/>
+              </a:rPr>
+              <a:t>バックオフ</a:t>
+            </a:r>
+          </a:p>
+        </p:txBody>
+      </p:sp>
+      <p:sp>
+        <p:nvSpPr>
+          <p:cNvPr id="4" name="テキスト ボックス 3">
+            <a:extLst>
+              <a:ext uri="{FF2B5EF4-FFF2-40B4-BE49-F238E27FC236}">
+                <a16:creationId xmlns:a16="http://schemas.microsoft.com/office/drawing/2014/main" id="{CAC9DA21-55D1-A57E-3C18-C0F5F9613213}"/>
+              </a:ext>
+            </a:extLst>
+          </p:cNvPr>
+          <p:cNvSpPr txBox="1"/>
+          <p:nvPr/>
+        </p:nvSpPr>
+        <p:spPr>
+          <a:xfrm>
+            <a:off x="5209103" y="6453750"/>
+            <a:ext cx="849374" cy="430887"/>
+          </a:xfrm>
+          <a:prstGeom prst="rect">
+            <a:avLst/>
+          </a:prstGeom>
+          <a:noFill/>
+        </p:spPr>
+        <p:txBody>
+          <a:bodyPr wrap="square" rtlCol="0">
+            <a:spAutoFit/>
+          </a:bodyPr>
+          <a:lstStyle/>
+          <a:p>
+            <a:pPr algn="ctr"/>
+            <a:r>
+              <a:rPr kumimoji="1" lang="en-US" altLang="ja-JP" sz="1100" dirty="0">
+                <a:latin typeface="BIZ UDPゴシック" panose="020B0400000000000000" pitchFamily="50" charset="-128"/>
+                <a:ea typeface="BIZ UDPゴシック" panose="020B0400000000000000" pitchFamily="50" charset="-128"/>
+              </a:rPr>
+              <a:t>Sent</a:t>
+            </a:r>
+          </a:p>
+          <a:p>
+            <a:pPr algn="ctr"/>
+            <a:r>
+              <a:rPr kumimoji="1" lang="en-US" altLang="ja-JP" sz="1100" dirty="0">
+                <a:latin typeface="BIZ UDPゴシック" panose="020B0400000000000000" pitchFamily="50" charset="-128"/>
+                <a:ea typeface="BIZ UDPゴシック" panose="020B0400000000000000" pitchFamily="50" charset="-128"/>
+              </a:rPr>
+              <a:t>Data</a:t>
+            </a:r>
+            <a:endParaRPr kumimoji="1" lang="ja-JP" altLang="en-US" sz="1100" dirty="0">
+              <a:latin typeface="BIZ UDPゴシック" panose="020B0400000000000000" pitchFamily="50" charset="-128"/>
+              <a:ea typeface="BIZ UDPゴシック" panose="020B0400000000000000" pitchFamily="50" charset="-128"/>
+            </a:endParaRPr>
+          </a:p>
+        </p:txBody>
+      </p:sp>
+      <p:sp>
+        <p:nvSpPr>
+          <p:cNvPr id="5" name="テキスト ボックス 4">
+            <a:extLst>
+              <a:ext uri="{FF2B5EF4-FFF2-40B4-BE49-F238E27FC236}">
+                <a16:creationId xmlns:a16="http://schemas.microsoft.com/office/drawing/2014/main" id="{E8CC7566-0564-F95E-CD4D-15B42D20BD7B}"/>
+              </a:ext>
+            </a:extLst>
+          </p:cNvPr>
+          <p:cNvSpPr txBox="1"/>
+          <p:nvPr/>
+        </p:nvSpPr>
+        <p:spPr>
+          <a:xfrm>
+            <a:off x="6308707" y="6618015"/>
+            <a:ext cx="571500" cy="246221"/>
+          </a:xfrm>
+          <a:prstGeom prst="rect">
+            <a:avLst/>
+          </a:prstGeom>
+          <a:noFill/>
+        </p:spPr>
+        <p:txBody>
+          <a:bodyPr wrap="square" rtlCol="0">
+            <a:spAutoFit/>
+          </a:bodyPr>
+          <a:lstStyle/>
+          <a:p>
+            <a:pPr algn="ctr"/>
+            <a:r>
+              <a:rPr kumimoji="1" lang="en-US" altLang="ja-JP" sz="1000" dirty="0">
+                <a:latin typeface="BIZ UDPゴシック" panose="020B0400000000000000" pitchFamily="50" charset="-128"/>
+                <a:ea typeface="BIZ UDPゴシック" panose="020B0400000000000000" pitchFamily="50" charset="-128"/>
+              </a:rPr>
+              <a:t>ACK</a:t>
+            </a:r>
+            <a:endParaRPr kumimoji="1" lang="ja-JP" altLang="en-US" sz="1000" dirty="0">
+              <a:latin typeface="BIZ UDPゴシック" panose="020B0400000000000000" pitchFamily="50" charset="-128"/>
+              <a:ea typeface="BIZ UDPゴシック" panose="020B0400000000000000" pitchFamily="50" charset="-128"/>
+            </a:endParaRPr>
+          </a:p>
+        </p:txBody>
+      </p:sp>
+      <p:sp>
+        <p:nvSpPr>
+          <p:cNvPr id="24" name="テキスト ボックス 23">
+            <a:extLst>
+              <a:ext uri="{FF2B5EF4-FFF2-40B4-BE49-F238E27FC236}">
+                <a16:creationId xmlns:a16="http://schemas.microsoft.com/office/drawing/2014/main" id="{93CFF27B-AD4F-BCDD-CFFE-FFDAC13C6CCC}"/>
+              </a:ext>
+            </a:extLst>
+          </p:cNvPr>
+          <p:cNvSpPr txBox="1"/>
+          <p:nvPr/>
+        </p:nvSpPr>
+        <p:spPr>
+          <a:xfrm>
+            <a:off x="3441700" y="6423667"/>
+            <a:ext cx="1447800" cy="261610"/>
+          </a:xfrm>
+          <a:prstGeom prst="rect">
+            <a:avLst/>
+          </a:prstGeom>
+          <a:noFill/>
+        </p:spPr>
+        <p:txBody>
+          <a:bodyPr wrap="square" rtlCol="0">
+            <a:spAutoFit/>
+          </a:bodyPr>
+          <a:lstStyle/>
+          <a:p>
+            <a:pPr algn="ctr"/>
+            <a:r>
+              <a:rPr kumimoji="1" lang="en-US" altLang="ja-JP" sz="1100" dirty="0">
+                <a:latin typeface="BIZ UDPゴシック" panose="020B0400000000000000" pitchFamily="50" charset="-128"/>
+                <a:ea typeface="BIZ UDPゴシック" panose="020B0400000000000000" pitchFamily="50" charset="-128"/>
+              </a:rPr>
+              <a:t>SIFS</a:t>
+            </a:r>
+            <a:endParaRPr kumimoji="1" lang="ja-JP" altLang="en-US" sz="1100" dirty="0">
+              <a:latin typeface="BIZ UDPゴシック" panose="020B0400000000000000" pitchFamily="50" charset="-128"/>
+              <a:ea typeface="BIZ UDPゴシック" panose="020B0400000000000000" pitchFamily="50" charset="-128"/>
+            </a:endParaRPr>
+          </a:p>
+        </p:txBody>
+      </p:sp>
+      <p:grpSp>
+        <p:nvGrpSpPr>
+          <p:cNvPr id="80" name="グループ化 79">
+            <a:extLst>
+              <a:ext uri="{FF2B5EF4-FFF2-40B4-BE49-F238E27FC236}">
+                <a16:creationId xmlns:a16="http://schemas.microsoft.com/office/drawing/2014/main" id="{43116A7F-BF3E-0928-A6D8-D0444F492649}"/>
+              </a:ext>
+            </a:extLst>
+          </p:cNvPr>
+          <p:cNvGrpSpPr/>
+          <p:nvPr/>
+        </p:nvGrpSpPr>
+        <p:grpSpPr>
+          <a:xfrm>
+            <a:off x="-50800" y="1025071"/>
+            <a:ext cx="12093572" cy="5179800"/>
+            <a:chOff x="-50800" y="1025071"/>
+            <a:chExt cx="12093572" cy="5179800"/>
+          </a:xfrm>
+        </p:grpSpPr>
+        <p:sp>
+          <p:nvSpPr>
+            <p:cNvPr id="10" name="テキスト ボックス 9">
+              <a:extLst>
+                <a:ext uri="{FF2B5EF4-FFF2-40B4-BE49-F238E27FC236}">
+                  <a16:creationId xmlns:a16="http://schemas.microsoft.com/office/drawing/2014/main" id="{5F3A2260-F7D7-0CAC-3647-561757282898}"/>
+                </a:ext>
+              </a:extLst>
+            </p:cNvPr>
+            <p:cNvSpPr txBox="1"/>
+            <p:nvPr/>
+          </p:nvSpPr>
+          <p:spPr>
+            <a:xfrm>
+              <a:off x="-50800" y="1892300"/>
+              <a:ext cx="1447800" cy="261610"/>
+            </a:xfrm>
+            <a:prstGeom prst="rect">
+              <a:avLst/>
+            </a:prstGeom>
+            <a:noFill/>
+          </p:spPr>
+          <p:txBody>
+            <a:bodyPr wrap="square" rtlCol="0">
+              <a:spAutoFit/>
+            </a:bodyPr>
+            <a:lstStyle/>
+            <a:p>
+              <a:pPr algn="ctr"/>
+              <a:r>
+                <a:rPr kumimoji="1" lang="ja-JP" altLang="en-US" sz="1100" dirty="0">
+                  <a:latin typeface="BIZ UDPゴシック" panose="020B0400000000000000" pitchFamily="50" charset="-128"/>
+                  <a:ea typeface="BIZ UDPゴシック" panose="020B0400000000000000" pitchFamily="50" charset="-128"/>
+                </a:rPr>
+                <a:t>無線基地局</a:t>
+              </a:r>
+            </a:p>
+          </p:txBody>
+        </p:sp>
+        <p:sp>
+          <p:nvSpPr>
+            <p:cNvPr id="11" name="テキスト ボックス 10">
+              <a:extLst>
+                <a:ext uri="{FF2B5EF4-FFF2-40B4-BE49-F238E27FC236}">
+                  <a16:creationId xmlns:a16="http://schemas.microsoft.com/office/drawing/2014/main" id="{E4EB9061-5DDD-733D-E6A4-020AE880FA86}"/>
+                </a:ext>
+              </a:extLst>
+            </p:cNvPr>
+            <p:cNvSpPr txBox="1"/>
+            <p:nvPr/>
+          </p:nvSpPr>
+          <p:spPr>
+            <a:xfrm>
+              <a:off x="-50800" y="3167390"/>
+              <a:ext cx="1447800" cy="261610"/>
+            </a:xfrm>
+            <a:prstGeom prst="rect">
+              <a:avLst/>
+            </a:prstGeom>
+            <a:noFill/>
+          </p:spPr>
+          <p:txBody>
+            <a:bodyPr wrap="square" rtlCol="0">
+              <a:spAutoFit/>
+            </a:bodyPr>
+            <a:lstStyle/>
+            <a:p>
+              <a:pPr algn="ctr"/>
+              <a:r>
+                <a:rPr kumimoji="1" lang="ja-JP" altLang="en-US" sz="1100" dirty="0">
+                  <a:latin typeface="BIZ UDPゴシック" panose="020B0400000000000000" pitchFamily="50" charset="-128"/>
+                  <a:ea typeface="BIZ UDPゴシック" panose="020B0400000000000000" pitchFamily="50" charset="-128"/>
+                </a:rPr>
+                <a:t>端末 </a:t>
+              </a:r>
+              <a:r>
+                <a:rPr kumimoji="1" lang="en-US" altLang="ja-JP" sz="1100" dirty="0">
+                  <a:latin typeface="BIZ UDPゴシック" panose="020B0400000000000000" pitchFamily="50" charset="-128"/>
+                  <a:ea typeface="BIZ UDPゴシック" panose="020B0400000000000000" pitchFamily="50" charset="-128"/>
+                </a:rPr>
+                <a:t>1</a:t>
+              </a:r>
+              <a:endParaRPr kumimoji="1" lang="ja-JP" altLang="en-US" sz="1100" dirty="0">
+                <a:latin typeface="BIZ UDPゴシック" panose="020B0400000000000000" pitchFamily="50" charset="-128"/>
+                <a:ea typeface="BIZ UDPゴシック" panose="020B0400000000000000" pitchFamily="50" charset="-128"/>
+              </a:endParaRPr>
+            </a:p>
+          </p:txBody>
+        </p:sp>
+        <p:sp>
+          <p:nvSpPr>
+            <p:cNvPr id="12" name="テキスト ボックス 11">
+              <a:extLst>
+                <a:ext uri="{FF2B5EF4-FFF2-40B4-BE49-F238E27FC236}">
+                  <a16:creationId xmlns:a16="http://schemas.microsoft.com/office/drawing/2014/main" id="{D5255E31-3BC1-CE35-016C-9844AA88F943}"/>
+                </a:ext>
+              </a:extLst>
+            </p:cNvPr>
+            <p:cNvSpPr txBox="1"/>
+            <p:nvPr/>
+          </p:nvSpPr>
+          <p:spPr>
+            <a:xfrm>
+              <a:off x="-50800" y="4452963"/>
+              <a:ext cx="1447800" cy="261610"/>
+            </a:xfrm>
+            <a:prstGeom prst="rect">
+              <a:avLst/>
+            </a:prstGeom>
+            <a:noFill/>
+          </p:spPr>
+          <p:txBody>
+            <a:bodyPr wrap="square" rtlCol="0">
+              <a:spAutoFit/>
+            </a:bodyPr>
+            <a:lstStyle/>
+            <a:p>
+              <a:pPr algn="ctr"/>
+              <a:r>
+                <a:rPr kumimoji="1" lang="ja-JP" altLang="en-US" sz="1100" dirty="0">
+                  <a:latin typeface="BIZ UDPゴシック" panose="020B0400000000000000" pitchFamily="50" charset="-128"/>
+                  <a:ea typeface="BIZ UDPゴシック" panose="020B0400000000000000" pitchFamily="50" charset="-128"/>
+                </a:rPr>
+                <a:t>端末 </a:t>
+              </a:r>
+              <a:r>
+                <a:rPr lang="en-US" altLang="ja-JP" sz="1100" dirty="0">
+                  <a:latin typeface="BIZ UDPゴシック" panose="020B0400000000000000" pitchFamily="50" charset="-128"/>
+                  <a:ea typeface="BIZ UDPゴシック" panose="020B0400000000000000" pitchFamily="50" charset="-128"/>
+                </a:rPr>
+                <a:t>2</a:t>
+              </a:r>
+              <a:endParaRPr kumimoji="1" lang="ja-JP" altLang="en-US" sz="1100" dirty="0">
+                <a:latin typeface="BIZ UDPゴシック" panose="020B0400000000000000" pitchFamily="50" charset="-128"/>
+                <a:ea typeface="BIZ UDPゴシック" panose="020B0400000000000000" pitchFamily="50" charset="-128"/>
+              </a:endParaRPr>
+            </a:p>
+          </p:txBody>
+        </p:sp>
+        <p:sp>
+          <p:nvSpPr>
+            <p:cNvPr id="13" name="テキスト ボックス 12">
+              <a:extLst>
+                <a:ext uri="{FF2B5EF4-FFF2-40B4-BE49-F238E27FC236}">
+                  <a16:creationId xmlns:a16="http://schemas.microsoft.com/office/drawing/2014/main" id="{48FC6923-BB80-ADE5-7E21-59E28971FBE9}"/>
+                </a:ext>
+              </a:extLst>
+            </p:cNvPr>
+            <p:cNvSpPr txBox="1"/>
+            <p:nvPr/>
+          </p:nvSpPr>
+          <p:spPr>
+            <a:xfrm>
+              <a:off x="-50800" y="5786463"/>
+              <a:ext cx="1447800" cy="261610"/>
+            </a:xfrm>
+            <a:prstGeom prst="rect">
+              <a:avLst/>
+            </a:prstGeom>
+            <a:noFill/>
+          </p:spPr>
+          <p:txBody>
+            <a:bodyPr wrap="square" rtlCol="0">
+              <a:spAutoFit/>
+            </a:bodyPr>
+            <a:lstStyle/>
+            <a:p>
+              <a:pPr algn="ctr"/>
+              <a:r>
+                <a:rPr kumimoji="1" lang="ja-JP" altLang="en-US" sz="1100" dirty="0">
+                  <a:latin typeface="BIZ UDPゴシック" panose="020B0400000000000000" pitchFamily="50" charset="-128"/>
+                  <a:ea typeface="BIZ UDPゴシック" panose="020B0400000000000000" pitchFamily="50" charset="-128"/>
+                </a:rPr>
+                <a:t>端末 </a:t>
+              </a:r>
+              <a:r>
+                <a:rPr kumimoji="1" lang="en-US" altLang="ja-JP" sz="1100" dirty="0">
+                  <a:latin typeface="BIZ UDPゴシック" panose="020B0400000000000000" pitchFamily="50" charset="-128"/>
+                  <a:ea typeface="BIZ UDPゴシック" panose="020B0400000000000000" pitchFamily="50" charset="-128"/>
+                </a:rPr>
+                <a:t>3</a:t>
+              </a:r>
+              <a:endParaRPr kumimoji="1" lang="ja-JP" altLang="en-US" sz="1100" dirty="0">
+                <a:latin typeface="BIZ UDPゴシック" panose="020B0400000000000000" pitchFamily="50" charset="-128"/>
+                <a:ea typeface="BIZ UDPゴシック" panose="020B0400000000000000" pitchFamily="50" charset="-128"/>
+              </a:endParaRPr>
+            </a:p>
+          </p:txBody>
+        </p:sp>
+        <p:pic>
+          <p:nvPicPr>
+            <p:cNvPr id="9" name="図 8">
+              <a:extLst>
+                <a:ext uri="{FF2B5EF4-FFF2-40B4-BE49-F238E27FC236}">
+                  <a16:creationId xmlns:a16="http://schemas.microsoft.com/office/drawing/2014/main" id="{7BC1891D-14A2-A754-50F3-F594A69AFE17}"/>
+                </a:ext>
+              </a:extLst>
+            </p:cNvPr>
+            <p:cNvPicPr>
+              <a:picLocks noChangeAspect="1"/>
+            </p:cNvPicPr>
+            <p:nvPr/>
+          </p:nvPicPr>
+          <p:blipFill>
+            <a:blip r:embed="rId2">
+              <a:extLst>
+                <a:ext uri="{96DAC541-7B7A-43D3-8B79-37D633B846F1}">
+                  <asvg:svgBlip xmlns:asvg="http://schemas.microsoft.com/office/drawing/2016/SVG/main" r:embed="rId3"/>
+                </a:ext>
+              </a:extLst>
+            </a:blip>
+            <a:srcRect/>
+            <a:stretch/>
+          </p:blipFill>
+          <p:spPr>
+            <a:xfrm>
+              <a:off x="420915" y="1025071"/>
+              <a:ext cx="11350168" cy="5120923"/>
+            </a:xfrm>
+            <a:prstGeom prst="rect">
+              <a:avLst/>
+            </a:prstGeom>
+          </p:spPr>
+        </p:pic>
+        <p:sp>
+          <p:nvSpPr>
+            <p:cNvPr id="14" name="テキスト ボックス 13">
+              <a:extLst>
+                <a:ext uri="{FF2B5EF4-FFF2-40B4-BE49-F238E27FC236}">
+                  <a16:creationId xmlns:a16="http://schemas.microsoft.com/office/drawing/2014/main" id="{F7D55E37-5B05-D0B5-8A90-F207E25AA1B5}"/>
+                </a:ext>
+              </a:extLst>
+            </p:cNvPr>
+            <p:cNvSpPr txBox="1"/>
+            <p:nvPr/>
+          </p:nvSpPr>
+          <p:spPr>
+            <a:xfrm>
+              <a:off x="1092200" y="1556731"/>
+              <a:ext cx="1447800" cy="261610"/>
+            </a:xfrm>
+            <a:prstGeom prst="rect">
+              <a:avLst/>
+            </a:prstGeom>
+            <a:noFill/>
+          </p:spPr>
+          <p:txBody>
+            <a:bodyPr wrap="square" rtlCol="0">
+              <a:spAutoFit/>
+            </a:bodyPr>
+            <a:lstStyle/>
+            <a:p>
+              <a:pPr algn="ctr"/>
+              <a:r>
+                <a:rPr kumimoji="1" lang="en-US" altLang="ja-JP" sz="1100" dirty="0">
+                  <a:latin typeface="BIZ UDPゴシック" panose="020B0400000000000000" pitchFamily="50" charset="-128"/>
+                  <a:ea typeface="BIZ UDPゴシック" panose="020B0400000000000000" pitchFamily="50" charset="-128"/>
+                </a:rPr>
+                <a:t>Busy</a:t>
+              </a:r>
+              <a:endParaRPr kumimoji="1" lang="ja-JP" altLang="en-US" sz="1100" dirty="0">
+                <a:latin typeface="BIZ UDPゴシック" panose="020B0400000000000000" pitchFamily="50" charset="-128"/>
+                <a:ea typeface="BIZ UDPゴシック" panose="020B0400000000000000" pitchFamily="50" charset="-128"/>
+              </a:endParaRPr>
+            </a:p>
+          </p:txBody>
+        </p:sp>
+        <p:sp>
+          <p:nvSpPr>
+            <p:cNvPr id="15" name="テキスト ボックス 14">
+              <a:extLst>
+                <a:ext uri="{FF2B5EF4-FFF2-40B4-BE49-F238E27FC236}">
+                  <a16:creationId xmlns:a16="http://schemas.microsoft.com/office/drawing/2014/main" id="{FEC4D9BE-3418-FEC6-EACE-51DE6A7FA963}"/>
+                </a:ext>
+              </a:extLst>
+            </p:cNvPr>
+            <p:cNvSpPr txBox="1"/>
+            <p:nvPr/>
+          </p:nvSpPr>
+          <p:spPr>
+            <a:xfrm>
+              <a:off x="1092200" y="2842304"/>
+              <a:ext cx="1447800" cy="261610"/>
+            </a:xfrm>
+            <a:prstGeom prst="rect">
+              <a:avLst/>
+            </a:prstGeom>
+            <a:noFill/>
+          </p:spPr>
+          <p:txBody>
+            <a:bodyPr wrap="square" rtlCol="0">
+              <a:spAutoFit/>
+            </a:bodyPr>
+            <a:lstStyle/>
+            <a:p>
+              <a:pPr algn="ctr"/>
+              <a:r>
+                <a:rPr kumimoji="1" lang="en-US" altLang="ja-JP" sz="1100" dirty="0">
+                  <a:latin typeface="BIZ UDPゴシック" panose="020B0400000000000000" pitchFamily="50" charset="-128"/>
+                  <a:ea typeface="BIZ UDPゴシック" panose="020B0400000000000000" pitchFamily="50" charset="-128"/>
+                </a:rPr>
+                <a:t>Busy</a:t>
+              </a:r>
+              <a:endParaRPr kumimoji="1" lang="ja-JP" altLang="en-US" sz="1100" dirty="0">
+                <a:latin typeface="BIZ UDPゴシック" panose="020B0400000000000000" pitchFamily="50" charset="-128"/>
+                <a:ea typeface="BIZ UDPゴシック" panose="020B0400000000000000" pitchFamily="50" charset="-128"/>
+              </a:endParaRPr>
+            </a:p>
+          </p:txBody>
+        </p:sp>
+        <p:sp>
+          <p:nvSpPr>
+            <p:cNvPr id="16" name="テキスト ボックス 15">
+              <a:extLst>
+                <a:ext uri="{FF2B5EF4-FFF2-40B4-BE49-F238E27FC236}">
+                  <a16:creationId xmlns:a16="http://schemas.microsoft.com/office/drawing/2014/main" id="{16862A85-B231-C944-0084-BD5626537A38}"/>
+                </a:ext>
+              </a:extLst>
+            </p:cNvPr>
+            <p:cNvSpPr txBox="1"/>
+            <p:nvPr/>
+          </p:nvSpPr>
+          <p:spPr>
+            <a:xfrm>
+              <a:off x="1092200" y="4138435"/>
+              <a:ext cx="1447800" cy="261610"/>
+            </a:xfrm>
+            <a:prstGeom prst="rect">
+              <a:avLst/>
+            </a:prstGeom>
+            <a:noFill/>
+          </p:spPr>
+          <p:txBody>
+            <a:bodyPr wrap="square" rtlCol="0">
+              <a:spAutoFit/>
+            </a:bodyPr>
+            <a:lstStyle/>
+            <a:p>
+              <a:pPr algn="ctr"/>
+              <a:r>
+                <a:rPr kumimoji="1" lang="en-US" altLang="ja-JP" sz="1100" dirty="0">
+                  <a:latin typeface="BIZ UDPゴシック" panose="020B0400000000000000" pitchFamily="50" charset="-128"/>
+                  <a:ea typeface="BIZ UDPゴシック" panose="020B0400000000000000" pitchFamily="50" charset="-128"/>
+                </a:rPr>
+                <a:t>Busy</a:t>
+              </a:r>
+              <a:endParaRPr kumimoji="1" lang="ja-JP" altLang="en-US" sz="1100" dirty="0">
+                <a:latin typeface="BIZ UDPゴシック" panose="020B0400000000000000" pitchFamily="50" charset="-128"/>
+                <a:ea typeface="BIZ UDPゴシック" panose="020B0400000000000000" pitchFamily="50" charset="-128"/>
+              </a:endParaRPr>
+            </a:p>
+          </p:txBody>
+        </p:sp>
+        <p:sp>
+          <p:nvSpPr>
+            <p:cNvPr id="17" name="テキスト ボックス 16">
+              <a:extLst>
+                <a:ext uri="{FF2B5EF4-FFF2-40B4-BE49-F238E27FC236}">
+                  <a16:creationId xmlns:a16="http://schemas.microsoft.com/office/drawing/2014/main" id="{EA9ED66B-BEE2-6BB9-B3D0-F987A975534E}"/>
+                </a:ext>
+              </a:extLst>
+            </p:cNvPr>
+            <p:cNvSpPr txBox="1"/>
+            <p:nvPr/>
+          </p:nvSpPr>
+          <p:spPr>
+            <a:xfrm>
+              <a:off x="1092200" y="5442705"/>
+              <a:ext cx="1447800" cy="261610"/>
+            </a:xfrm>
+            <a:prstGeom prst="rect">
+              <a:avLst/>
+            </a:prstGeom>
+            <a:noFill/>
+          </p:spPr>
+          <p:txBody>
+            <a:bodyPr wrap="square" rtlCol="0">
+              <a:spAutoFit/>
+            </a:bodyPr>
+            <a:lstStyle/>
+            <a:p>
+              <a:pPr algn="ctr"/>
+              <a:r>
+                <a:rPr kumimoji="1" lang="en-US" altLang="ja-JP" sz="1100" dirty="0">
+                  <a:latin typeface="BIZ UDPゴシック" panose="020B0400000000000000" pitchFamily="50" charset="-128"/>
+                  <a:ea typeface="BIZ UDPゴシック" panose="020B0400000000000000" pitchFamily="50" charset="-128"/>
+                </a:rPr>
+                <a:t>Busy</a:t>
+              </a:r>
+              <a:endParaRPr kumimoji="1" lang="ja-JP" altLang="en-US" sz="1100" dirty="0">
+                <a:latin typeface="BIZ UDPゴシック" panose="020B0400000000000000" pitchFamily="50" charset="-128"/>
+                <a:ea typeface="BIZ UDPゴシック" panose="020B0400000000000000" pitchFamily="50" charset="-128"/>
+              </a:endParaRPr>
+            </a:p>
+          </p:txBody>
+        </p:sp>
+        <p:sp>
+          <p:nvSpPr>
+            <p:cNvPr id="18" name="テキスト ボックス 17">
+              <a:extLst>
+                <a:ext uri="{FF2B5EF4-FFF2-40B4-BE49-F238E27FC236}">
+                  <a16:creationId xmlns:a16="http://schemas.microsoft.com/office/drawing/2014/main" id="{7F457B7C-107F-703B-7EF8-821F241A73D9}"/>
+                </a:ext>
+              </a:extLst>
+            </p:cNvPr>
+            <p:cNvSpPr txBox="1"/>
+            <p:nvPr/>
+          </p:nvSpPr>
+          <p:spPr>
+            <a:xfrm>
+              <a:off x="1879600" y="1438979"/>
+              <a:ext cx="1447800" cy="261610"/>
+            </a:xfrm>
+            <a:prstGeom prst="rect">
+              <a:avLst/>
+            </a:prstGeom>
+            <a:noFill/>
+          </p:spPr>
+          <p:txBody>
+            <a:bodyPr wrap="square" rtlCol="0">
+              <a:spAutoFit/>
+            </a:bodyPr>
+            <a:lstStyle/>
+            <a:p>
+              <a:pPr algn="ctr"/>
+              <a:r>
+                <a:rPr kumimoji="1" lang="en-US" altLang="ja-JP" sz="1100" dirty="0">
+                  <a:latin typeface="BIZ UDPゴシック" panose="020B0400000000000000" pitchFamily="50" charset="-128"/>
+                  <a:ea typeface="BIZ UDPゴシック" panose="020B0400000000000000" pitchFamily="50" charset="-128"/>
+                </a:rPr>
+                <a:t>DIFS</a:t>
+              </a:r>
+              <a:endParaRPr kumimoji="1" lang="ja-JP" altLang="en-US" sz="1100" dirty="0">
+                <a:latin typeface="BIZ UDPゴシック" panose="020B0400000000000000" pitchFamily="50" charset="-128"/>
+                <a:ea typeface="BIZ UDPゴシック" panose="020B0400000000000000" pitchFamily="50" charset="-128"/>
+              </a:endParaRPr>
+            </a:p>
+          </p:txBody>
+        </p:sp>
+        <p:sp>
+          <p:nvSpPr>
+            <p:cNvPr id="19" name="テキスト ボックス 18">
+              <a:extLst>
+                <a:ext uri="{FF2B5EF4-FFF2-40B4-BE49-F238E27FC236}">
+                  <a16:creationId xmlns:a16="http://schemas.microsoft.com/office/drawing/2014/main" id="{60484A5E-D3E4-7717-E605-D35B33211FC3}"/>
+                </a:ext>
+              </a:extLst>
+            </p:cNvPr>
+            <p:cNvSpPr txBox="1"/>
+            <p:nvPr/>
+          </p:nvSpPr>
+          <p:spPr>
+            <a:xfrm>
+              <a:off x="1879600" y="2743249"/>
+              <a:ext cx="1447800" cy="261610"/>
+            </a:xfrm>
+            <a:prstGeom prst="rect">
+              <a:avLst/>
+            </a:prstGeom>
+            <a:noFill/>
+          </p:spPr>
+          <p:txBody>
+            <a:bodyPr wrap="square" rtlCol="0">
+              <a:spAutoFit/>
+            </a:bodyPr>
+            <a:lstStyle/>
+            <a:p>
+              <a:pPr algn="ctr"/>
+              <a:r>
+                <a:rPr kumimoji="1" lang="en-US" altLang="ja-JP" sz="1100" dirty="0">
+                  <a:latin typeface="BIZ UDPゴシック" panose="020B0400000000000000" pitchFamily="50" charset="-128"/>
+                  <a:ea typeface="BIZ UDPゴシック" panose="020B0400000000000000" pitchFamily="50" charset="-128"/>
+                </a:rPr>
+                <a:t>DIFS</a:t>
+              </a:r>
+              <a:endParaRPr kumimoji="1" lang="ja-JP" altLang="en-US" sz="1100" dirty="0">
+                <a:latin typeface="BIZ UDPゴシック" panose="020B0400000000000000" pitchFamily="50" charset="-128"/>
+                <a:ea typeface="BIZ UDPゴシック" panose="020B0400000000000000" pitchFamily="50" charset="-128"/>
+              </a:endParaRPr>
+            </a:p>
+          </p:txBody>
+        </p:sp>
+        <p:sp>
+          <p:nvSpPr>
+            <p:cNvPr id="20" name="テキスト ボックス 19">
+              <a:extLst>
+                <a:ext uri="{FF2B5EF4-FFF2-40B4-BE49-F238E27FC236}">
+                  <a16:creationId xmlns:a16="http://schemas.microsoft.com/office/drawing/2014/main" id="{C8D86273-5BAF-D848-8849-5A8A44CDCE7A}"/>
+                </a:ext>
+              </a:extLst>
+            </p:cNvPr>
+            <p:cNvSpPr txBox="1"/>
+            <p:nvPr/>
+          </p:nvSpPr>
+          <p:spPr>
+            <a:xfrm>
+              <a:off x="1879600" y="4039380"/>
+              <a:ext cx="1447800" cy="261610"/>
+            </a:xfrm>
+            <a:prstGeom prst="rect">
+              <a:avLst/>
+            </a:prstGeom>
+            <a:noFill/>
+          </p:spPr>
+          <p:txBody>
+            <a:bodyPr wrap="square" rtlCol="0">
+              <a:spAutoFit/>
+            </a:bodyPr>
+            <a:lstStyle/>
+            <a:p>
+              <a:pPr algn="ctr"/>
+              <a:r>
+                <a:rPr kumimoji="1" lang="en-US" altLang="ja-JP" sz="1100" dirty="0">
+                  <a:latin typeface="BIZ UDPゴシック" panose="020B0400000000000000" pitchFamily="50" charset="-128"/>
+                  <a:ea typeface="BIZ UDPゴシック" panose="020B0400000000000000" pitchFamily="50" charset="-128"/>
+                </a:rPr>
+                <a:t>DIFS</a:t>
+              </a:r>
+              <a:endParaRPr kumimoji="1" lang="ja-JP" altLang="en-US" sz="1100" dirty="0">
+                <a:latin typeface="BIZ UDPゴシック" panose="020B0400000000000000" pitchFamily="50" charset="-128"/>
+                <a:ea typeface="BIZ UDPゴシック" panose="020B0400000000000000" pitchFamily="50" charset="-128"/>
+              </a:endParaRPr>
+            </a:p>
+          </p:txBody>
+        </p:sp>
+        <p:sp>
+          <p:nvSpPr>
+            <p:cNvPr id="21" name="テキスト ボックス 20">
+              <a:extLst>
+                <a:ext uri="{FF2B5EF4-FFF2-40B4-BE49-F238E27FC236}">
+                  <a16:creationId xmlns:a16="http://schemas.microsoft.com/office/drawing/2014/main" id="{C79B363F-91A8-9C77-A6C2-99A03CB7049C}"/>
+                </a:ext>
+              </a:extLst>
+            </p:cNvPr>
+            <p:cNvSpPr txBox="1"/>
+            <p:nvPr/>
+          </p:nvSpPr>
+          <p:spPr>
+            <a:xfrm>
+              <a:off x="1879600" y="5335511"/>
+              <a:ext cx="1447800" cy="261610"/>
+            </a:xfrm>
+            <a:prstGeom prst="rect">
+              <a:avLst/>
+            </a:prstGeom>
+            <a:noFill/>
+          </p:spPr>
+          <p:txBody>
+            <a:bodyPr wrap="square" rtlCol="0">
+              <a:spAutoFit/>
+            </a:bodyPr>
+            <a:lstStyle/>
+            <a:p>
+              <a:pPr algn="ctr"/>
+              <a:r>
+                <a:rPr kumimoji="1" lang="en-US" altLang="ja-JP" sz="1100" dirty="0">
+                  <a:latin typeface="BIZ UDPゴシック" panose="020B0400000000000000" pitchFamily="50" charset="-128"/>
+                  <a:ea typeface="BIZ UDPゴシック" panose="020B0400000000000000" pitchFamily="50" charset="-128"/>
+                </a:rPr>
+                <a:t>DIFS</a:t>
+              </a:r>
+              <a:endParaRPr kumimoji="1" lang="ja-JP" altLang="en-US" sz="1100" dirty="0">
+                <a:latin typeface="BIZ UDPゴシック" panose="020B0400000000000000" pitchFamily="50" charset="-128"/>
+                <a:ea typeface="BIZ UDPゴシック" panose="020B0400000000000000" pitchFamily="50" charset="-128"/>
+              </a:endParaRPr>
+            </a:p>
+          </p:txBody>
+        </p:sp>
+        <p:sp>
+          <p:nvSpPr>
+            <p:cNvPr id="22" name="テキスト ボックス 21">
+              <a:extLst>
+                <a:ext uri="{FF2B5EF4-FFF2-40B4-BE49-F238E27FC236}">
+                  <a16:creationId xmlns:a16="http://schemas.microsoft.com/office/drawing/2014/main" id="{C2DF6AAF-FCEE-86FB-9866-5E67410342E8}"/>
+                </a:ext>
+              </a:extLst>
+            </p:cNvPr>
+            <p:cNvSpPr txBox="1"/>
+            <p:nvPr/>
+          </p:nvSpPr>
+          <p:spPr>
+            <a:xfrm>
+              <a:off x="2768599" y="2303021"/>
+              <a:ext cx="1006413" cy="261610"/>
+            </a:xfrm>
+            <a:prstGeom prst="rect">
+              <a:avLst/>
+            </a:prstGeom>
+            <a:noFill/>
+          </p:spPr>
+          <p:txBody>
+            <a:bodyPr wrap="square" rtlCol="0">
+              <a:spAutoFit/>
+            </a:bodyPr>
+            <a:lstStyle/>
+            <a:p>
+              <a:pPr algn="ctr"/>
+              <a:r>
+                <a:rPr kumimoji="1" lang="en-US" altLang="ja-JP" sz="1100" dirty="0">
+                  <a:latin typeface="BIZ UDPゴシック" panose="020B0400000000000000" pitchFamily="50" charset="-128"/>
+                  <a:ea typeface="BIZ UDPゴシック" panose="020B0400000000000000" pitchFamily="50" charset="-128"/>
+                </a:rPr>
+                <a:t>3</a:t>
+              </a:r>
+              <a:endParaRPr kumimoji="1" lang="ja-JP" altLang="en-US" sz="1100" dirty="0">
+                <a:latin typeface="BIZ UDPゴシック" panose="020B0400000000000000" pitchFamily="50" charset="-128"/>
+                <a:ea typeface="BIZ UDPゴシック" panose="020B0400000000000000" pitchFamily="50" charset="-128"/>
+              </a:endParaRPr>
+            </a:p>
+          </p:txBody>
+        </p:sp>
+        <p:sp>
+          <p:nvSpPr>
+            <p:cNvPr id="25" name="テキスト ボックス 24">
+              <a:extLst>
+                <a:ext uri="{FF2B5EF4-FFF2-40B4-BE49-F238E27FC236}">
+                  <a16:creationId xmlns:a16="http://schemas.microsoft.com/office/drawing/2014/main" id="{AD47E47A-1A91-092C-B4EC-161D0AE1C4BD}"/>
+                </a:ext>
+              </a:extLst>
+            </p:cNvPr>
+            <p:cNvSpPr txBox="1"/>
+            <p:nvPr/>
+          </p:nvSpPr>
+          <p:spPr>
+            <a:xfrm>
+              <a:off x="2717800" y="4898441"/>
+              <a:ext cx="1447800" cy="261610"/>
+            </a:xfrm>
+            <a:prstGeom prst="rect">
+              <a:avLst/>
+            </a:prstGeom>
+            <a:noFill/>
+          </p:spPr>
+          <p:txBody>
+            <a:bodyPr wrap="square" rtlCol="0">
+              <a:spAutoFit/>
+            </a:bodyPr>
+            <a:lstStyle/>
+            <a:p>
+              <a:pPr algn="ctr"/>
+              <a:r>
+                <a:rPr kumimoji="1" lang="en-US" altLang="ja-JP" sz="1100" dirty="0">
+                  <a:latin typeface="BIZ UDPゴシック" panose="020B0400000000000000" pitchFamily="50" charset="-128"/>
+                  <a:ea typeface="BIZ UDPゴシック" panose="020B0400000000000000" pitchFamily="50" charset="-128"/>
+                </a:rPr>
+                <a:t>5</a:t>
+              </a:r>
+              <a:endParaRPr kumimoji="1" lang="ja-JP" altLang="en-US" sz="1100" dirty="0">
+                <a:latin typeface="BIZ UDPゴシック" panose="020B0400000000000000" pitchFamily="50" charset="-128"/>
+                <a:ea typeface="BIZ UDPゴシック" panose="020B0400000000000000" pitchFamily="50" charset="-128"/>
+              </a:endParaRPr>
+            </a:p>
+          </p:txBody>
+        </p:sp>
+        <p:sp>
+          <p:nvSpPr>
+            <p:cNvPr id="26" name="テキスト ボックス 25">
+              <a:extLst>
+                <a:ext uri="{FF2B5EF4-FFF2-40B4-BE49-F238E27FC236}">
+                  <a16:creationId xmlns:a16="http://schemas.microsoft.com/office/drawing/2014/main" id="{5ACAA86E-6911-0FB7-E733-5FC33B7CDFB4}"/>
+                </a:ext>
+              </a:extLst>
+            </p:cNvPr>
+            <p:cNvSpPr txBox="1"/>
+            <p:nvPr/>
+          </p:nvSpPr>
+          <p:spPr>
+            <a:xfrm>
+              <a:off x="2547905" y="3361731"/>
+              <a:ext cx="1447800" cy="230832"/>
+            </a:xfrm>
+            <a:prstGeom prst="rect">
+              <a:avLst/>
+            </a:prstGeom>
+            <a:noFill/>
+          </p:spPr>
+          <p:txBody>
+            <a:bodyPr wrap="square" rtlCol="0">
+              <a:spAutoFit/>
+            </a:bodyPr>
+            <a:lstStyle/>
+            <a:p>
+              <a:pPr algn="ctr"/>
+              <a:r>
+                <a:rPr kumimoji="1" lang="ja-JP" altLang="en-US" sz="900" dirty="0">
+                  <a:latin typeface="BIZ UDPゴシック" panose="020B0400000000000000" pitchFamily="50" charset="-128"/>
+                  <a:ea typeface="BIZ UDPゴシック" panose="020B0400000000000000" pitchFamily="50" charset="-128"/>
+                </a:rPr>
+                <a:t>バックオフ</a:t>
+              </a:r>
+            </a:p>
+          </p:txBody>
+        </p:sp>
+        <p:sp>
+          <p:nvSpPr>
+            <p:cNvPr id="27" name="テキスト ボックス 26">
+              <a:extLst>
+                <a:ext uri="{FF2B5EF4-FFF2-40B4-BE49-F238E27FC236}">
+                  <a16:creationId xmlns:a16="http://schemas.microsoft.com/office/drawing/2014/main" id="{6CF98DA2-DF73-DC5A-C280-4AE0F816E41B}"/>
+                </a:ext>
+              </a:extLst>
+            </p:cNvPr>
+            <p:cNvSpPr txBox="1"/>
+            <p:nvPr/>
+          </p:nvSpPr>
+          <p:spPr>
+            <a:xfrm>
+              <a:off x="2540000" y="4671221"/>
+              <a:ext cx="1447800" cy="230832"/>
+            </a:xfrm>
+            <a:prstGeom prst="rect">
+              <a:avLst/>
+            </a:prstGeom>
+            <a:noFill/>
+          </p:spPr>
+          <p:txBody>
+            <a:bodyPr wrap="square" rtlCol="0">
+              <a:spAutoFit/>
+            </a:bodyPr>
+            <a:lstStyle/>
+            <a:p>
+              <a:pPr algn="ctr"/>
+              <a:r>
+                <a:rPr kumimoji="1" lang="ja-JP" altLang="en-US" sz="900" dirty="0">
+                  <a:latin typeface="BIZ UDPゴシック" panose="020B0400000000000000" pitchFamily="50" charset="-128"/>
+                  <a:ea typeface="BIZ UDPゴシック" panose="020B0400000000000000" pitchFamily="50" charset="-128"/>
+                </a:rPr>
+                <a:t>バックオフ</a:t>
+              </a:r>
+            </a:p>
+          </p:txBody>
+        </p:sp>
+        <p:sp>
+          <p:nvSpPr>
+            <p:cNvPr id="28" name="テキスト ボックス 27">
+              <a:extLst>
+                <a:ext uri="{FF2B5EF4-FFF2-40B4-BE49-F238E27FC236}">
+                  <a16:creationId xmlns:a16="http://schemas.microsoft.com/office/drawing/2014/main" id="{5359F6B4-7492-2053-BF97-40E6F81726DD}"/>
+                </a:ext>
+              </a:extLst>
+            </p:cNvPr>
+            <p:cNvSpPr txBox="1"/>
+            <p:nvPr/>
+          </p:nvSpPr>
+          <p:spPr>
+            <a:xfrm>
+              <a:off x="2717800" y="5974039"/>
+              <a:ext cx="1447800" cy="230832"/>
+            </a:xfrm>
+            <a:prstGeom prst="rect">
+              <a:avLst/>
+            </a:prstGeom>
+            <a:noFill/>
+          </p:spPr>
+          <p:txBody>
+            <a:bodyPr wrap="square" rtlCol="0">
+              <a:spAutoFit/>
+            </a:bodyPr>
+            <a:lstStyle/>
+            <a:p>
+              <a:pPr algn="ctr"/>
+              <a:r>
+                <a:rPr kumimoji="1" lang="ja-JP" altLang="en-US" sz="900" dirty="0">
+                  <a:latin typeface="BIZ UDPゴシック" panose="020B0400000000000000" pitchFamily="50" charset="-128"/>
+                  <a:ea typeface="BIZ UDPゴシック" panose="020B0400000000000000" pitchFamily="50" charset="-128"/>
+                </a:rPr>
+                <a:t>バックオフ</a:t>
+              </a:r>
+            </a:p>
+          </p:txBody>
+        </p:sp>
+        <p:sp>
+          <p:nvSpPr>
+            <p:cNvPr id="42" name="テキスト ボックス 41">
+              <a:extLst>
+                <a:ext uri="{FF2B5EF4-FFF2-40B4-BE49-F238E27FC236}">
+                  <a16:creationId xmlns:a16="http://schemas.microsoft.com/office/drawing/2014/main" id="{49672269-9C06-4E64-274A-D44769619B0E}"/>
+                </a:ext>
+              </a:extLst>
+            </p:cNvPr>
+            <p:cNvSpPr txBox="1"/>
+            <p:nvPr/>
+          </p:nvSpPr>
+          <p:spPr>
+            <a:xfrm>
+              <a:off x="9588500" y="1425926"/>
+              <a:ext cx="1447800" cy="261610"/>
+            </a:xfrm>
+            <a:prstGeom prst="rect">
+              <a:avLst/>
+            </a:prstGeom>
+            <a:noFill/>
+          </p:spPr>
+          <p:txBody>
+            <a:bodyPr wrap="square" rtlCol="0">
+              <a:spAutoFit/>
+            </a:bodyPr>
+            <a:lstStyle/>
+            <a:p>
+              <a:pPr algn="ctr"/>
+              <a:r>
+                <a:rPr kumimoji="1" lang="en-US" altLang="ja-JP" sz="1100" dirty="0">
+                  <a:latin typeface="BIZ UDPゴシック" panose="020B0400000000000000" pitchFamily="50" charset="-128"/>
+                  <a:ea typeface="BIZ UDPゴシック" panose="020B0400000000000000" pitchFamily="50" charset="-128"/>
+                </a:rPr>
+                <a:t>DIFS</a:t>
+              </a:r>
+              <a:endParaRPr kumimoji="1" lang="ja-JP" altLang="en-US" sz="1100" dirty="0">
+                <a:latin typeface="BIZ UDPゴシック" panose="020B0400000000000000" pitchFamily="50" charset="-128"/>
+                <a:ea typeface="BIZ UDPゴシック" panose="020B0400000000000000" pitchFamily="50" charset="-128"/>
+              </a:endParaRPr>
+            </a:p>
+          </p:txBody>
+        </p:sp>
+        <p:sp>
+          <p:nvSpPr>
+            <p:cNvPr id="50" name="テキスト ボックス 49">
+              <a:extLst>
+                <a:ext uri="{FF2B5EF4-FFF2-40B4-BE49-F238E27FC236}">
+                  <a16:creationId xmlns:a16="http://schemas.microsoft.com/office/drawing/2014/main" id="{921060B4-8B1E-3164-8564-C7ACE19D4316}"/>
+                </a:ext>
+              </a:extLst>
+            </p:cNvPr>
+            <p:cNvSpPr txBox="1"/>
+            <p:nvPr/>
+          </p:nvSpPr>
+          <p:spPr>
+            <a:xfrm>
+              <a:off x="11296649" y="1950444"/>
+              <a:ext cx="746123" cy="261610"/>
+            </a:xfrm>
+            <a:prstGeom prst="rect">
+              <a:avLst/>
+            </a:prstGeom>
+            <a:noFill/>
+          </p:spPr>
+          <p:txBody>
+            <a:bodyPr wrap="square" rtlCol="0">
+              <a:spAutoFit/>
+            </a:bodyPr>
+            <a:lstStyle/>
+            <a:p>
+              <a:pPr algn="ctr"/>
+              <a:r>
+                <a:rPr kumimoji="1" lang="ja-JP" altLang="en-US" sz="1100" dirty="0">
+                  <a:latin typeface="BIZ UDPゴシック" panose="020B0400000000000000" pitchFamily="50" charset="-128"/>
+                  <a:ea typeface="BIZ UDPゴシック" panose="020B0400000000000000" pitchFamily="50" charset="-128"/>
+                </a:rPr>
+                <a:t>時間</a:t>
+              </a:r>
+              <a:r>
+                <a:rPr kumimoji="1" lang="en-US" altLang="ja-JP" sz="1100" dirty="0">
+                  <a:latin typeface="BIZ UDPゴシック" panose="020B0400000000000000" pitchFamily="50" charset="-128"/>
+                  <a:ea typeface="BIZ UDPゴシック" panose="020B0400000000000000" pitchFamily="50" charset="-128"/>
+                </a:rPr>
+                <a:t>(t)</a:t>
+              </a:r>
+              <a:endParaRPr kumimoji="1" lang="ja-JP" altLang="en-US" sz="1100" dirty="0">
+                <a:latin typeface="BIZ UDPゴシック" panose="020B0400000000000000" pitchFamily="50" charset="-128"/>
+                <a:ea typeface="BIZ UDPゴシック" panose="020B0400000000000000" pitchFamily="50" charset="-128"/>
+              </a:endParaRPr>
+            </a:p>
+          </p:txBody>
+        </p:sp>
+        <p:sp>
+          <p:nvSpPr>
+            <p:cNvPr id="51" name="テキスト ボックス 50">
+              <a:extLst>
+                <a:ext uri="{FF2B5EF4-FFF2-40B4-BE49-F238E27FC236}">
+                  <a16:creationId xmlns:a16="http://schemas.microsoft.com/office/drawing/2014/main" id="{7F9B6E21-9BCB-F962-564A-EBF1132B93C5}"/>
+                </a:ext>
+              </a:extLst>
+            </p:cNvPr>
+            <p:cNvSpPr txBox="1"/>
+            <p:nvPr/>
+          </p:nvSpPr>
+          <p:spPr>
+            <a:xfrm>
+              <a:off x="11296649" y="3244202"/>
+              <a:ext cx="746123" cy="261610"/>
+            </a:xfrm>
+            <a:prstGeom prst="rect">
+              <a:avLst/>
+            </a:prstGeom>
+            <a:noFill/>
+          </p:spPr>
+          <p:txBody>
+            <a:bodyPr wrap="square" rtlCol="0">
+              <a:spAutoFit/>
+            </a:bodyPr>
+            <a:lstStyle/>
+            <a:p>
+              <a:pPr algn="ctr"/>
+              <a:r>
+                <a:rPr kumimoji="1" lang="ja-JP" altLang="en-US" sz="1100" dirty="0">
+                  <a:latin typeface="BIZ UDPゴシック" panose="020B0400000000000000" pitchFamily="50" charset="-128"/>
+                  <a:ea typeface="BIZ UDPゴシック" panose="020B0400000000000000" pitchFamily="50" charset="-128"/>
+                </a:rPr>
+                <a:t>時間</a:t>
+              </a:r>
+              <a:r>
+                <a:rPr kumimoji="1" lang="en-US" altLang="ja-JP" sz="1100" dirty="0">
+                  <a:latin typeface="BIZ UDPゴシック" panose="020B0400000000000000" pitchFamily="50" charset="-128"/>
+                  <a:ea typeface="BIZ UDPゴシック" panose="020B0400000000000000" pitchFamily="50" charset="-128"/>
+                </a:rPr>
+                <a:t>(t)</a:t>
+              </a:r>
+              <a:endParaRPr kumimoji="1" lang="ja-JP" altLang="en-US" sz="1100" dirty="0">
+                <a:latin typeface="BIZ UDPゴシック" panose="020B0400000000000000" pitchFamily="50" charset="-128"/>
+                <a:ea typeface="BIZ UDPゴシック" panose="020B0400000000000000" pitchFamily="50" charset="-128"/>
+              </a:endParaRPr>
+            </a:p>
+          </p:txBody>
+        </p:sp>
+        <p:sp>
+          <p:nvSpPr>
+            <p:cNvPr id="52" name="テキスト ボックス 51">
+              <a:extLst>
+                <a:ext uri="{FF2B5EF4-FFF2-40B4-BE49-F238E27FC236}">
+                  <a16:creationId xmlns:a16="http://schemas.microsoft.com/office/drawing/2014/main" id="{EA99F44C-8A1F-35DE-0313-BF2357F2741F}"/>
+                </a:ext>
+              </a:extLst>
+            </p:cNvPr>
+            <p:cNvSpPr txBox="1"/>
+            <p:nvPr/>
+          </p:nvSpPr>
+          <p:spPr>
+            <a:xfrm>
+              <a:off x="11296648" y="4540416"/>
+              <a:ext cx="746123" cy="261610"/>
+            </a:xfrm>
+            <a:prstGeom prst="rect">
+              <a:avLst/>
+            </a:prstGeom>
+            <a:noFill/>
+          </p:spPr>
+          <p:txBody>
+            <a:bodyPr wrap="square" rtlCol="0">
+              <a:spAutoFit/>
+            </a:bodyPr>
+            <a:lstStyle/>
+            <a:p>
+              <a:pPr algn="ctr"/>
+              <a:r>
+                <a:rPr kumimoji="1" lang="ja-JP" altLang="en-US" sz="1100" dirty="0">
+                  <a:latin typeface="BIZ UDPゴシック" panose="020B0400000000000000" pitchFamily="50" charset="-128"/>
+                  <a:ea typeface="BIZ UDPゴシック" panose="020B0400000000000000" pitchFamily="50" charset="-128"/>
+                </a:rPr>
+                <a:t>時間</a:t>
+              </a:r>
+              <a:r>
+                <a:rPr kumimoji="1" lang="en-US" altLang="ja-JP" sz="1100" dirty="0">
+                  <a:latin typeface="BIZ UDPゴシック" panose="020B0400000000000000" pitchFamily="50" charset="-128"/>
+                  <a:ea typeface="BIZ UDPゴシック" panose="020B0400000000000000" pitchFamily="50" charset="-128"/>
+                </a:rPr>
+                <a:t>(t)</a:t>
+              </a:r>
+              <a:endParaRPr kumimoji="1" lang="ja-JP" altLang="en-US" sz="1100" dirty="0">
+                <a:latin typeface="BIZ UDPゴシック" panose="020B0400000000000000" pitchFamily="50" charset="-128"/>
+                <a:ea typeface="BIZ UDPゴシック" panose="020B0400000000000000" pitchFamily="50" charset="-128"/>
+              </a:endParaRPr>
+            </a:p>
+          </p:txBody>
+        </p:sp>
+        <p:sp>
+          <p:nvSpPr>
+            <p:cNvPr id="53" name="テキスト ボックス 52">
+              <a:extLst>
+                <a:ext uri="{FF2B5EF4-FFF2-40B4-BE49-F238E27FC236}">
+                  <a16:creationId xmlns:a16="http://schemas.microsoft.com/office/drawing/2014/main" id="{C0AF53F5-064E-7E13-D95A-A4247B0061DB}"/>
+                </a:ext>
+              </a:extLst>
+            </p:cNvPr>
+            <p:cNvSpPr txBox="1"/>
+            <p:nvPr/>
+          </p:nvSpPr>
+          <p:spPr>
+            <a:xfrm>
+              <a:off x="11296647" y="5827845"/>
+              <a:ext cx="746123" cy="261610"/>
+            </a:xfrm>
+            <a:prstGeom prst="rect">
+              <a:avLst/>
+            </a:prstGeom>
+            <a:noFill/>
+          </p:spPr>
+          <p:txBody>
+            <a:bodyPr wrap="square" rtlCol="0">
+              <a:spAutoFit/>
+            </a:bodyPr>
+            <a:lstStyle/>
+            <a:p>
+              <a:pPr algn="ctr"/>
+              <a:r>
+                <a:rPr kumimoji="1" lang="ja-JP" altLang="en-US" sz="1100" dirty="0">
+                  <a:latin typeface="BIZ UDPゴシック" panose="020B0400000000000000" pitchFamily="50" charset="-128"/>
+                  <a:ea typeface="BIZ UDPゴシック" panose="020B0400000000000000" pitchFamily="50" charset="-128"/>
+                </a:rPr>
+                <a:t>時間</a:t>
+              </a:r>
+              <a:r>
+                <a:rPr kumimoji="1" lang="en-US" altLang="ja-JP" sz="1100" dirty="0">
+                  <a:latin typeface="BIZ UDPゴシック" panose="020B0400000000000000" pitchFamily="50" charset="-128"/>
+                  <a:ea typeface="BIZ UDPゴシック" panose="020B0400000000000000" pitchFamily="50" charset="-128"/>
+                </a:rPr>
+                <a:t>(t)</a:t>
+              </a:r>
+              <a:endParaRPr kumimoji="1" lang="ja-JP" altLang="en-US" sz="1100" dirty="0">
+                <a:latin typeface="BIZ UDPゴシック" panose="020B0400000000000000" pitchFamily="50" charset="-128"/>
+                <a:ea typeface="BIZ UDPゴシック" panose="020B0400000000000000" pitchFamily="50" charset="-128"/>
+              </a:endParaRPr>
+            </a:p>
+          </p:txBody>
+        </p:sp>
+        <p:sp>
+          <p:nvSpPr>
+            <p:cNvPr id="3" name="テキスト ボックス 2">
+              <a:extLst>
+                <a:ext uri="{FF2B5EF4-FFF2-40B4-BE49-F238E27FC236}">
+                  <a16:creationId xmlns:a16="http://schemas.microsoft.com/office/drawing/2014/main" id="{8670A640-A064-26B3-812A-C17239493296}"/>
+                </a:ext>
+              </a:extLst>
+            </p:cNvPr>
+            <p:cNvSpPr txBox="1"/>
+            <p:nvPr/>
+          </p:nvSpPr>
+          <p:spPr>
+            <a:xfrm>
+              <a:off x="3544063" y="2842304"/>
+              <a:ext cx="849374" cy="261610"/>
+            </a:xfrm>
+            <a:prstGeom prst="rect">
+              <a:avLst/>
+            </a:prstGeom>
+            <a:noFill/>
+          </p:spPr>
+          <p:txBody>
+            <a:bodyPr wrap="square" rtlCol="0">
+              <a:spAutoFit/>
+            </a:bodyPr>
+            <a:lstStyle/>
+            <a:p>
+              <a:pPr algn="ctr"/>
+              <a:r>
+                <a:rPr kumimoji="1" lang="en-US" altLang="ja-JP" sz="1100" dirty="0">
+                  <a:latin typeface="BIZ UDPゴシック" panose="020B0400000000000000" pitchFamily="50" charset="-128"/>
+                  <a:ea typeface="BIZ UDPゴシック" panose="020B0400000000000000" pitchFamily="50" charset="-128"/>
+                </a:rPr>
+                <a:t>Data</a:t>
+              </a:r>
+              <a:endParaRPr kumimoji="1" lang="ja-JP" altLang="en-US" sz="1100" dirty="0">
+                <a:latin typeface="BIZ UDPゴシック" panose="020B0400000000000000" pitchFamily="50" charset="-128"/>
+                <a:ea typeface="BIZ UDPゴシック" panose="020B0400000000000000" pitchFamily="50" charset="-128"/>
+              </a:endParaRPr>
+            </a:p>
+          </p:txBody>
+        </p:sp>
+        <p:sp>
+          <p:nvSpPr>
+            <p:cNvPr id="6" name="テキスト ボックス 5">
+              <a:extLst>
+                <a:ext uri="{FF2B5EF4-FFF2-40B4-BE49-F238E27FC236}">
+                  <a16:creationId xmlns:a16="http://schemas.microsoft.com/office/drawing/2014/main" id="{FC3D04D4-248E-A9E3-9D04-E488BF665EA4}"/>
+                </a:ext>
+              </a:extLst>
+            </p:cNvPr>
+            <p:cNvSpPr txBox="1"/>
+            <p:nvPr/>
+          </p:nvSpPr>
+          <p:spPr>
+            <a:xfrm>
+              <a:off x="3263900" y="1155391"/>
+              <a:ext cx="1447800" cy="276999"/>
+            </a:xfrm>
+            <a:prstGeom prst="rect">
+              <a:avLst/>
+            </a:prstGeom>
+            <a:noFill/>
+          </p:spPr>
+          <p:txBody>
+            <a:bodyPr wrap="square" rtlCol="0">
+              <a:spAutoFit/>
+            </a:bodyPr>
+            <a:lstStyle/>
+            <a:p>
+              <a:pPr algn="ctr"/>
+              <a:r>
+                <a:rPr kumimoji="1" lang="en-US" altLang="ja-JP" sz="1200" b="1" dirty="0">
+                  <a:solidFill>
+                    <a:srgbClr val="FF0000"/>
+                  </a:solidFill>
+                  <a:latin typeface="BIZ UDPゴシック" panose="020B0400000000000000" pitchFamily="50" charset="-128"/>
+                  <a:ea typeface="BIZ UDPゴシック" panose="020B0400000000000000" pitchFamily="50" charset="-128"/>
+                </a:rPr>
+                <a:t>Collision</a:t>
+              </a:r>
+              <a:endParaRPr kumimoji="1" lang="en-US" altLang="ja-JP" sz="1100" b="1" dirty="0">
+                <a:solidFill>
+                  <a:srgbClr val="FF0000"/>
+                </a:solidFill>
+                <a:latin typeface="BIZ UDPゴシック" panose="020B0400000000000000" pitchFamily="50" charset="-128"/>
+                <a:ea typeface="BIZ UDPゴシック" panose="020B0400000000000000" pitchFamily="50" charset="-128"/>
+              </a:endParaRPr>
+            </a:p>
+          </p:txBody>
+        </p:sp>
+        <p:sp>
+          <p:nvSpPr>
+            <p:cNvPr id="7" name="テキスト ボックス 6">
+              <a:extLst>
+                <a:ext uri="{FF2B5EF4-FFF2-40B4-BE49-F238E27FC236}">
+                  <a16:creationId xmlns:a16="http://schemas.microsoft.com/office/drawing/2014/main" id="{6AD24375-91E5-E64D-3125-196CB398A04B}"/>
+                </a:ext>
+              </a:extLst>
+            </p:cNvPr>
+            <p:cNvSpPr txBox="1"/>
+            <p:nvPr/>
+          </p:nvSpPr>
+          <p:spPr>
+            <a:xfrm>
+              <a:off x="2768598" y="3599152"/>
+              <a:ext cx="1006413" cy="261610"/>
+            </a:xfrm>
+            <a:prstGeom prst="rect">
+              <a:avLst/>
+            </a:prstGeom>
+            <a:noFill/>
+          </p:spPr>
+          <p:txBody>
+            <a:bodyPr wrap="square" rtlCol="0">
+              <a:spAutoFit/>
+            </a:bodyPr>
+            <a:lstStyle/>
+            <a:p>
+              <a:pPr algn="ctr"/>
+              <a:r>
+                <a:rPr kumimoji="1" lang="en-US" altLang="ja-JP" sz="1100" dirty="0">
+                  <a:latin typeface="BIZ UDPゴシック" panose="020B0400000000000000" pitchFamily="50" charset="-128"/>
+                  <a:ea typeface="BIZ UDPゴシック" panose="020B0400000000000000" pitchFamily="50" charset="-128"/>
+                </a:rPr>
+                <a:t>3</a:t>
+              </a:r>
+              <a:endParaRPr kumimoji="1" lang="ja-JP" altLang="en-US" sz="1100" dirty="0">
+                <a:latin typeface="BIZ UDPゴシック" panose="020B0400000000000000" pitchFamily="50" charset="-128"/>
+                <a:ea typeface="BIZ UDPゴシック" panose="020B0400000000000000" pitchFamily="50" charset="-128"/>
+              </a:endParaRPr>
+            </a:p>
+          </p:txBody>
+        </p:sp>
+        <p:sp>
+          <p:nvSpPr>
+            <p:cNvPr id="8" name="テキスト ボックス 7">
+              <a:extLst>
+                <a:ext uri="{FF2B5EF4-FFF2-40B4-BE49-F238E27FC236}">
+                  <a16:creationId xmlns:a16="http://schemas.microsoft.com/office/drawing/2014/main" id="{975E41BF-2E14-4091-35F7-21336C2A06B2}"/>
+                </a:ext>
+              </a:extLst>
+            </p:cNvPr>
+            <p:cNvSpPr txBox="1"/>
+            <p:nvPr/>
+          </p:nvSpPr>
+          <p:spPr>
+            <a:xfrm>
+              <a:off x="3544063" y="4138435"/>
+              <a:ext cx="849374" cy="261610"/>
+            </a:xfrm>
+            <a:prstGeom prst="rect">
+              <a:avLst/>
+            </a:prstGeom>
+            <a:noFill/>
+          </p:spPr>
+          <p:txBody>
+            <a:bodyPr wrap="square" rtlCol="0">
+              <a:spAutoFit/>
+            </a:bodyPr>
+            <a:lstStyle/>
+            <a:p>
+              <a:pPr algn="ctr"/>
+              <a:r>
+                <a:rPr kumimoji="1" lang="en-US" altLang="ja-JP" sz="1100" dirty="0">
+                  <a:latin typeface="BIZ UDPゴシック" panose="020B0400000000000000" pitchFamily="50" charset="-128"/>
+                  <a:ea typeface="BIZ UDPゴシック" panose="020B0400000000000000" pitchFamily="50" charset="-128"/>
+                </a:rPr>
+                <a:t>Data</a:t>
+              </a:r>
+              <a:endParaRPr kumimoji="1" lang="ja-JP" altLang="en-US" sz="1100" dirty="0">
+                <a:latin typeface="BIZ UDPゴシック" panose="020B0400000000000000" pitchFamily="50" charset="-128"/>
+                <a:ea typeface="BIZ UDPゴシック" panose="020B0400000000000000" pitchFamily="50" charset="-128"/>
+              </a:endParaRPr>
+            </a:p>
+          </p:txBody>
+        </p:sp>
+        <p:sp>
+          <p:nvSpPr>
+            <p:cNvPr id="29" name="テキスト ボックス 28">
+              <a:extLst>
+                <a:ext uri="{FF2B5EF4-FFF2-40B4-BE49-F238E27FC236}">
+                  <a16:creationId xmlns:a16="http://schemas.microsoft.com/office/drawing/2014/main" id="{64CE2560-F179-3C47-7CB3-D653A7F866A1}"/>
+                </a:ext>
+              </a:extLst>
+            </p:cNvPr>
+            <p:cNvSpPr txBox="1"/>
+            <p:nvPr/>
+          </p:nvSpPr>
+          <p:spPr>
+            <a:xfrm>
+              <a:off x="3968750" y="1410990"/>
+              <a:ext cx="1447800" cy="261610"/>
+            </a:xfrm>
+            <a:prstGeom prst="rect">
+              <a:avLst/>
+            </a:prstGeom>
+            <a:noFill/>
+          </p:spPr>
+          <p:txBody>
+            <a:bodyPr wrap="square" rtlCol="0">
+              <a:spAutoFit/>
+            </a:bodyPr>
+            <a:lstStyle/>
+            <a:p>
+              <a:pPr algn="ctr"/>
+              <a:r>
+                <a:rPr kumimoji="1" lang="en-US" altLang="ja-JP" sz="1100" dirty="0">
+                  <a:latin typeface="BIZ UDPゴシック" panose="020B0400000000000000" pitchFamily="50" charset="-128"/>
+                  <a:ea typeface="BIZ UDPゴシック" panose="020B0400000000000000" pitchFamily="50" charset="-128"/>
+                </a:rPr>
+                <a:t>DIFS</a:t>
+              </a:r>
+              <a:endParaRPr kumimoji="1" lang="ja-JP" altLang="en-US" sz="1100" dirty="0">
+                <a:latin typeface="BIZ UDPゴシック" panose="020B0400000000000000" pitchFamily="50" charset="-128"/>
+                <a:ea typeface="BIZ UDPゴシック" panose="020B0400000000000000" pitchFamily="50" charset="-128"/>
+              </a:endParaRPr>
+            </a:p>
+          </p:txBody>
+        </p:sp>
+        <p:sp>
+          <p:nvSpPr>
+            <p:cNvPr id="39" name="テキスト ボックス 38">
+              <a:extLst>
+                <a:ext uri="{FF2B5EF4-FFF2-40B4-BE49-F238E27FC236}">
+                  <a16:creationId xmlns:a16="http://schemas.microsoft.com/office/drawing/2014/main" id="{363ADE9E-1B1B-56FD-4775-CA569CE92DDA}"/>
+                </a:ext>
+              </a:extLst>
+            </p:cNvPr>
+            <p:cNvSpPr txBox="1"/>
+            <p:nvPr/>
+          </p:nvSpPr>
+          <p:spPr>
+            <a:xfrm>
+              <a:off x="3968750" y="2696380"/>
+              <a:ext cx="1447800" cy="261610"/>
+            </a:xfrm>
+            <a:prstGeom prst="rect">
+              <a:avLst/>
+            </a:prstGeom>
+            <a:noFill/>
+          </p:spPr>
+          <p:txBody>
+            <a:bodyPr wrap="square" rtlCol="0">
+              <a:spAutoFit/>
+            </a:bodyPr>
+            <a:lstStyle/>
+            <a:p>
+              <a:pPr algn="ctr"/>
+              <a:r>
+                <a:rPr kumimoji="1" lang="en-US" altLang="ja-JP" sz="1100" dirty="0">
+                  <a:latin typeface="BIZ UDPゴシック" panose="020B0400000000000000" pitchFamily="50" charset="-128"/>
+                  <a:ea typeface="BIZ UDPゴシック" panose="020B0400000000000000" pitchFamily="50" charset="-128"/>
+                </a:rPr>
+                <a:t>DIFS</a:t>
+              </a:r>
+              <a:endParaRPr kumimoji="1" lang="ja-JP" altLang="en-US" sz="1100" dirty="0">
+                <a:latin typeface="BIZ UDPゴシック" panose="020B0400000000000000" pitchFamily="50" charset="-128"/>
+                <a:ea typeface="BIZ UDPゴシック" panose="020B0400000000000000" pitchFamily="50" charset="-128"/>
+              </a:endParaRPr>
+            </a:p>
+          </p:txBody>
+        </p:sp>
+        <p:sp>
+          <p:nvSpPr>
+            <p:cNvPr id="49" name="テキスト ボックス 48">
+              <a:extLst>
+                <a:ext uri="{FF2B5EF4-FFF2-40B4-BE49-F238E27FC236}">
+                  <a16:creationId xmlns:a16="http://schemas.microsoft.com/office/drawing/2014/main" id="{79B44646-EFAD-37A5-5FEA-C67B622F72A5}"/>
+                </a:ext>
+              </a:extLst>
+            </p:cNvPr>
+            <p:cNvSpPr txBox="1"/>
+            <p:nvPr/>
+          </p:nvSpPr>
+          <p:spPr>
+            <a:xfrm>
+              <a:off x="3968750" y="3996889"/>
+              <a:ext cx="1447800" cy="261610"/>
+            </a:xfrm>
+            <a:prstGeom prst="rect">
+              <a:avLst/>
+            </a:prstGeom>
+            <a:noFill/>
+          </p:spPr>
+          <p:txBody>
+            <a:bodyPr wrap="square" rtlCol="0">
+              <a:spAutoFit/>
+            </a:bodyPr>
+            <a:lstStyle/>
+            <a:p>
+              <a:pPr algn="ctr"/>
+              <a:r>
+                <a:rPr kumimoji="1" lang="en-US" altLang="ja-JP" sz="1100" dirty="0">
+                  <a:latin typeface="BIZ UDPゴシック" panose="020B0400000000000000" pitchFamily="50" charset="-128"/>
+                  <a:ea typeface="BIZ UDPゴシック" panose="020B0400000000000000" pitchFamily="50" charset="-128"/>
+                </a:rPr>
+                <a:t>DIFS</a:t>
+              </a:r>
+              <a:endParaRPr kumimoji="1" lang="ja-JP" altLang="en-US" sz="1100" dirty="0">
+                <a:latin typeface="BIZ UDPゴシック" panose="020B0400000000000000" pitchFamily="50" charset="-128"/>
+                <a:ea typeface="BIZ UDPゴシック" panose="020B0400000000000000" pitchFamily="50" charset="-128"/>
+              </a:endParaRPr>
+            </a:p>
+          </p:txBody>
+        </p:sp>
+        <p:sp>
+          <p:nvSpPr>
+            <p:cNvPr id="54" name="テキスト ボックス 53">
+              <a:extLst>
+                <a:ext uri="{FF2B5EF4-FFF2-40B4-BE49-F238E27FC236}">
+                  <a16:creationId xmlns:a16="http://schemas.microsoft.com/office/drawing/2014/main" id="{B083BE6B-B060-445D-FE91-85A108D3BEF4}"/>
+                </a:ext>
+              </a:extLst>
+            </p:cNvPr>
+            <p:cNvSpPr txBox="1"/>
+            <p:nvPr/>
+          </p:nvSpPr>
+          <p:spPr>
+            <a:xfrm>
+              <a:off x="5485810" y="5443687"/>
+              <a:ext cx="849374" cy="261610"/>
+            </a:xfrm>
+            <a:prstGeom prst="rect">
+              <a:avLst/>
+            </a:prstGeom>
+            <a:noFill/>
+          </p:spPr>
+          <p:txBody>
+            <a:bodyPr wrap="square" rtlCol="0">
+              <a:spAutoFit/>
+            </a:bodyPr>
+            <a:lstStyle/>
+            <a:p>
+              <a:pPr algn="ctr"/>
+              <a:r>
+                <a:rPr kumimoji="1" lang="en-US" altLang="ja-JP" sz="1100" dirty="0">
+                  <a:latin typeface="BIZ UDPゴシック" panose="020B0400000000000000" pitchFamily="50" charset="-128"/>
+                  <a:ea typeface="BIZ UDPゴシック" panose="020B0400000000000000" pitchFamily="50" charset="-128"/>
+                </a:rPr>
+                <a:t>Data</a:t>
+              </a:r>
+              <a:endParaRPr kumimoji="1" lang="ja-JP" altLang="en-US" sz="1100" dirty="0">
+                <a:latin typeface="BIZ UDPゴシック" panose="020B0400000000000000" pitchFamily="50" charset="-128"/>
+                <a:ea typeface="BIZ UDPゴシック" panose="020B0400000000000000" pitchFamily="50" charset="-128"/>
+              </a:endParaRPr>
+            </a:p>
+          </p:txBody>
+        </p:sp>
+        <p:sp>
+          <p:nvSpPr>
+            <p:cNvPr id="55" name="テキスト ボックス 54">
+              <a:extLst>
+                <a:ext uri="{FF2B5EF4-FFF2-40B4-BE49-F238E27FC236}">
+                  <a16:creationId xmlns:a16="http://schemas.microsoft.com/office/drawing/2014/main" id="{63296105-1726-C0DC-0793-6154ED9ACFCC}"/>
+                </a:ext>
+              </a:extLst>
+            </p:cNvPr>
+            <p:cNvSpPr txBox="1"/>
+            <p:nvPr/>
+          </p:nvSpPr>
+          <p:spPr>
+            <a:xfrm>
+              <a:off x="5485810" y="1472092"/>
+              <a:ext cx="849374" cy="430887"/>
+            </a:xfrm>
+            <a:prstGeom prst="rect">
+              <a:avLst/>
+            </a:prstGeom>
+            <a:noFill/>
+          </p:spPr>
+          <p:txBody>
+            <a:bodyPr wrap="square" rtlCol="0">
+              <a:spAutoFit/>
+            </a:bodyPr>
+            <a:lstStyle/>
+            <a:p>
+              <a:pPr algn="ctr"/>
+              <a:r>
+                <a:rPr kumimoji="1" lang="en-US" altLang="ja-JP" sz="1100" dirty="0">
+                  <a:latin typeface="BIZ UDPゴシック" panose="020B0400000000000000" pitchFamily="50" charset="-128"/>
+                  <a:ea typeface="BIZ UDPゴシック" panose="020B0400000000000000" pitchFamily="50" charset="-128"/>
+                </a:rPr>
+                <a:t>Sent</a:t>
+              </a:r>
+            </a:p>
+            <a:p>
+              <a:pPr algn="ctr"/>
+              <a:r>
+                <a:rPr kumimoji="1" lang="en-US" altLang="ja-JP" sz="1100" dirty="0">
+                  <a:latin typeface="BIZ UDPゴシック" panose="020B0400000000000000" pitchFamily="50" charset="-128"/>
+                  <a:ea typeface="BIZ UDPゴシック" panose="020B0400000000000000" pitchFamily="50" charset="-128"/>
+                </a:rPr>
+                <a:t>Data</a:t>
+              </a:r>
+              <a:endParaRPr kumimoji="1" lang="ja-JP" altLang="en-US" sz="1100" dirty="0">
+                <a:latin typeface="BIZ UDPゴシック" panose="020B0400000000000000" pitchFamily="50" charset="-128"/>
+                <a:ea typeface="BIZ UDPゴシック" panose="020B0400000000000000" pitchFamily="50" charset="-128"/>
+              </a:endParaRPr>
+            </a:p>
+          </p:txBody>
+        </p:sp>
+        <p:sp>
+          <p:nvSpPr>
+            <p:cNvPr id="63" name="テキスト ボックス 62">
+              <a:extLst>
+                <a:ext uri="{FF2B5EF4-FFF2-40B4-BE49-F238E27FC236}">
+                  <a16:creationId xmlns:a16="http://schemas.microsoft.com/office/drawing/2014/main" id="{3CE9DE1E-9161-FE76-7371-EA63F340D0AD}"/>
+                </a:ext>
+              </a:extLst>
+            </p:cNvPr>
+            <p:cNvSpPr txBox="1"/>
+            <p:nvPr/>
+          </p:nvSpPr>
+          <p:spPr>
+            <a:xfrm>
+              <a:off x="5052064" y="2303021"/>
+              <a:ext cx="1006413" cy="261610"/>
+            </a:xfrm>
+            <a:prstGeom prst="rect">
+              <a:avLst/>
+            </a:prstGeom>
+            <a:noFill/>
+          </p:spPr>
+          <p:txBody>
+            <a:bodyPr wrap="square" rtlCol="0">
+              <a:spAutoFit/>
+            </a:bodyPr>
+            <a:lstStyle/>
+            <a:p>
+              <a:pPr algn="ctr"/>
+              <a:r>
+                <a:rPr kumimoji="1" lang="en-US" altLang="ja-JP" sz="1100" dirty="0">
+                  <a:latin typeface="BIZ UDPゴシック" panose="020B0400000000000000" pitchFamily="50" charset="-128"/>
+                  <a:ea typeface="BIZ UDPゴシック" panose="020B0400000000000000" pitchFamily="50" charset="-128"/>
+                </a:rPr>
+                <a:t>5</a:t>
+              </a:r>
+              <a:endParaRPr kumimoji="1" lang="ja-JP" altLang="en-US" sz="1100" dirty="0">
+                <a:latin typeface="BIZ UDPゴシック" panose="020B0400000000000000" pitchFamily="50" charset="-128"/>
+                <a:ea typeface="BIZ UDPゴシック" panose="020B0400000000000000" pitchFamily="50" charset="-128"/>
+              </a:endParaRPr>
+            </a:p>
+          </p:txBody>
+        </p:sp>
+        <p:sp>
+          <p:nvSpPr>
+            <p:cNvPr id="64" name="テキスト ボックス 63">
+              <a:extLst>
+                <a:ext uri="{FF2B5EF4-FFF2-40B4-BE49-F238E27FC236}">
+                  <a16:creationId xmlns:a16="http://schemas.microsoft.com/office/drawing/2014/main" id="{46365E44-C295-1A3A-9BC6-74049C2E8D58}"/>
+                </a:ext>
+              </a:extLst>
+            </p:cNvPr>
+            <p:cNvSpPr txBox="1"/>
+            <p:nvPr/>
+          </p:nvSpPr>
+          <p:spPr>
+            <a:xfrm>
+              <a:off x="5543864" y="3611744"/>
+              <a:ext cx="1006413" cy="261610"/>
+            </a:xfrm>
+            <a:prstGeom prst="rect">
+              <a:avLst/>
+            </a:prstGeom>
+            <a:noFill/>
+          </p:spPr>
+          <p:txBody>
+            <a:bodyPr wrap="square" rtlCol="0">
+              <a:spAutoFit/>
+            </a:bodyPr>
+            <a:lstStyle/>
+            <a:p>
+              <a:pPr algn="ctr"/>
+              <a:r>
+                <a:rPr kumimoji="1" lang="en-US" altLang="ja-JP" sz="1100" dirty="0">
+                  <a:latin typeface="BIZ UDPゴシック" panose="020B0400000000000000" pitchFamily="50" charset="-128"/>
+                  <a:ea typeface="BIZ UDPゴシック" panose="020B0400000000000000" pitchFamily="50" charset="-128"/>
+                </a:rPr>
+                <a:t>10</a:t>
+              </a:r>
+              <a:endParaRPr kumimoji="1" lang="ja-JP" altLang="en-US" sz="1100" dirty="0">
+                <a:latin typeface="BIZ UDPゴシック" panose="020B0400000000000000" pitchFamily="50" charset="-128"/>
+                <a:ea typeface="BIZ UDPゴシック" panose="020B0400000000000000" pitchFamily="50" charset="-128"/>
+              </a:endParaRPr>
+            </a:p>
+          </p:txBody>
+        </p:sp>
+        <p:sp>
+          <p:nvSpPr>
+            <p:cNvPr id="65" name="テキスト ボックス 64">
+              <a:extLst>
+                <a:ext uri="{FF2B5EF4-FFF2-40B4-BE49-F238E27FC236}">
+                  <a16:creationId xmlns:a16="http://schemas.microsoft.com/office/drawing/2014/main" id="{72B6BADC-6276-08CD-EC5D-5F72BEAC296F}"/>
+                </a:ext>
+              </a:extLst>
+            </p:cNvPr>
+            <p:cNvSpPr txBox="1"/>
+            <p:nvPr/>
+          </p:nvSpPr>
+          <p:spPr>
+            <a:xfrm>
+              <a:off x="5052064" y="4897394"/>
+              <a:ext cx="514927" cy="261610"/>
+            </a:xfrm>
+            <a:prstGeom prst="rect">
+              <a:avLst/>
+            </a:prstGeom>
+            <a:noFill/>
+          </p:spPr>
+          <p:txBody>
+            <a:bodyPr wrap="square" rtlCol="0">
+              <a:spAutoFit/>
+            </a:bodyPr>
+            <a:lstStyle/>
+            <a:p>
+              <a:pPr algn="ctr"/>
+              <a:r>
+                <a:rPr kumimoji="1" lang="en-US" altLang="ja-JP" sz="1100" dirty="0">
+                  <a:latin typeface="BIZ UDPゴシック" panose="020B0400000000000000" pitchFamily="50" charset="-128"/>
+                  <a:ea typeface="BIZ UDPゴシック" panose="020B0400000000000000" pitchFamily="50" charset="-128"/>
+                </a:rPr>
+                <a:t>2</a:t>
+              </a:r>
+              <a:endParaRPr kumimoji="1" lang="ja-JP" altLang="en-US" sz="1100" dirty="0">
+                <a:latin typeface="BIZ UDPゴシック" panose="020B0400000000000000" pitchFamily="50" charset="-128"/>
+                <a:ea typeface="BIZ UDPゴシック" panose="020B0400000000000000" pitchFamily="50" charset="-128"/>
+              </a:endParaRPr>
+            </a:p>
+          </p:txBody>
+        </p:sp>
+        <p:sp>
+          <p:nvSpPr>
+            <p:cNvPr id="66" name="テキスト ボックス 65">
+              <a:extLst>
+                <a:ext uri="{FF2B5EF4-FFF2-40B4-BE49-F238E27FC236}">
+                  <a16:creationId xmlns:a16="http://schemas.microsoft.com/office/drawing/2014/main" id="{2B41D8EF-2B1E-3A11-CCF3-6D6C0109048B}"/>
+                </a:ext>
+              </a:extLst>
+            </p:cNvPr>
+            <p:cNvSpPr txBox="1"/>
+            <p:nvPr/>
+          </p:nvSpPr>
+          <p:spPr>
+            <a:xfrm>
+              <a:off x="7887404" y="2299709"/>
+              <a:ext cx="514927" cy="261610"/>
+            </a:xfrm>
+            <a:prstGeom prst="rect">
+              <a:avLst/>
+            </a:prstGeom>
+            <a:noFill/>
+          </p:spPr>
+          <p:txBody>
+            <a:bodyPr wrap="square" rtlCol="0">
+              <a:spAutoFit/>
+            </a:bodyPr>
+            <a:lstStyle/>
+            <a:p>
+              <a:pPr algn="ctr"/>
+              <a:r>
+                <a:rPr kumimoji="1" lang="en-US" altLang="ja-JP" sz="1100" dirty="0">
+                  <a:latin typeface="BIZ UDPゴシック" panose="020B0400000000000000" pitchFamily="50" charset="-128"/>
+                  <a:ea typeface="BIZ UDPゴシック" panose="020B0400000000000000" pitchFamily="50" charset="-128"/>
+                </a:rPr>
+                <a:t>3</a:t>
+              </a:r>
+              <a:endParaRPr kumimoji="1" lang="ja-JP" altLang="en-US" sz="1100" dirty="0">
+                <a:latin typeface="BIZ UDPゴシック" panose="020B0400000000000000" pitchFamily="50" charset="-128"/>
+                <a:ea typeface="BIZ UDPゴシック" panose="020B0400000000000000" pitchFamily="50" charset="-128"/>
+              </a:endParaRPr>
+            </a:p>
+          </p:txBody>
+        </p:sp>
+        <p:sp>
+          <p:nvSpPr>
+            <p:cNvPr id="67" name="テキスト ボックス 66">
+              <a:extLst>
+                <a:ext uri="{FF2B5EF4-FFF2-40B4-BE49-F238E27FC236}">
+                  <a16:creationId xmlns:a16="http://schemas.microsoft.com/office/drawing/2014/main" id="{7A098AEE-5642-2B63-FA57-1E5CC2E082FF}"/>
+                </a:ext>
+              </a:extLst>
+            </p:cNvPr>
+            <p:cNvSpPr txBox="1"/>
+            <p:nvPr/>
+          </p:nvSpPr>
+          <p:spPr>
+            <a:xfrm>
+              <a:off x="8319130" y="3611744"/>
+              <a:ext cx="514927" cy="261610"/>
+            </a:xfrm>
+            <a:prstGeom prst="rect">
+              <a:avLst/>
+            </a:prstGeom>
+            <a:noFill/>
+          </p:spPr>
+          <p:txBody>
+            <a:bodyPr wrap="square" rtlCol="0">
+              <a:spAutoFit/>
+            </a:bodyPr>
+            <a:lstStyle/>
+            <a:p>
+              <a:pPr algn="ctr"/>
+              <a:r>
+                <a:rPr kumimoji="1" lang="en-US" altLang="ja-JP" sz="1100" dirty="0">
+                  <a:latin typeface="BIZ UDPゴシック" panose="020B0400000000000000" pitchFamily="50" charset="-128"/>
+                  <a:ea typeface="BIZ UDPゴシック" panose="020B0400000000000000" pitchFamily="50" charset="-128"/>
+                </a:rPr>
+                <a:t>8</a:t>
+              </a:r>
+              <a:endParaRPr kumimoji="1" lang="ja-JP" altLang="en-US" sz="1100" dirty="0">
+                <a:latin typeface="BIZ UDPゴシック" panose="020B0400000000000000" pitchFamily="50" charset="-128"/>
+                <a:ea typeface="BIZ UDPゴシック" panose="020B0400000000000000" pitchFamily="50" charset="-128"/>
+              </a:endParaRPr>
+            </a:p>
+          </p:txBody>
+        </p:sp>
+        <p:sp>
+          <p:nvSpPr>
+            <p:cNvPr id="68" name="テキスト ボックス 67">
+              <a:extLst>
+                <a:ext uri="{FF2B5EF4-FFF2-40B4-BE49-F238E27FC236}">
+                  <a16:creationId xmlns:a16="http://schemas.microsoft.com/office/drawing/2014/main" id="{8E9716CB-FC3E-34EB-5302-16E4FD009D50}"/>
+                </a:ext>
+              </a:extLst>
+            </p:cNvPr>
+            <p:cNvSpPr txBox="1"/>
+            <p:nvPr/>
+          </p:nvSpPr>
+          <p:spPr>
+            <a:xfrm>
+              <a:off x="8144867" y="4893512"/>
+              <a:ext cx="514927" cy="261610"/>
+            </a:xfrm>
+            <a:prstGeom prst="rect">
+              <a:avLst/>
+            </a:prstGeom>
+            <a:noFill/>
+          </p:spPr>
+          <p:txBody>
+            <a:bodyPr wrap="square" rtlCol="0">
+              <a:spAutoFit/>
+            </a:bodyPr>
+            <a:lstStyle/>
+            <a:p>
+              <a:pPr algn="ctr"/>
+              <a:r>
+                <a:rPr kumimoji="1" lang="en-US" altLang="ja-JP" sz="1100" dirty="0">
+                  <a:latin typeface="BIZ UDPゴシック" panose="020B0400000000000000" pitchFamily="50" charset="-128"/>
+                  <a:ea typeface="BIZ UDPゴシック" panose="020B0400000000000000" pitchFamily="50" charset="-128"/>
+                </a:rPr>
+                <a:t>6</a:t>
+              </a:r>
+              <a:endParaRPr kumimoji="1" lang="ja-JP" altLang="en-US" sz="1100" dirty="0">
+                <a:latin typeface="BIZ UDPゴシック" panose="020B0400000000000000" pitchFamily="50" charset="-128"/>
+                <a:ea typeface="BIZ UDPゴシック" panose="020B0400000000000000" pitchFamily="50" charset="-128"/>
+              </a:endParaRPr>
+            </a:p>
+          </p:txBody>
+        </p:sp>
+        <p:sp>
+          <p:nvSpPr>
+            <p:cNvPr id="69" name="テキスト ボックス 68">
+              <a:extLst>
+                <a:ext uri="{FF2B5EF4-FFF2-40B4-BE49-F238E27FC236}">
+                  <a16:creationId xmlns:a16="http://schemas.microsoft.com/office/drawing/2014/main" id="{8CAF750E-1E43-B736-7A9B-600EBC39C3AC}"/>
+                </a:ext>
+              </a:extLst>
+            </p:cNvPr>
+            <p:cNvSpPr txBox="1"/>
+            <p:nvPr/>
+          </p:nvSpPr>
+          <p:spPr>
+            <a:xfrm>
+              <a:off x="6633044" y="1589684"/>
+              <a:ext cx="571500" cy="246221"/>
+            </a:xfrm>
+            <a:prstGeom prst="rect">
+              <a:avLst/>
+            </a:prstGeom>
+            <a:noFill/>
+          </p:spPr>
+          <p:txBody>
+            <a:bodyPr wrap="square" rtlCol="0">
+              <a:spAutoFit/>
+            </a:bodyPr>
+            <a:lstStyle/>
+            <a:p>
+              <a:pPr algn="ctr"/>
+              <a:r>
+                <a:rPr kumimoji="1" lang="en-US" altLang="ja-JP" sz="1000" dirty="0">
+                  <a:latin typeface="BIZ UDPゴシック" panose="020B0400000000000000" pitchFamily="50" charset="-128"/>
+                  <a:ea typeface="BIZ UDPゴシック" panose="020B0400000000000000" pitchFamily="50" charset="-128"/>
+                </a:rPr>
+                <a:t>ACK</a:t>
+              </a:r>
+              <a:endParaRPr kumimoji="1" lang="ja-JP" altLang="en-US" sz="1000" dirty="0">
+                <a:latin typeface="BIZ UDPゴシック" panose="020B0400000000000000" pitchFamily="50" charset="-128"/>
+                <a:ea typeface="BIZ UDPゴシック" panose="020B0400000000000000" pitchFamily="50" charset="-128"/>
+              </a:endParaRPr>
+            </a:p>
+          </p:txBody>
+        </p:sp>
+        <p:sp>
+          <p:nvSpPr>
+            <p:cNvPr id="70" name="テキスト ボックス 69">
+              <a:extLst>
+                <a:ext uri="{FF2B5EF4-FFF2-40B4-BE49-F238E27FC236}">
+                  <a16:creationId xmlns:a16="http://schemas.microsoft.com/office/drawing/2014/main" id="{D69936F8-1EE4-71B3-F128-931DE9006712}"/>
+                </a:ext>
+              </a:extLst>
+            </p:cNvPr>
+            <p:cNvSpPr txBox="1"/>
+            <p:nvPr/>
+          </p:nvSpPr>
+          <p:spPr>
+            <a:xfrm>
+              <a:off x="6633044" y="5474010"/>
+              <a:ext cx="571500" cy="246221"/>
+            </a:xfrm>
+            <a:prstGeom prst="rect">
+              <a:avLst/>
+            </a:prstGeom>
+            <a:noFill/>
+          </p:spPr>
+          <p:txBody>
+            <a:bodyPr wrap="square" rtlCol="0">
+              <a:spAutoFit/>
+            </a:bodyPr>
+            <a:lstStyle/>
+            <a:p>
+              <a:pPr algn="ctr"/>
+              <a:r>
+                <a:rPr kumimoji="1" lang="en-US" altLang="ja-JP" sz="1000" dirty="0">
+                  <a:latin typeface="BIZ UDPゴシック" panose="020B0400000000000000" pitchFamily="50" charset="-128"/>
+                  <a:ea typeface="BIZ UDPゴシック" panose="020B0400000000000000" pitchFamily="50" charset="-128"/>
+                </a:rPr>
+                <a:t>ACK</a:t>
+              </a:r>
+              <a:endParaRPr kumimoji="1" lang="ja-JP" altLang="en-US" sz="1000" dirty="0">
+                <a:latin typeface="BIZ UDPゴシック" panose="020B0400000000000000" pitchFamily="50" charset="-128"/>
+                <a:ea typeface="BIZ UDPゴシック" panose="020B0400000000000000" pitchFamily="50" charset="-128"/>
+              </a:endParaRPr>
+            </a:p>
+          </p:txBody>
+        </p:sp>
+        <p:sp>
+          <p:nvSpPr>
+            <p:cNvPr id="71" name="テキスト ボックス 70">
+              <a:extLst>
+                <a:ext uri="{FF2B5EF4-FFF2-40B4-BE49-F238E27FC236}">
+                  <a16:creationId xmlns:a16="http://schemas.microsoft.com/office/drawing/2014/main" id="{4C2BDFE3-F451-AEB4-BFA3-F896079D2D42}"/>
+                </a:ext>
+              </a:extLst>
+            </p:cNvPr>
+            <p:cNvSpPr txBox="1"/>
+            <p:nvPr/>
+          </p:nvSpPr>
+          <p:spPr>
+            <a:xfrm>
+              <a:off x="9549055" y="1576424"/>
+              <a:ext cx="571500" cy="246221"/>
+            </a:xfrm>
+            <a:prstGeom prst="rect">
+              <a:avLst/>
+            </a:prstGeom>
+            <a:noFill/>
+          </p:spPr>
+          <p:txBody>
+            <a:bodyPr wrap="square" rtlCol="0">
+              <a:spAutoFit/>
+            </a:bodyPr>
+            <a:lstStyle/>
+            <a:p>
+              <a:pPr algn="ctr"/>
+              <a:r>
+                <a:rPr kumimoji="1" lang="en-US" altLang="ja-JP" sz="1000" dirty="0">
+                  <a:latin typeface="BIZ UDPゴシック" panose="020B0400000000000000" pitchFamily="50" charset="-128"/>
+                  <a:ea typeface="BIZ UDPゴシック" panose="020B0400000000000000" pitchFamily="50" charset="-128"/>
+                </a:rPr>
+                <a:t>ACK</a:t>
+              </a:r>
+              <a:endParaRPr kumimoji="1" lang="ja-JP" altLang="en-US" sz="1000" dirty="0">
+                <a:latin typeface="BIZ UDPゴシック" panose="020B0400000000000000" pitchFamily="50" charset="-128"/>
+                <a:ea typeface="BIZ UDPゴシック" panose="020B0400000000000000" pitchFamily="50" charset="-128"/>
+              </a:endParaRPr>
+            </a:p>
+          </p:txBody>
+        </p:sp>
+        <p:sp>
+          <p:nvSpPr>
+            <p:cNvPr id="72" name="テキスト ボックス 71">
+              <a:extLst>
+                <a:ext uri="{FF2B5EF4-FFF2-40B4-BE49-F238E27FC236}">
+                  <a16:creationId xmlns:a16="http://schemas.microsoft.com/office/drawing/2014/main" id="{495FB75E-35BC-BCE7-B703-273A1C36910D}"/>
+                </a:ext>
+              </a:extLst>
+            </p:cNvPr>
+            <p:cNvSpPr txBox="1"/>
+            <p:nvPr/>
+          </p:nvSpPr>
+          <p:spPr>
+            <a:xfrm>
+              <a:off x="9549055" y="2877601"/>
+              <a:ext cx="571500" cy="246221"/>
+            </a:xfrm>
+            <a:prstGeom prst="rect">
+              <a:avLst/>
+            </a:prstGeom>
+            <a:noFill/>
+          </p:spPr>
+          <p:txBody>
+            <a:bodyPr wrap="square" rtlCol="0">
+              <a:spAutoFit/>
+            </a:bodyPr>
+            <a:lstStyle/>
+            <a:p>
+              <a:pPr algn="ctr"/>
+              <a:r>
+                <a:rPr kumimoji="1" lang="en-US" altLang="ja-JP" sz="1000" dirty="0">
+                  <a:latin typeface="BIZ UDPゴシック" panose="020B0400000000000000" pitchFamily="50" charset="-128"/>
+                  <a:ea typeface="BIZ UDPゴシック" panose="020B0400000000000000" pitchFamily="50" charset="-128"/>
+                </a:rPr>
+                <a:t>ACK</a:t>
+              </a:r>
+              <a:endParaRPr kumimoji="1" lang="ja-JP" altLang="en-US" sz="1000" dirty="0">
+                <a:latin typeface="BIZ UDPゴシック" panose="020B0400000000000000" pitchFamily="50" charset="-128"/>
+                <a:ea typeface="BIZ UDPゴシック" panose="020B0400000000000000" pitchFamily="50" charset="-128"/>
+              </a:endParaRPr>
+            </a:p>
+          </p:txBody>
+        </p:sp>
+        <p:sp>
+          <p:nvSpPr>
+            <p:cNvPr id="73" name="テキスト ボックス 72">
+              <a:extLst>
+                <a:ext uri="{FF2B5EF4-FFF2-40B4-BE49-F238E27FC236}">
+                  <a16:creationId xmlns:a16="http://schemas.microsoft.com/office/drawing/2014/main" id="{F3897CC5-6CCD-98CC-9A47-4CFBDDBDA4CF}"/>
+                </a:ext>
+              </a:extLst>
+            </p:cNvPr>
+            <p:cNvSpPr txBox="1"/>
+            <p:nvPr/>
+          </p:nvSpPr>
+          <p:spPr>
+            <a:xfrm>
+              <a:off x="8402330" y="2842304"/>
+              <a:ext cx="849374" cy="261610"/>
+            </a:xfrm>
+            <a:prstGeom prst="rect">
+              <a:avLst/>
+            </a:prstGeom>
+            <a:noFill/>
+          </p:spPr>
+          <p:txBody>
+            <a:bodyPr wrap="square" rtlCol="0">
+              <a:spAutoFit/>
+            </a:bodyPr>
+            <a:lstStyle/>
+            <a:p>
+              <a:pPr algn="ctr"/>
+              <a:r>
+                <a:rPr kumimoji="1" lang="en-US" altLang="ja-JP" sz="1100" dirty="0">
+                  <a:latin typeface="BIZ UDPゴシック" panose="020B0400000000000000" pitchFamily="50" charset="-128"/>
+                  <a:ea typeface="BIZ UDPゴシック" panose="020B0400000000000000" pitchFamily="50" charset="-128"/>
+                </a:rPr>
+                <a:t>Data</a:t>
+              </a:r>
+              <a:endParaRPr kumimoji="1" lang="ja-JP" altLang="en-US" sz="1100" dirty="0">
+                <a:latin typeface="BIZ UDPゴシック" panose="020B0400000000000000" pitchFamily="50" charset="-128"/>
+                <a:ea typeface="BIZ UDPゴシック" panose="020B0400000000000000" pitchFamily="50" charset="-128"/>
+              </a:endParaRPr>
+            </a:p>
+          </p:txBody>
+        </p:sp>
+        <p:sp>
+          <p:nvSpPr>
+            <p:cNvPr id="74" name="テキスト ボックス 73">
+              <a:extLst>
+                <a:ext uri="{FF2B5EF4-FFF2-40B4-BE49-F238E27FC236}">
+                  <a16:creationId xmlns:a16="http://schemas.microsoft.com/office/drawing/2014/main" id="{85BD8218-1D39-970D-7833-C0E3D9BF34FF}"/>
+                </a:ext>
+              </a:extLst>
+            </p:cNvPr>
+            <p:cNvSpPr txBox="1"/>
+            <p:nvPr/>
+          </p:nvSpPr>
+          <p:spPr>
+            <a:xfrm>
+              <a:off x="8397674" y="1457156"/>
+              <a:ext cx="849374" cy="430887"/>
+            </a:xfrm>
+            <a:prstGeom prst="rect">
+              <a:avLst/>
+            </a:prstGeom>
+            <a:noFill/>
+          </p:spPr>
+          <p:txBody>
+            <a:bodyPr wrap="square" rtlCol="0">
+              <a:spAutoFit/>
+            </a:bodyPr>
+            <a:lstStyle/>
+            <a:p>
+              <a:pPr algn="ctr"/>
+              <a:r>
+                <a:rPr kumimoji="1" lang="en-US" altLang="ja-JP" sz="1100" dirty="0">
+                  <a:latin typeface="BIZ UDPゴシック" panose="020B0400000000000000" pitchFamily="50" charset="-128"/>
+                  <a:ea typeface="BIZ UDPゴシック" panose="020B0400000000000000" pitchFamily="50" charset="-128"/>
+                </a:rPr>
+                <a:t>Sent</a:t>
+              </a:r>
+            </a:p>
+            <a:p>
+              <a:pPr algn="ctr"/>
+              <a:r>
+                <a:rPr kumimoji="1" lang="en-US" altLang="ja-JP" sz="1100" dirty="0">
+                  <a:latin typeface="BIZ UDPゴシック" panose="020B0400000000000000" pitchFamily="50" charset="-128"/>
+                  <a:ea typeface="BIZ UDPゴシック" panose="020B0400000000000000" pitchFamily="50" charset="-128"/>
+                </a:rPr>
+                <a:t>Data</a:t>
+              </a:r>
+              <a:endParaRPr kumimoji="1" lang="ja-JP" altLang="en-US" sz="1100" dirty="0">
+                <a:latin typeface="BIZ UDPゴシック" panose="020B0400000000000000" pitchFamily="50" charset="-128"/>
+                <a:ea typeface="BIZ UDPゴシック" panose="020B0400000000000000" pitchFamily="50" charset="-128"/>
+              </a:endParaRPr>
+            </a:p>
+          </p:txBody>
+        </p:sp>
+        <p:sp>
+          <p:nvSpPr>
+            <p:cNvPr id="75" name="テキスト ボックス 74">
+              <a:extLst>
+                <a:ext uri="{FF2B5EF4-FFF2-40B4-BE49-F238E27FC236}">
+                  <a16:creationId xmlns:a16="http://schemas.microsoft.com/office/drawing/2014/main" id="{CE516A52-EC0F-1C33-91AA-F3362CCC8EDD}"/>
+                </a:ext>
+              </a:extLst>
+            </p:cNvPr>
+            <p:cNvSpPr txBox="1"/>
+            <p:nvPr/>
+          </p:nvSpPr>
+          <p:spPr>
+            <a:xfrm>
+              <a:off x="9588500" y="2712480"/>
+              <a:ext cx="1447800" cy="261610"/>
+            </a:xfrm>
+            <a:prstGeom prst="rect">
+              <a:avLst/>
+            </a:prstGeom>
+            <a:noFill/>
+          </p:spPr>
+          <p:txBody>
+            <a:bodyPr wrap="square" rtlCol="0">
+              <a:spAutoFit/>
+            </a:bodyPr>
+            <a:lstStyle/>
+            <a:p>
+              <a:pPr algn="ctr"/>
+              <a:r>
+                <a:rPr kumimoji="1" lang="en-US" altLang="ja-JP" sz="1100" dirty="0">
+                  <a:latin typeface="BIZ UDPゴシック" panose="020B0400000000000000" pitchFamily="50" charset="-128"/>
+                  <a:ea typeface="BIZ UDPゴシック" panose="020B0400000000000000" pitchFamily="50" charset="-128"/>
+                </a:rPr>
+                <a:t>DIFS</a:t>
+              </a:r>
+              <a:endParaRPr kumimoji="1" lang="ja-JP" altLang="en-US" sz="1100" dirty="0">
+                <a:latin typeface="BIZ UDPゴシック" panose="020B0400000000000000" pitchFamily="50" charset="-128"/>
+                <a:ea typeface="BIZ UDPゴシック" panose="020B0400000000000000" pitchFamily="50" charset="-128"/>
+              </a:endParaRPr>
+            </a:p>
+          </p:txBody>
+        </p:sp>
+        <p:sp>
+          <p:nvSpPr>
+            <p:cNvPr id="76" name="テキスト ボックス 75">
+              <a:extLst>
+                <a:ext uri="{FF2B5EF4-FFF2-40B4-BE49-F238E27FC236}">
+                  <a16:creationId xmlns:a16="http://schemas.microsoft.com/office/drawing/2014/main" id="{7AC13719-3F7F-7A66-C890-EE336856BDE3}"/>
+                </a:ext>
+              </a:extLst>
+            </p:cNvPr>
+            <p:cNvSpPr txBox="1"/>
+            <p:nvPr/>
+          </p:nvSpPr>
+          <p:spPr>
+            <a:xfrm>
+              <a:off x="8700224" y="1438979"/>
+              <a:ext cx="1447800" cy="261610"/>
+            </a:xfrm>
+            <a:prstGeom prst="rect">
+              <a:avLst/>
+            </a:prstGeom>
+            <a:noFill/>
+          </p:spPr>
+          <p:txBody>
+            <a:bodyPr wrap="square" rtlCol="0">
+              <a:spAutoFit/>
+            </a:bodyPr>
+            <a:lstStyle/>
+            <a:p>
+              <a:pPr algn="ctr"/>
+              <a:r>
+                <a:rPr kumimoji="1" lang="en-US" altLang="ja-JP" sz="1100" dirty="0">
+                  <a:latin typeface="BIZ UDPゴシック" panose="020B0400000000000000" pitchFamily="50" charset="-128"/>
+                  <a:ea typeface="BIZ UDPゴシック" panose="020B0400000000000000" pitchFamily="50" charset="-128"/>
+                </a:rPr>
+                <a:t>SIFS</a:t>
+              </a:r>
+              <a:endParaRPr kumimoji="1" lang="ja-JP" altLang="en-US" sz="1100" dirty="0">
+                <a:latin typeface="BIZ UDPゴシック" panose="020B0400000000000000" pitchFamily="50" charset="-128"/>
+                <a:ea typeface="BIZ UDPゴシック" panose="020B0400000000000000" pitchFamily="50" charset="-128"/>
+              </a:endParaRPr>
+            </a:p>
+          </p:txBody>
+        </p:sp>
+        <p:sp>
+          <p:nvSpPr>
+            <p:cNvPr id="77" name="テキスト ボックス 76">
+              <a:extLst>
+                <a:ext uri="{FF2B5EF4-FFF2-40B4-BE49-F238E27FC236}">
+                  <a16:creationId xmlns:a16="http://schemas.microsoft.com/office/drawing/2014/main" id="{20ACA499-7B1E-30A9-C2E5-9BCCBA135A62}"/>
+                </a:ext>
+              </a:extLst>
+            </p:cNvPr>
+            <p:cNvSpPr txBox="1"/>
+            <p:nvPr/>
+          </p:nvSpPr>
+          <p:spPr>
+            <a:xfrm>
+              <a:off x="5787948" y="1438979"/>
+              <a:ext cx="1447800" cy="261610"/>
+            </a:xfrm>
+            <a:prstGeom prst="rect">
+              <a:avLst/>
+            </a:prstGeom>
+            <a:noFill/>
+          </p:spPr>
+          <p:txBody>
+            <a:bodyPr wrap="square" rtlCol="0">
+              <a:spAutoFit/>
+            </a:bodyPr>
+            <a:lstStyle/>
+            <a:p>
+              <a:pPr algn="ctr"/>
+              <a:r>
+                <a:rPr kumimoji="1" lang="en-US" altLang="ja-JP" sz="1100" dirty="0">
+                  <a:latin typeface="BIZ UDPゴシック" panose="020B0400000000000000" pitchFamily="50" charset="-128"/>
+                  <a:ea typeface="BIZ UDPゴシック" panose="020B0400000000000000" pitchFamily="50" charset="-128"/>
+                </a:rPr>
+                <a:t>SIFS</a:t>
+              </a:r>
+              <a:endParaRPr kumimoji="1" lang="ja-JP" altLang="en-US" sz="1100" dirty="0">
+                <a:latin typeface="BIZ UDPゴシック" panose="020B0400000000000000" pitchFamily="50" charset="-128"/>
+                <a:ea typeface="BIZ UDPゴシック" panose="020B0400000000000000" pitchFamily="50" charset="-128"/>
+              </a:endParaRPr>
+            </a:p>
+          </p:txBody>
+        </p:sp>
+        <p:sp>
+          <p:nvSpPr>
+            <p:cNvPr id="78" name="テキスト ボックス 77">
+              <a:extLst>
+                <a:ext uri="{FF2B5EF4-FFF2-40B4-BE49-F238E27FC236}">
+                  <a16:creationId xmlns:a16="http://schemas.microsoft.com/office/drawing/2014/main" id="{759AD06C-9480-F6F6-1169-CDD61503C9B7}"/>
+                </a:ext>
+              </a:extLst>
+            </p:cNvPr>
+            <p:cNvSpPr txBox="1"/>
+            <p:nvPr/>
+          </p:nvSpPr>
+          <p:spPr>
+            <a:xfrm>
+              <a:off x="6720397" y="1425926"/>
+              <a:ext cx="1447800" cy="261610"/>
+            </a:xfrm>
+            <a:prstGeom prst="rect">
+              <a:avLst/>
+            </a:prstGeom>
+            <a:noFill/>
+          </p:spPr>
+          <p:txBody>
+            <a:bodyPr wrap="square" rtlCol="0">
+              <a:spAutoFit/>
+            </a:bodyPr>
+            <a:lstStyle/>
+            <a:p>
+              <a:pPr algn="ctr"/>
+              <a:r>
+                <a:rPr kumimoji="1" lang="en-US" altLang="ja-JP" sz="1100" dirty="0">
+                  <a:latin typeface="BIZ UDPゴシック" panose="020B0400000000000000" pitchFamily="50" charset="-128"/>
+                  <a:ea typeface="BIZ UDPゴシック" panose="020B0400000000000000" pitchFamily="50" charset="-128"/>
+                </a:rPr>
+                <a:t>DIFS</a:t>
+              </a:r>
+              <a:endParaRPr kumimoji="1" lang="ja-JP" altLang="en-US" sz="1100" dirty="0">
+                <a:latin typeface="BIZ UDPゴシック" panose="020B0400000000000000" pitchFamily="50" charset="-128"/>
+                <a:ea typeface="BIZ UDPゴシック" panose="020B0400000000000000" pitchFamily="50" charset="-128"/>
+              </a:endParaRPr>
+            </a:p>
+          </p:txBody>
+        </p:sp>
+        <p:sp>
+          <p:nvSpPr>
+            <p:cNvPr id="79" name="テキスト ボックス 78">
+              <a:extLst>
+                <a:ext uri="{FF2B5EF4-FFF2-40B4-BE49-F238E27FC236}">
+                  <a16:creationId xmlns:a16="http://schemas.microsoft.com/office/drawing/2014/main" id="{48D36B2A-EE9B-AC61-BD3B-9635EFF42518}"/>
+                </a:ext>
+              </a:extLst>
+            </p:cNvPr>
+            <p:cNvSpPr txBox="1"/>
+            <p:nvPr/>
+          </p:nvSpPr>
+          <p:spPr>
+            <a:xfrm>
+              <a:off x="6720397" y="5311900"/>
+              <a:ext cx="1447800" cy="261610"/>
+            </a:xfrm>
+            <a:prstGeom prst="rect">
+              <a:avLst/>
+            </a:prstGeom>
+            <a:noFill/>
+          </p:spPr>
+          <p:txBody>
+            <a:bodyPr wrap="square" rtlCol="0">
+              <a:spAutoFit/>
+            </a:bodyPr>
+            <a:lstStyle/>
+            <a:p>
+              <a:pPr algn="ctr"/>
+              <a:r>
+                <a:rPr kumimoji="1" lang="en-US" altLang="ja-JP" sz="1100" dirty="0">
+                  <a:latin typeface="BIZ UDPゴシック" panose="020B0400000000000000" pitchFamily="50" charset="-128"/>
+                  <a:ea typeface="BIZ UDPゴシック" panose="020B0400000000000000" pitchFamily="50" charset="-128"/>
+                </a:rPr>
+                <a:t>DIFS</a:t>
+              </a:r>
+              <a:endParaRPr kumimoji="1" lang="ja-JP" altLang="en-US" sz="1100" dirty="0">
+                <a:latin typeface="BIZ UDPゴシック" panose="020B0400000000000000" pitchFamily="50" charset="-128"/>
+                <a:ea typeface="BIZ UDPゴシック" panose="020B0400000000000000" pitchFamily="50" charset="-128"/>
+              </a:endParaRPr>
+            </a:p>
+          </p:txBody>
+        </p:sp>
+      </p:grpSp>
+    </p:spTree>
+    <p:extLst>
+      <p:ext uri="{BB962C8B-B14F-4D97-AF65-F5344CB8AC3E}">
+        <p14:creationId xmlns:p14="http://schemas.microsoft.com/office/powerpoint/2010/main" val="3162495088"/>
+      </p:ext>
+    </p:extLst>
+  </p:cSld>
+  <p:clrMapOvr>
+    <a:masterClrMapping/>
+  </p:clrMapOvr>
+</p:sld>
+</file>
+
+<file path=ppt/slides/slide5.xml><?xml version="1.0" encoding="utf-8"?>
+<p:sld xmlns:a="http://schemas.openxmlformats.org/drawingml/2006/main" xmlns:r="http://schemas.openxmlformats.org/officeDocument/2006/relationships" xmlns:p="http://schemas.openxmlformats.org/presentationml/2006/main">
+  <p:cSld>
+    <p:spTree>
+      <p:nvGrpSpPr>
+        <p:cNvPr id="1" name="">
+          <a:extLst>
+            <a:ext uri="{FF2B5EF4-FFF2-40B4-BE49-F238E27FC236}">
+              <a16:creationId xmlns:a16="http://schemas.microsoft.com/office/drawing/2014/main" id="{1AE78F56-02BC-0D70-FECD-7C7B78283E0B}"/>
+            </a:ext>
+          </a:extLst>
+        </p:cNvPr>
+        <p:cNvGrpSpPr/>
+        <p:nvPr/>
+      </p:nvGrpSpPr>
+      <p:grpSpPr>
+        <a:xfrm>
+          <a:off x="0" y="0"/>
+          <a:ext cx="0" cy="0"/>
+          <a:chOff x="0" y="0"/>
+          <a:chExt cx="0" cy="0"/>
+        </a:xfrm>
+      </p:grpSpPr>
+      <p:pic>
+        <p:nvPicPr>
+          <p:cNvPr id="17" name="図 16">
+            <a:extLst>
+              <a:ext uri="{FF2B5EF4-FFF2-40B4-BE49-F238E27FC236}">
+                <a16:creationId xmlns:a16="http://schemas.microsoft.com/office/drawing/2014/main" id="{5D185710-5820-A9A9-176C-6DAFA084454F}"/>
+              </a:ext>
+            </a:extLst>
+          </p:cNvPr>
+          <p:cNvPicPr>
+            <a:picLocks noChangeAspect="1"/>
+          </p:cNvPicPr>
+          <p:nvPr/>
+        </p:nvPicPr>
+        <p:blipFill>
+          <a:blip r:embed="rId2">
+            <a:extLst>
+              <a:ext uri="{96DAC541-7B7A-43D3-8B79-37D633B846F1}">
+                <asvg:svgBlip xmlns:asvg="http://schemas.microsoft.com/office/drawing/2016/SVG/main" r:embed="rId3"/>
+              </a:ext>
+            </a:extLst>
+          </a:blip>
+          <a:srcRect/>
+          <a:stretch/>
+        </p:blipFill>
+        <p:spPr>
+          <a:xfrm>
+            <a:off x="683512" y="989134"/>
+            <a:ext cx="10824975" cy="4879731"/>
+          </a:xfrm>
+          <a:prstGeom prst="rect">
+            <a:avLst/>
+          </a:prstGeom>
+        </p:spPr>
+      </p:pic>
+      <p:sp>
+        <p:nvSpPr>
+          <p:cNvPr id="18" name="テキスト ボックス 17">
+            <a:extLst>
+              <a:ext uri="{FF2B5EF4-FFF2-40B4-BE49-F238E27FC236}">
+                <a16:creationId xmlns:a16="http://schemas.microsoft.com/office/drawing/2014/main" id="{C8600490-D244-04D8-E98E-617A305270C3}"/>
+              </a:ext>
+            </a:extLst>
+          </p:cNvPr>
+          <p:cNvSpPr txBox="1"/>
+          <p:nvPr/>
+        </p:nvSpPr>
+        <p:spPr>
+          <a:xfrm>
+            <a:off x="208280" y="1838960"/>
+            <a:ext cx="1447800" cy="261610"/>
+          </a:xfrm>
+          <a:prstGeom prst="rect">
+            <a:avLst/>
+          </a:prstGeom>
+          <a:noFill/>
+        </p:spPr>
+        <p:txBody>
+          <a:bodyPr wrap="square" rtlCol="0">
+            <a:spAutoFit/>
+          </a:bodyPr>
+          <a:lstStyle/>
+          <a:p>
+            <a:pPr algn="ctr"/>
+            <a:r>
+              <a:rPr kumimoji="1" lang="ja-JP" altLang="en-US" sz="1100" dirty="0">
+                <a:latin typeface="BIZ UDPゴシック" panose="020B0400000000000000" pitchFamily="50" charset="-128"/>
+                <a:ea typeface="BIZ UDPゴシック" panose="020B0400000000000000" pitchFamily="50" charset="-128"/>
+              </a:rPr>
+              <a:t>無線基地局</a:t>
+            </a:r>
+          </a:p>
+        </p:txBody>
+      </p:sp>
+      <p:sp>
+        <p:nvSpPr>
+          <p:cNvPr id="19" name="テキスト ボックス 18">
+            <a:extLst>
+              <a:ext uri="{FF2B5EF4-FFF2-40B4-BE49-F238E27FC236}">
+                <a16:creationId xmlns:a16="http://schemas.microsoft.com/office/drawing/2014/main" id="{A8A211F6-D7FD-726E-9151-65C9A3371093}"/>
+              </a:ext>
+            </a:extLst>
+          </p:cNvPr>
+          <p:cNvSpPr txBox="1"/>
+          <p:nvPr/>
+        </p:nvSpPr>
+        <p:spPr>
+          <a:xfrm>
+            <a:off x="208280" y="3068834"/>
+            <a:ext cx="1447800" cy="261610"/>
+          </a:xfrm>
+          <a:prstGeom prst="rect">
+            <a:avLst/>
+          </a:prstGeom>
+          <a:noFill/>
+        </p:spPr>
+        <p:txBody>
+          <a:bodyPr wrap="square" rtlCol="0">
+            <a:spAutoFit/>
+          </a:bodyPr>
+          <a:lstStyle/>
+          <a:p>
+            <a:pPr algn="ctr"/>
+            <a:r>
+              <a:rPr kumimoji="1" lang="ja-JP" altLang="en-US" sz="1100" dirty="0">
+                <a:latin typeface="BIZ UDPゴシック" panose="020B0400000000000000" pitchFamily="50" charset="-128"/>
+                <a:ea typeface="BIZ UDPゴシック" panose="020B0400000000000000" pitchFamily="50" charset="-128"/>
+              </a:rPr>
+              <a:t>端末 </a:t>
+            </a:r>
+            <a:r>
+              <a:rPr kumimoji="1" lang="en-US" altLang="ja-JP" sz="1100" dirty="0">
+                <a:latin typeface="BIZ UDPゴシック" panose="020B0400000000000000" pitchFamily="50" charset="-128"/>
+                <a:ea typeface="BIZ UDPゴシック" panose="020B0400000000000000" pitchFamily="50" charset="-128"/>
+              </a:rPr>
+              <a:t>1</a:t>
+            </a:r>
+            <a:endParaRPr kumimoji="1" lang="ja-JP" altLang="en-US" sz="1100" dirty="0">
+              <a:latin typeface="BIZ UDPゴシック" panose="020B0400000000000000" pitchFamily="50" charset="-128"/>
+              <a:ea typeface="BIZ UDPゴシック" panose="020B0400000000000000" pitchFamily="50" charset="-128"/>
+            </a:endParaRPr>
+          </a:p>
+        </p:txBody>
+      </p:sp>
+      <p:sp>
+        <p:nvSpPr>
+          <p:cNvPr id="20" name="テキスト ボックス 19">
+            <a:extLst>
+              <a:ext uri="{FF2B5EF4-FFF2-40B4-BE49-F238E27FC236}">
+                <a16:creationId xmlns:a16="http://schemas.microsoft.com/office/drawing/2014/main" id="{D668A659-B332-59EB-E812-CCA22C9CB2E3}"/>
+              </a:ext>
+            </a:extLst>
+          </p:cNvPr>
+          <p:cNvSpPr txBox="1"/>
+          <p:nvPr/>
+        </p:nvSpPr>
+        <p:spPr>
+          <a:xfrm>
+            <a:off x="208280" y="4306328"/>
+            <a:ext cx="1447800" cy="261610"/>
+          </a:xfrm>
+          <a:prstGeom prst="rect">
+            <a:avLst/>
+          </a:prstGeom>
+          <a:noFill/>
+        </p:spPr>
+        <p:txBody>
+          <a:bodyPr wrap="square" rtlCol="0">
+            <a:spAutoFit/>
+          </a:bodyPr>
+          <a:lstStyle/>
+          <a:p>
+            <a:pPr algn="ctr"/>
+            <a:r>
+              <a:rPr kumimoji="1" lang="ja-JP" altLang="en-US" sz="1100" dirty="0">
+                <a:latin typeface="BIZ UDPゴシック" panose="020B0400000000000000" pitchFamily="50" charset="-128"/>
+                <a:ea typeface="BIZ UDPゴシック" panose="020B0400000000000000" pitchFamily="50" charset="-128"/>
+              </a:rPr>
+              <a:t>端末 </a:t>
+            </a:r>
+            <a:r>
+              <a:rPr lang="en-US" altLang="ja-JP" sz="1100" dirty="0">
+                <a:latin typeface="BIZ UDPゴシック" panose="020B0400000000000000" pitchFamily="50" charset="-128"/>
+                <a:ea typeface="BIZ UDPゴシック" panose="020B0400000000000000" pitchFamily="50" charset="-128"/>
+              </a:rPr>
+              <a:t>2</a:t>
+            </a:r>
+            <a:endParaRPr kumimoji="1" lang="ja-JP" altLang="en-US" sz="1100" dirty="0">
+              <a:latin typeface="BIZ UDPゴシック" panose="020B0400000000000000" pitchFamily="50" charset="-128"/>
+              <a:ea typeface="BIZ UDPゴシック" panose="020B0400000000000000" pitchFamily="50" charset="-128"/>
+            </a:endParaRPr>
+          </a:p>
+        </p:txBody>
+      </p:sp>
+      <p:sp>
+        <p:nvSpPr>
+          <p:cNvPr id="21" name="テキスト ボックス 20">
+            <a:extLst>
+              <a:ext uri="{FF2B5EF4-FFF2-40B4-BE49-F238E27FC236}">
+                <a16:creationId xmlns:a16="http://schemas.microsoft.com/office/drawing/2014/main" id="{93A42187-6BB6-9869-5546-FCAB1A8924B6}"/>
+              </a:ext>
+            </a:extLst>
+          </p:cNvPr>
+          <p:cNvSpPr txBox="1"/>
+          <p:nvPr/>
+        </p:nvSpPr>
+        <p:spPr>
+          <a:xfrm>
+            <a:off x="208280" y="5548414"/>
+            <a:ext cx="1447800" cy="261610"/>
+          </a:xfrm>
+          <a:prstGeom prst="rect">
+            <a:avLst/>
+          </a:prstGeom>
+          <a:noFill/>
+        </p:spPr>
+        <p:txBody>
+          <a:bodyPr wrap="square" rtlCol="0">
+            <a:spAutoFit/>
+          </a:bodyPr>
+          <a:lstStyle/>
+          <a:p>
+            <a:pPr algn="ctr"/>
+            <a:r>
+              <a:rPr kumimoji="1" lang="ja-JP" altLang="en-US" sz="1100" dirty="0">
+                <a:latin typeface="BIZ UDPゴシック" panose="020B0400000000000000" pitchFamily="50" charset="-128"/>
+                <a:ea typeface="BIZ UDPゴシック" panose="020B0400000000000000" pitchFamily="50" charset="-128"/>
+              </a:rPr>
+              <a:t>端末 </a:t>
+            </a:r>
+            <a:r>
+              <a:rPr kumimoji="1" lang="en-US" altLang="ja-JP" sz="1100" dirty="0">
+                <a:latin typeface="BIZ UDPゴシック" panose="020B0400000000000000" pitchFamily="50" charset="-128"/>
+                <a:ea typeface="BIZ UDPゴシック" panose="020B0400000000000000" pitchFamily="50" charset="-128"/>
+              </a:rPr>
+              <a:t>3</a:t>
+            </a:r>
+            <a:endParaRPr kumimoji="1" lang="ja-JP" altLang="en-US" sz="1100" dirty="0">
+              <a:latin typeface="BIZ UDPゴシック" panose="020B0400000000000000" pitchFamily="50" charset="-128"/>
+              <a:ea typeface="BIZ UDPゴシック" panose="020B0400000000000000" pitchFamily="50" charset="-128"/>
+            </a:endParaRPr>
+          </a:p>
+        </p:txBody>
+      </p:sp>
+      <p:sp>
+        <p:nvSpPr>
+          <p:cNvPr id="22" name="テキスト ボックス 21">
+            <a:extLst>
+              <a:ext uri="{FF2B5EF4-FFF2-40B4-BE49-F238E27FC236}">
+                <a16:creationId xmlns:a16="http://schemas.microsoft.com/office/drawing/2014/main" id="{BB0ADFF4-3F1E-7228-4EA4-691465641978}"/>
+              </a:ext>
+            </a:extLst>
+          </p:cNvPr>
+          <p:cNvSpPr txBox="1"/>
+          <p:nvPr/>
+        </p:nvSpPr>
+        <p:spPr>
+          <a:xfrm>
+            <a:off x="1294130" y="1493534"/>
+            <a:ext cx="1447800" cy="261610"/>
+          </a:xfrm>
+          <a:prstGeom prst="rect">
+            <a:avLst/>
+          </a:prstGeom>
+          <a:noFill/>
+        </p:spPr>
+        <p:txBody>
+          <a:bodyPr wrap="square" rtlCol="0">
+            <a:spAutoFit/>
+          </a:bodyPr>
+          <a:lstStyle/>
+          <a:p>
+            <a:pPr algn="ctr"/>
+            <a:r>
+              <a:rPr kumimoji="1" lang="en-US" altLang="ja-JP" sz="1100" dirty="0">
+                <a:latin typeface="BIZ UDPゴシック" panose="020B0400000000000000" pitchFamily="50" charset="-128"/>
+                <a:ea typeface="BIZ UDPゴシック" panose="020B0400000000000000" pitchFamily="50" charset="-128"/>
+              </a:rPr>
+              <a:t>Busy</a:t>
+            </a:r>
+            <a:endParaRPr kumimoji="1" lang="ja-JP" altLang="en-US" sz="1100" dirty="0">
+              <a:latin typeface="BIZ UDPゴシック" panose="020B0400000000000000" pitchFamily="50" charset="-128"/>
+              <a:ea typeface="BIZ UDPゴシック" panose="020B0400000000000000" pitchFamily="50" charset="-128"/>
+            </a:endParaRPr>
+          </a:p>
+        </p:txBody>
+      </p:sp>
+      <p:sp>
+        <p:nvSpPr>
+          <p:cNvPr id="23" name="テキスト ボックス 22">
+            <a:extLst>
+              <a:ext uri="{FF2B5EF4-FFF2-40B4-BE49-F238E27FC236}">
+                <a16:creationId xmlns:a16="http://schemas.microsoft.com/office/drawing/2014/main" id="{84D64734-E5C6-D564-D9BE-6CB91385A1C9}"/>
+              </a:ext>
+            </a:extLst>
+          </p:cNvPr>
+          <p:cNvSpPr txBox="1"/>
+          <p:nvPr/>
+        </p:nvSpPr>
+        <p:spPr>
+          <a:xfrm>
+            <a:off x="1294130" y="2731346"/>
+            <a:ext cx="1447800" cy="261610"/>
+          </a:xfrm>
+          <a:prstGeom prst="rect">
+            <a:avLst/>
+          </a:prstGeom>
+          <a:noFill/>
+        </p:spPr>
+        <p:txBody>
+          <a:bodyPr wrap="square" rtlCol="0">
+            <a:spAutoFit/>
+          </a:bodyPr>
+          <a:lstStyle/>
+          <a:p>
+            <a:pPr algn="ctr"/>
+            <a:r>
+              <a:rPr kumimoji="1" lang="en-US" altLang="ja-JP" sz="1100" dirty="0">
+                <a:latin typeface="BIZ UDPゴシック" panose="020B0400000000000000" pitchFamily="50" charset="-128"/>
+                <a:ea typeface="BIZ UDPゴシック" panose="020B0400000000000000" pitchFamily="50" charset="-128"/>
+              </a:rPr>
+              <a:t>Busy</a:t>
+            </a:r>
+            <a:endParaRPr kumimoji="1" lang="ja-JP" altLang="en-US" sz="1100" dirty="0">
+              <a:latin typeface="BIZ UDPゴシック" panose="020B0400000000000000" pitchFamily="50" charset="-128"/>
+              <a:ea typeface="BIZ UDPゴシック" panose="020B0400000000000000" pitchFamily="50" charset="-128"/>
+            </a:endParaRPr>
+          </a:p>
+        </p:txBody>
+      </p:sp>
+      <p:sp>
+        <p:nvSpPr>
+          <p:cNvPr id="24" name="テキスト ボックス 23">
+            <a:extLst>
+              <a:ext uri="{FF2B5EF4-FFF2-40B4-BE49-F238E27FC236}">
+                <a16:creationId xmlns:a16="http://schemas.microsoft.com/office/drawing/2014/main" id="{529B40E6-E5ED-CEC5-511C-27E1FCC278F4}"/>
+              </a:ext>
+            </a:extLst>
+          </p:cNvPr>
+          <p:cNvSpPr txBox="1"/>
+          <p:nvPr/>
+        </p:nvSpPr>
+        <p:spPr>
+          <a:xfrm>
+            <a:off x="1294130" y="3961220"/>
+            <a:ext cx="1447800" cy="261610"/>
+          </a:xfrm>
+          <a:prstGeom prst="rect">
+            <a:avLst/>
+          </a:prstGeom>
+          <a:noFill/>
+        </p:spPr>
+        <p:txBody>
+          <a:bodyPr wrap="square" rtlCol="0">
+            <a:spAutoFit/>
+          </a:bodyPr>
+          <a:lstStyle/>
+          <a:p>
+            <a:pPr algn="ctr"/>
+            <a:r>
+              <a:rPr kumimoji="1" lang="en-US" altLang="ja-JP" sz="1100" dirty="0">
+                <a:latin typeface="BIZ UDPゴシック" panose="020B0400000000000000" pitchFamily="50" charset="-128"/>
+                <a:ea typeface="BIZ UDPゴシック" panose="020B0400000000000000" pitchFamily="50" charset="-128"/>
+              </a:rPr>
+              <a:t>Busy</a:t>
+            </a:r>
+            <a:endParaRPr kumimoji="1" lang="ja-JP" altLang="en-US" sz="1100" dirty="0">
+              <a:latin typeface="BIZ UDPゴシック" panose="020B0400000000000000" pitchFamily="50" charset="-128"/>
+              <a:ea typeface="BIZ UDPゴシック" panose="020B0400000000000000" pitchFamily="50" charset="-128"/>
+            </a:endParaRPr>
+          </a:p>
+        </p:txBody>
+      </p:sp>
+      <p:sp>
+        <p:nvSpPr>
+          <p:cNvPr id="25" name="テキスト ボックス 24">
+            <a:extLst>
+              <a:ext uri="{FF2B5EF4-FFF2-40B4-BE49-F238E27FC236}">
+                <a16:creationId xmlns:a16="http://schemas.microsoft.com/office/drawing/2014/main" id="{5323F517-6BDD-2DAC-D598-29D6A1F7B89A}"/>
+              </a:ext>
+            </a:extLst>
+          </p:cNvPr>
+          <p:cNvSpPr txBox="1"/>
+          <p:nvPr/>
+        </p:nvSpPr>
+        <p:spPr>
+          <a:xfrm>
+            <a:off x="1294130" y="5198714"/>
+            <a:ext cx="1447800" cy="261610"/>
+          </a:xfrm>
+          <a:prstGeom prst="rect">
+            <a:avLst/>
+          </a:prstGeom>
+          <a:noFill/>
+        </p:spPr>
+        <p:txBody>
+          <a:bodyPr wrap="square" rtlCol="0">
+            <a:spAutoFit/>
+          </a:bodyPr>
+          <a:lstStyle/>
+          <a:p>
+            <a:pPr algn="ctr"/>
+            <a:r>
+              <a:rPr kumimoji="1" lang="en-US" altLang="ja-JP" sz="1100" dirty="0">
+                <a:latin typeface="BIZ UDPゴシック" panose="020B0400000000000000" pitchFamily="50" charset="-128"/>
+                <a:ea typeface="BIZ UDPゴシック" panose="020B0400000000000000" pitchFamily="50" charset="-128"/>
+              </a:rPr>
+              <a:t>Busy</a:t>
+            </a:r>
+            <a:endParaRPr kumimoji="1" lang="ja-JP" altLang="en-US" sz="1100" dirty="0">
+              <a:latin typeface="BIZ UDPゴシック" panose="020B0400000000000000" pitchFamily="50" charset="-128"/>
+              <a:ea typeface="BIZ UDPゴシック" panose="020B0400000000000000" pitchFamily="50" charset="-128"/>
+            </a:endParaRPr>
+          </a:p>
+        </p:txBody>
+      </p:sp>
+      <p:sp>
+        <p:nvSpPr>
+          <p:cNvPr id="26" name="テキスト ボックス 25">
+            <a:extLst>
+              <a:ext uri="{FF2B5EF4-FFF2-40B4-BE49-F238E27FC236}">
+                <a16:creationId xmlns:a16="http://schemas.microsoft.com/office/drawing/2014/main" id="{FC73C00B-34A1-89A2-F558-D02209D68F9C}"/>
+              </a:ext>
+            </a:extLst>
+          </p:cNvPr>
+          <p:cNvSpPr txBox="1"/>
+          <p:nvPr/>
+        </p:nvSpPr>
+        <p:spPr>
+          <a:xfrm>
+            <a:off x="2068830" y="1359004"/>
+            <a:ext cx="1447800" cy="261610"/>
+          </a:xfrm>
+          <a:prstGeom prst="rect">
+            <a:avLst/>
+          </a:prstGeom>
+          <a:noFill/>
+        </p:spPr>
+        <p:txBody>
+          <a:bodyPr wrap="square" rtlCol="0">
+            <a:spAutoFit/>
+          </a:bodyPr>
+          <a:lstStyle/>
+          <a:p>
+            <a:pPr algn="ctr"/>
+            <a:r>
+              <a:rPr kumimoji="1" lang="en-US" altLang="ja-JP" sz="1100" dirty="0">
+                <a:latin typeface="BIZ UDPゴシック" panose="020B0400000000000000" pitchFamily="50" charset="-128"/>
+                <a:ea typeface="BIZ UDPゴシック" panose="020B0400000000000000" pitchFamily="50" charset="-128"/>
+              </a:rPr>
+              <a:t>DIFS</a:t>
+            </a:r>
+            <a:endParaRPr kumimoji="1" lang="ja-JP" altLang="en-US" sz="1100" dirty="0">
+              <a:latin typeface="BIZ UDPゴシック" panose="020B0400000000000000" pitchFamily="50" charset="-128"/>
+              <a:ea typeface="BIZ UDPゴシック" panose="020B0400000000000000" pitchFamily="50" charset="-128"/>
+            </a:endParaRPr>
+          </a:p>
+        </p:txBody>
+      </p:sp>
+      <p:sp>
+        <p:nvSpPr>
+          <p:cNvPr id="27" name="テキスト ボックス 26">
+            <a:extLst>
+              <a:ext uri="{FF2B5EF4-FFF2-40B4-BE49-F238E27FC236}">
+                <a16:creationId xmlns:a16="http://schemas.microsoft.com/office/drawing/2014/main" id="{B56E04FF-204E-8514-F285-18526AFD38ED}"/>
+              </a:ext>
+            </a:extLst>
+          </p:cNvPr>
+          <p:cNvSpPr txBox="1"/>
+          <p:nvPr/>
+        </p:nvSpPr>
+        <p:spPr>
+          <a:xfrm>
+            <a:off x="2068830" y="2588878"/>
+            <a:ext cx="1447800" cy="261610"/>
+          </a:xfrm>
+          <a:prstGeom prst="rect">
+            <a:avLst/>
+          </a:prstGeom>
+          <a:noFill/>
+        </p:spPr>
+        <p:txBody>
+          <a:bodyPr wrap="square" rtlCol="0">
+            <a:spAutoFit/>
+          </a:bodyPr>
+          <a:lstStyle/>
+          <a:p>
+            <a:pPr algn="ctr"/>
+            <a:r>
+              <a:rPr kumimoji="1" lang="en-US" altLang="ja-JP" sz="1100" dirty="0">
+                <a:latin typeface="BIZ UDPゴシック" panose="020B0400000000000000" pitchFamily="50" charset="-128"/>
+                <a:ea typeface="BIZ UDPゴシック" panose="020B0400000000000000" pitchFamily="50" charset="-128"/>
+              </a:rPr>
+              <a:t>DIFS</a:t>
+            </a:r>
+            <a:endParaRPr kumimoji="1" lang="ja-JP" altLang="en-US" sz="1100" dirty="0">
+              <a:latin typeface="BIZ UDPゴシック" panose="020B0400000000000000" pitchFamily="50" charset="-128"/>
+              <a:ea typeface="BIZ UDPゴシック" panose="020B0400000000000000" pitchFamily="50" charset="-128"/>
+            </a:endParaRPr>
+          </a:p>
+        </p:txBody>
+      </p:sp>
+      <p:sp>
+        <p:nvSpPr>
+          <p:cNvPr id="28" name="テキスト ボックス 27">
+            <a:extLst>
+              <a:ext uri="{FF2B5EF4-FFF2-40B4-BE49-F238E27FC236}">
+                <a16:creationId xmlns:a16="http://schemas.microsoft.com/office/drawing/2014/main" id="{3E902E35-9B40-E4C5-2483-AD12C3458AB9}"/>
+              </a:ext>
+            </a:extLst>
+          </p:cNvPr>
+          <p:cNvSpPr txBox="1"/>
+          <p:nvPr/>
+        </p:nvSpPr>
+        <p:spPr>
+          <a:xfrm>
+            <a:off x="2068830" y="3818752"/>
+            <a:ext cx="1447800" cy="261610"/>
+          </a:xfrm>
+          <a:prstGeom prst="rect">
+            <a:avLst/>
+          </a:prstGeom>
+          <a:noFill/>
+        </p:spPr>
+        <p:txBody>
+          <a:bodyPr wrap="square" rtlCol="0">
+            <a:spAutoFit/>
+          </a:bodyPr>
+          <a:lstStyle/>
+          <a:p>
+            <a:pPr algn="ctr"/>
+            <a:r>
+              <a:rPr kumimoji="1" lang="en-US" altLang="ja-JP" sz="1100" dirty="0">
+                <a:latin typeface="BIZ UDPゴシック" panose="020B0400000000000000" pitchFamily="50" charset="-128"/>
+                <a:ea typeface="BIZ UDPゴシック" panose="020B0400000000000000" pitchFamily="50" charset="-128"/>
+              </a:rPr>
+              <a:t>DIFS</a:t>
+            </a:r>
+            <a:endParaRPr kumimoji="1" lang="ja-JP" altLang="en-US" sz="1100" dirty="0">
+              <a:latin typeface="BIZ UDPゴシック" panose="020B0400000000000000" pitchFamily="50" charset="-128"/>
+              <a:ea typeface="BIZ UDPゴシック" panose="020B0400000000000000" pitchFamily="50" charset="-128"/>
+            </a:endParaRPr>
+          </a:p>
+        </p:txBody>
+      </p:sp>
+      <p:sp>
+        <p:nvSpPr>
+          <p:cNvPr id="29" name="テキスト ボックス 28">
+            <a:extLst>
+              <a:ext uri="{FF2B5EF4-FFF2-40B4-BE49-F238E27FC236}">
+                <a16:creationId xmlns:a16="http://schemas.microsoft.com/office/drawing/2014/main" id="{5C87D28C-3FCE-E077-508F-09F85ECC594B}"/>
+              </a:ext>
+            </a:extLst>
+          </p:cNvPr>
+          <p:cNvSpPr txBox="1"/>
+          <p:nvPr/>
+        </p:nvSpPr>
+        <p:spPr>
+          <a:xfrm>
+            <a:off x="2068830" y="5060289"/>
+            <a:ext cx="1447800" cy="261610"/>
+          </a:xfrm>
+          <a:prstGeom prst="rect">
+            <a:avLst/>
+          </a:prstGeom>
+          <a:noFill/>
+        </p:spPr>
+        <p:txBody>
+          <a:bodyPr wrap="square" rtlCol="0">
+            <a:spAutoFit/>
+          </a:bodyPr>
+          <a:lstStyle/>
+          <a:p>
+            <a:pPr algn="ctr"/>
+            <a:r>
+              <a:rPr kumimoji="1" lang="en-US" altLang="ja-JP" sz="1100" dirty="0">
+                <a:latin typeface="BIZ UDPゴシック" panose="020B0400000000000000" pitchFamily="50" charset="-128"/>
+                <a:ea typeface="BIZ UDPゴシック" panose="020B0400000000000000" pitchFamily="50" charset="-128"/>
+              </a:rPr>
+              <a:t>DIFS</a:t>
+            </a:r>
+            <a:endParaRPr kumimoji="1" lang="ja-JP" altLang="en-US" sz="1100" dirty="0">
+              <a:latin typeface="BIZ UDPゴシック" panose="020B0400000000000000" pitchFamily="50" charset="-128"/>
+              <a:ea typeface="BIZ UDPゴシック" panose="020B0400000000000000" pitchFamily="50" charset="-128"/>
+            </a:endParaRPr>
+          </a:p>
+        </p:txBody>
+      </p:sp>
+      <p:sp>
+        <p:nvSpPr>
+          <p:cNvPr id="30" name="テキスト ボックス 29">
+            <a:extLst>
+              <a:ext uri="{FF2B5EF4-FFF2-40B4-BE49-F238E27FC236}">
+                <a16:creationId xmlns:a16="http://schemas.microsoft.com/office/drawing/2014/main" id="{75F851EA-BE74-DC20-EAB2-0F16CA172359}"/>
+              </a:ext>
+            </a:extLst>
+          </p:cNvPr>
+          <p:cNvSpPr txBox="1"/>
+          <p:nvPr/>
+        </p:nvSpPr>
+        <p:spPr>
+          <a:xfrm>
+            <a:off x="2697480" y="2215278"/>
+            <a:ext cx="1447800" cy="261610"/>
+          </a:xfrm>
+          <a:prstGeom prst="rect">
+            <a:avLst/>
+          </a:prstGeom>
+          <a:noFill/>
+        </p:spPr>
+        <p:txBody>
+          <a:bodyPr wrap="square" rtlCol="0">
+            <a:spAutoFit/>
+          </a:bodyPr>
+          <a:lstStyle/>
+          <a:p>
+            <a:pPr algn="ctr"/>
+            <a:r>
+              <a:rPr kumimoji="1" lang="en-US" altLang="ja-JP" sz="1100" dirty="0">
+                <a:latin typeface="BIZ UDPゴシック" panose="020B0400000000000000" pitchFamily="50" charset="-128"/>
+                <a:ea typeface="BIZ UDPゴシック" panose="020B0400000000000000" pitchFamily="50" charset="-128"/>
+              </a:rPr>
+              <a:t>3</a:t>
+            </a:r>
+          </a:p>
+        </p:txBody>
+      </p:sp>
+      <p:sp>
+        <p:nvSpPr>
+          <p:cNvPr id="31" name="テキスト ボックス 30">
+            <a:extLst>
+              <a:ext uri="{FF2B5EF4-FFF2-40B4-BE49-F238E27FC236}">
+                <a16:creationId xmlns:a16="http://schemas.microsoft.com/office/drawing/2014/main" id="{B514AD2F-6EF6-3A2C-6028-65777207EA61}"/>
+              </a:ext>
+            </a:extLst>
+          </p:cNvPr>
+          <p:cNvSpPr txBox="1"/>
+          <p:nvPr/>
+        </p:nvSpPr>
+        <p:spPr>
+          <a:xfrm>
+            <a:off x="2697480" y="3452772"/>
+            <a:ext cx="1447800" cy="261610"/>
+          </a:xfrm>
+          <a:prstGeom prst="rect">
+            <a:avLst/>
+          </a:prstGeom>
+          <a:noFill/>
+        </p:spPr>
+        <p:txBody>
+          <a:bodyPr wrap="square" rtlCol="0">
+            <a:spAutoFit/>
+          </a:bodyPr>
+          <a:lstStyle/>
+          <a:p>
+            <a:pPr algn="ctr"/>
+            <a:r>
+              <a:rPr kumimoji="1" lang="en-US" altLang="ja-JP" sz="1100" dirty="0">
+                <a:latin typeface="BIZ UDPゴシック" panose="020B0400000000000000" pitchFamily="50" charset="-128"/>
+                <a:ea typeface="BIZ UDPゴシック" panose="020B0400000000000000" pitchFamily="50" charset="-128"/>
+              </a:rPr>
+              <a:t>3</a:t>
+            </a:r>
+          </a:p>
+        </p:txBody>
+      </p:sp>
+      <p:sp>
+        <p:nvSpPr>
+          <p:cNvPr id="32" name="テキスト ボックス 31">
+            <a:extLst>
+              <a:ext uri="{FF2B5EF4-FFF2-40B4-BE49-F238E27FC236}">
+                <a16:creationId xmlns:a16="http://schemas.microsoft.com/office/drawing/2014/main" id="{C5A94111-B23C-615E-B17B-81C435D09951}"/>
+              </a:ext>
+            </a:extLst>
+          </p:cNvPr>
+          <p:cNvSpPr txBox="1"/>
+          <p:nvPr/>
+        </p:nvSpPr>
+        <p:spPr>
+          <a:xfrm>
+            <a:off x="2859405" y="4690266"/>
+            <a:ext cx="1447800" cy="261610"/>
+          </a:xfrm>
+          <a:prstGeom prst="rect">
+            <a:avLst/>
+          </a:prstGeom>
+          <a:noFill/>
+        </p:spPr>
+        <p:txBody>
+          <a:bodyPr wrap="square" rtlCol="0">
+            <a:spAutoFit/>
+          </a:bodyPr>
+          <a:lstStyle/>
+          <a:p>
+            <a:pPr algn="ctr"/>
+            <a:r>
+              <a:rPr kumimoji="1" lang="en-US" altLang="ja-JP" sz="1100" dirty="0">
+                <a:latin typeface="BIZ UDPゴシック" panose="020B0400000000000000" pitchFamily="50" charset="-128"/>
+                <a:ea typeface="BIZ UDPゴシック" panose="020B0400000000000000" pitchFamily="50" charset="-128"/>
+              </a:rPr>
+              <a:t>5</a:t>
+            </a:r>
+          </a:p>
+        </p:txBody>
+      </p:sp>
+      <p:sp>
+        <p:nvSpPr>
+          <p:cNvPr id="33" name="テキスト ボックス 32">
+            <a:extLst>
+              <a:ext uri="{FF2B5EF4-FFF2-40B4-BE49-F238E27FC236}">
+                <a16:creationId xmlns:a16="http://schemas.microsoft.com/office/drawing/2014/main" id="{730AF5F4-EC13-C501-1DD3-5A053C88CFF9}"/>
+              </a:ext>
+            </a:extLst>
+          </p:cNvPr>
+          <p:cNvSpPr txBox="1"/>
+          <p:nvPr/>
+        </p:nvSpPr>
+        <p:spPr>
+          <a:xfrm>
+            <a:off x="4850130" y="2215278"/>
+            <a:ext cx="1447800" cy="261610"/>
+          </a:xfrm>
+          <a:prstGeom prst="rect">
+            <a:avLst/>
+          </a:prstGeom>
+          <a:noFill/>
+        </p:spPr>
+        <p:txBody>
+          <a:bodyPr wrap="square" rtlCol="0">
+            <a:spAutoFit/>
+          </a:bodyPr>
+          <a:lstStyle/>
+          <a:p>
+            <a:pPr algn="ctr"/>
+            <a:r>
+              <a:rPr kumimoji="1" lang="en-US" altLang="ja-JP" sz="1100" dirty="0">
+                <a:latin typeface="BIZ UDPゴシック" panose="020B0400000000000000" pitchFamily="50" charset="-128"/>
+                <a:ea typeface="BIZ UDPゴシック" panose="020B0400000000000000" pitchFamily="50" charset="-128"/>
+              </a:rPr>
+              <a:t>5</a:t>
+            </a:r>
+          </a:p>
+        </p:txBody>
+      </p:sp>
+      <p:sp>
+        <p:nvSpPr>
+          <p:cNvPr id="34" name="テキスト ボックス 33">
+            <a:extLst>
+              <a:ext uri="{FF2B5EF4-FFF2-40B4-BE49-F238E27FC236}">
+                <a16:creationId xmlns:a16="http://schemas.microsoft.com/office/drawing/2014/main" id="{B9993338-275E-F910-F39B-8F49598B7A05}"/>
+              </a:ext>
+            </a:extLst>
+          </p:cNvPr>
+          <p:cNvSpPr txBox="1"/>
+          <p:nvPr/>
+        </p:nvSpPr>
+        <p:spPr>
+          <a:xfrm>
+            <a:off x="5372099" y="3452772"/>
+            <a:ext cx="1447800" cy="261610"/>
+          </a:xfrm>
+          <a:prstGeom prst="rect">
+            <a:avLst/>
+          </a:prstGeom>
+          <a:noFill/>
+        </p:spPr>
+        <p:txBody>
+          <a:bodyPr wrap="square" rtlCol="0">
+            <a:spAutoFit/>
+          </a:bodyPr>
+          <a:lstStyle/>
+          <a:p>
+            <a:pPr algn="ctr"/>
+            <a:r>
+              <a:rPr kumimoji="1" lang="en-US" altLang="ja-JP" sz="1100" dirty="0">
+                <a:latin typeface="BIZ UDPゴシック" panose="020B0400000000000000" pitchFamily="50" charset="-128"/>
+                <a:ea typeface="BIZ UDPゴシック" panose="020B0400000000000000" pitchFamily="50" charset="-128"/>
+              </a:rPr>
+              <a:t>10</a:t>
+            </a:r>
+          </a:p>
+        </p:txBody>
+      </p:sp>
+      <p:sp>
+        <p:nvSpPr>
+          <p:cNvPr id="35" name="テキスト ボックス 34">
+            <a:extLst>
+              <a:ext uri="{FF2B5EF4-FFF2-40B4-BE49-F238E27FC236}">
+                <a16:creationId xmlns:a16="http://schemas.microsoft.com/office/drawing/2014/main" id="{2E462580-755C-A0B0-BC12-03F7DC40D53E}"/>
+              </a:ext>
+            </a:extLst>
+          </p:cNvPr>
+          <p:cNvSpPr txBox="1"/>
+          <p:nvPr/>
+        </p:nvSpPr>
+        <p:spPr>
+          <a:xfrm>
+            <a:off x="4607241" y="4690266"/>
+            <a:ext cx="1447800" cy="261610"/>
+          </a:xfrm>
+          <a:prstGeom prst="rect">
+            <a:avLst/>
+          </a:prstGeom>
+          <a:noFill/>
+        </p:spPr>
+        <p:txBody>
+          <a:bodyPr wrap="square" rtlCol="0">
+            <a:spAutoFit/>
+          </a:bodyPr>
+          <a:lstStyle/>
+          <a:p>
+            <a:pPr algn="ctr"/>
+            <a:r>
+              <a:rPr kumimoji="1" lang="en-US" altLang="ja-JP" sz="1100" dirty="0">
+                <a:latin typeface="BIZ UDPゴシック" panose="020B0400000000000000" pitchFamily="50" charset="-128"/>
+                <a:ea typeface="BIZ UDPゴシック" panose="020B0400000000000000" pitchFamily="50" charset="-128"/>
+              </a:rPr>
+              <a:t>2</a:t>
+            </a:r>
+          </a:p>
+        </p:txBody>
+      </p:sp>
+      <p:sp>
+        <p:nvSpPr>
+          <p:cNvPr id="36" name="テキスト ボックス 35">
+            <a:extLst>
+              <a:ext uri="{FF2B5EF4-FFF2-40B4-BE49-F238E27FC236}">
+                <a16:creationId xmlns:a16="http://schemas.microsoft.com/office/drawing/2014/main" id="{14B4D15C-084C-2725-1D7C-4177DEB2ED79}"/>
+              </a:ext>
+            </a:extLst>
+          </p:cNvPr>
+          <p:cNvSpPr txBox="1"/>
+          <p:nvPr/>
+        </p:nvSpPr>
+        <p:spPr>
+          <a:xfrm>
+            <a:off x="7322822" y="2215278"/>
+            <a:ext cx="1447800" cy="261610"/>
+          </a:xfrm>
+          <a:prstGeom prst="rect">
+            <a:avLst/>
+          </a:prstGeom>
+          <a:noFill/>
+        </p:spPr>
+        <p:txBody>
+          <a:bodyPr wrap="square" rtlCol="0">
+            <a:spAutoFit/>
+          </a:bodyPr>
+          <a:lstStyle/>
+          <a:p>
+            <a:pPr algn="ctr"/>
+            <a:r>
+              <a:rPr kumimoji="1" lang="en-US" altLang="ja-JP" sz="1100" dirty="0">
+                <a:latin typeface="BIZ UDPゴシック" panose="020B0400000000000000" pitchFamily="50" charset="-128"/>
+                <a:ea typeface="BIZ UDPゴシック" panose="020B0400000000000000" pitchFamily="50" charset="-128"/>
+              </a:rPr>
+              <a:t>3</a:t>
+            </a:r>
+          </a:p>
+        </p:txBody>
+      </p:sp>
+      <p:sp>
+        <p:nvSpPr>
+          <p:cNvPr id="37" name="テキスト ボックス 36">
+            <a:extLst>
+              <a:ext uri="{FF2B5EF4-FFF2-40B4-BE49-F238E27FC236}">
+                <a16:creationId xmlns:a16="http://schemas.microsoft.com/office/drawing/2014/main" id="{1F330D6E-D157-8B4A-EBBC-764B5ED741D1}"/>
+              </a:ext>
+            </a:extLst>
+          </p:cNvPr>
+          <p:cNvSpPr txBox="1"/>
+          <p:nvPr/>
+        </p:nvSpPr>
+        <p:spPr>
+          <a:xfrm>
+            <a:off x="7579997" y="4690266"/>
+            <a:ext cx="1447800" cy="261610"/>
+          </a:xfrm>
+          <a:prstGeom prst="rect">
+            <a:avLst/>
+          </a:prstGeom>
+          <a:noFill/>
+        </p:spPr>
+        <p:txBody>
+          <a:bodyPr wrap="square" rtlCol="0">
+            <a:spAutoFit/>
+          </a:bodyPr>
+          <a:lstStyle/>
+          <a:p>
+            <a:pPr algn="ctr"/>
+            <a:r>
+              <a:rPr kumimoji="1" lang="en-US" altLang="ja-JP" sz="1100" dirty="0">
+                <a:latin typeface="BIZ UDPゴシック" panose="020B0400000000000000" pitchFamily="50" charset="-128"/>
+                <a:ea typeface="BIZ UDPゴシック" panose="020B0400000000000000" pitchFamily="50" charset="-128"/>
+              </a:rPr>
+              <a:t>6</a:t>
+            </a:r>
+          </a:p>
+        </p:txBody>
+      </p:sp>
+      <p:sp>
+        <p:nvSpPr>
+          <p:cNvPr id="38" name="テキスト ボックス 37">
+            <a:extLst>
+              <a:ext uri="{FF2B5EF4-FFF2-40B4-BE49-F238E27FC236}">
+                <a16:creationId xmlns:a16="http://schemas.microsoft.com/office/drawing/2014/main" id="{5161189E-6567-1E23-14CD-589EE1D02015}"/>
+              </a:ext>
+            </a:extLst>
+          </p:cNvPr>
+          <p:cNvSpPr txBox="1"/>
+          <p:nvPr/>
+        </p:nvSpPr>
+        <p:spPr>
+          <a:xfrm>
+            <a:off x="7716393" y="3452772"/>
+            <a:ext cx="1447800" cy="261610"/>
+          </a:xfrm>
+          <a:prstGeom prst="rect">
+            <a:avLst/>
+          </a:prstGeom>
+          <a:noFill/>
+        </p:spPr>
+        <p:txBody>
+          <a:bodyPr wrap="square" rtlCol="0">
+            <a:spAutoFit/>
+          </a:bodyPr>
+          <a:lstStyle/>
+          <a:p>
+            <a:pPr algn="ctr"/>
+            <a:r>
+              <a:rPr kumimoji="1" lang="en-US" altLang="ja-JP" sz="1100" dirty="0">
+                <a:latin typeface="BIZ UDPゴシック" panose="020B0400000000000000" pitchFamily="50" charset="-128"/>
+                <a:ea typeface="BIZ UDPゴシック" panose="020B0400000000000000" pitchFamily="50" charset="-128"/>
+              </a:rPr>
+              <a:t>8</a:t>
+            </a:r>
+          </a:p>
+        </p:txBody>
+      </p:sp>
+      <p:sp>
+        <p:nvSpPr>
+          <p:cNvPr id="39" name="テキスト ボックス 38">
+            <a:extLst>
+              <a:ext uri="{FF2B5EF4-FFF2-40B4-BE49-F238E27FC236}">
+                <a16:creationId xmlns:a16="http://schemas.microsoft.com/office/drawing/2014/main" id="{645A8CBD-6AED-A253-4ED5-D3BCD61DB6F2}"/>
+              </a:ext>
+            </a:extLst>
+          </p:cNvPr>
+          <p:cNvSpPr txBox="1"/>
+          <p:nvPr/>
+        </p:nvSpPr>
+        <p:spPr>
+          <a:xfrm>
+            <a:off x="3339848" y="1097394"/>
+            <a:ext cx="1447800" cy="276999"/>
+          </a:xfrm>
+          <a:prstGeom prst="rect">
+            <a:avLst/>
+          </a:prstGeom>
+          <a:noFill/>
+        </p:spPr>
+        <p:txBody>
+          <a:bodyPr wrap="square" rtlCol="0">
+            <a:spAutoFit/>
+          </a:bodyPr>
+          <a:lstStyle/>
+          <a:p>
+            <a:pPr algn="ctr"/>
+            <a:r>
+              <a:rPr kumimoji="1" lang="en-US" altLang="ja-JP" sz="1200" b="1" dirty="0">
+                <a:solidFill>
+                  <a:srgbClr val="FF0000"/>
+                </a:solidFill>
+                <a:latin typeface="BIZ UDPゴシック" panose="020B0400000000000000" pitchFamily="50" charset="-128"/>
+                <a:ea typeface="BIZ UDPゴシック" panose="020B0400000000000000" pitchFamily="50" charset="-128"/>
+              </a:rPr>
+              <a:t>Collision</a:t>
+            </a:r>
+            <a:endParaRPr kumimoji="1" lang="en-US" altLang="ja-JP" sz="1100" b="1" dirty="0">
+              <a:solidFill>
+                <a:srgbClr val="FF0000"/>
+              </a:solidFill>
+              <a:latin typeface="BIZ UDPゴシック" panose="020B0400000000000000" pitchFamily="50" charset="-128"/>
+              <a:ea typeface="BIZ UDPゴシック" panose="020B0400000000000000" pitchFamily="50" charset="-128"/>
+            </a:endParaRPr>
+          </a:p>
+        </p:txBody>
+      </p:sp>
+    </p:spTree>
+    <p:extLst>
+      <p:ext uri="{BB962C8B-B14F-4D97-AF65-F5344CB8AC3E}">
+        <p14:creationId xmlns:p14="http://schemas.microsoft.com/office/powerpoint/2010/main" val="2123494522"/>
       </p:ext>
     </p:extLst>
   </p:cSld>
